--- a/进化算法/交叉/循环交叉.pptx
+++ b/进化算法/交叉/循环交叉.pptx
@@ -6,6 +6,9 @@
   </p:sldMasterIdLst>
   <p:sldIdLst>
     <p:sldId id="259" r:id="rId2"/>
+    <p:sldId id="260" r:id="rId3"/>
+    <p:sldId id="261" r:id="rId4"/>
+    <p:sldId id="262" r:id="rId5"/>
   </p:sldIdLst>
   <p:sldSz cx="12192000" cy="6858000"/>
   <p:notesSz cx="6858000" cy="9144000"/>
@@ -154,10 +157,9 @@
           </a:lstStyle>
           <a:p>
             <a:r>
-              <a:rPr lang="zh-CN" altLang="en-US" smtClean="0"/>
+              <a:rPr lang="zh-CN" altLang="en-US"/>
               <a:t>单击此处编辑母版标题样式</a:t>
             </a:r>
-            <a:endParaRPr lang="zh-CN" altLang="en-US"/>
           </a:p>
         </p:txBody>
       </p:sp>
@@ -219,10 +221,9 @@
           </a:lstStyle>
           <a:p>
             <a:r>
-              <a:rPr lang="zh-CN" altLang="en-US" smtClean="0"/>
+              <a:rPr lang="zh-CN" altLang="en-US"/>
               <a:t>单击以编辑母版副标题样式</a:t>
             </a:r>
-            <a:endParaRPr lang="zh-CN" altLang="en-US"/>
           </a:p>
         </p:txBody>
       </p:sp>
@@ -243,7 +244,7 @@
           <a:p>
             <a:fld id="{040B7C12-11E1-412E-B2DA-388387B615FD}" type="datetimeFigureOut">
               <a:rPr lang="zh-CN" altLang="en-US" smtClean="0"/>
-              <a:t>2019/11/19</a:t>
+              <a:t>2019/11/30</a:t>
             </a:fld>
             <a:endParaRPr lang="zh-CN" altLang="en-US"/>
           </a:p>
@@ -337,10 +338,9 @@
           <a:lstStyle/>
           <a:p>
             <a:r>
-              <a:rPr lang="zh-CN" altLang="en-US" smtClean="0"/>
+              <a:rPr lang="zh-CN" altLang="en-US"/>
               <a:t>单击此处编辑母版标题样式</a:t>
             </a:r>
-            <a:endParaRPr lang="zh-CN" altLang="en-US"/>
           </a:p>
         </p:txBody>
       </p:sp>
@@ -361,38 +361,37 @@
           <a:p>
             <a:pPr lvl="0"/>
             <a:r>
-              <a:rPr lang="zh-CN" altLang="en-US" smtClean="0"/>
+              <a:rPr lang="zh-CN" altLang="en-US"/>
               <a:t>编辑母版文本样式</a:t>
             </a:r>
           </a:p>
           <a:p>
             <a:pPr lvl="1"/>
             <a:r>
-              <a:rPr lang="zh-CN" altLang="en-US" smtClean="0"/>
+              <a:rPr lang="zh-CN" altLang="en-US"/>
               <a:t>第二级</a:t>
             </a:r>
           </a:p>
           <a:p>
             <a:pPr lvl="2"/>
             <a:r>
-              <a:rPr lang="zh-CN" altLang="en-US" smtClean="0"/>
+              <a:rPr lang="zh-CN" altLang="en-US"/>
               <a:t>第三级</a:t>
             </a:r>
           </a:p>
           <a:p>
             <a:pPr lvl="3"/>
             <a:r>
-              <a:rPr lang="zh-CN" altLang="en-US" smtClean="0"/>
+              <a:rPr lang="zh-CN" altLang="en-US"/>
               <a:t>第四级</a:t>
             </a:r>
           </a:p>
           <a:p>
             <a:pPr lvl="4"/>
             <a:r>
-              <a:rPr lang="zh-CN" altLang="en-US" smtClean="0"/>
+              <a:rPr lang="zh-CN" altLang="en-US"/>
               <a:t>第五级</a:t>
             </a:r>
-            <a:endParaRPr lang="zh-CN" altLang="en-US"/>
           </a:p>
         </p:txBody>
       </p:sp>
@@ -413,7 +412,7 @@
           <a:p>
             <a:fld id="{040B7C12-11E1-412E-B2DA-388387B615FD}" type="datetimeFigureOut">
               <a:rPr lang="zh-CN" altLang="en-US" smtClean="0"/>
-              <a:t>2019/11/19</a:t>
+              <a:t>2019/11/30</a:t>
             </a:fld>
             <a:endParaRPr lang="zh-CN" altLang="en-US"/>
           </a:p>
@@ -512,10 +511,9 @@
           <a:lstStyle/>
           <a:p>
             <a:r>
-              <a:rPr lang="zh-CN" altLang="en-US" smtClean="0"/>
+              <a:rPr lang="zh-CN" altLang="en-US"/>
               <a:t>单击此处编辑母版标题样式</a:t>
             </a:r>
-            <a:endParaRPr lang="zh-CN" altLang="en-US"/>
           </a:p>
         </p:txBody>
       </p:sp>
@@ -541,38 +539,37 @@
           <a:p>
             <a:pPr lvl="0"/>
             <a:r>
-              <a:rPr lang="zh-CN" altLang="en-US" smtClean="0"/>
+              <a:rPr lang="zh-CN" altLang="en-US"/>
               <a:t>编辑母版文本样式</a:t>
             </a:r>
           </a:p>
           <a:p>
             <a:pPr lvl="1"/>
             <a:r>
-              <a:rPr lang="zh-CN" altLang="en-US" smtClean="0"/>
+              <a:rPr lang="zh-CN" altLang="en-US"/>
               <a:t>第二级</a:t>
             </a:r>
           </a:p>
           <a:p>
             <a:pPr lvl="2"/>
             <a:r>
-              <a:rPr lang="zh-CN" altLang="en-US" smtClean="0"/>
+              <a:rPr lang="zh-CN" altLang="en-US"/>
               <a:t>第三级</a:t>
             </a:r>
           </a:p>
           <a:p>
             <a:pPr lvl="3"/>
             <a:r>
-              <a:rPr lang="zh-CN" altLang="en-US" smtClean="0"/>
+              <a:rPr lang="zh-CN" altLang="en-US"/>
               <a:t>第四级</a:t>
             </a:r>
           </a:p>
           <a:p>
             <a:pPr lvl="4"/>
             <a:r>
-              <a:rPr lang="zh-CN" altLang="en-US" smtClean="0"/>
+              <a:rPr lang="zh-CN" altLang="en-US"/>
               <a:t>第五级</a:t>
             </a:r>
-            <a:endParaRPr lang="zh-CN" altLang="en-US"/>
           </a:p>
         </p:txBody>
       </p:sp>
@@ -593,7 +590,7 @@
           <a:p>
             <a:fld id="{040B7C12-11E1-412E-B2DA-388387B615FD}" type="datetimeFigureOut">
               <a:rPr lang="zh-CN" altLang="en-US" smtClean="0"/>
-              <a:t>2019/11/19</a:t>
+              <a:t>2019/11/30</a:t>
             </a:fld>
             <a:endParaRPr lang="zh-CN" altLang="en-US"/>
           </a:p>
@@ -687,10 +684,9 @@
           <a:lstStyle/>
           <a:p>
             <a:r>
-              <a:rPr lang="zh-CN" altLang="en-US" smtClean="0"/>
+              <a:rPr lang="zh-CN" altLang="en-US"/>
               <a:t>单击此处编辑母版标题样式</a:t>
             </a:r>
-            <a:endParaRPr lang="zh-CN" altLang="en-US"/>
           </a:p>
         </p:txBody>
       </p:sp>
@@ -711,38 +707,37 @@
           <a:p>
             <a:pPr lvl="0"/>
             <a:r>
-              <a:rPr lang="zh-CN" altLang="en-US" smtClean="0"/>
+              <a:rPr lang="zh-CN" altLang="en-US"/>
               <a:t>编辑母版文本样式</a:t>
             </a:r>
           </a:p>
           <a:p>
             <a:pPr lvl="1"/>
             <a:r>
-              <a:rPr lang="zh-CN" altLang="en-US" smtClean="0"/>
+              <a:rPr lang="zh-CN" altLang="en-US"/>
               <a:t>第二级</a:t>
             </a:r>
           </a:p>
           <a:p>
             <a:pPr lvl="2"/>
             <a:r>
-              <a:rPr lang="zh-CN" altLang="en-US" smtClean="0"/>
+              <a:rPr lang="zh-CN" altLang="en-US"/>
               <a:t>第三级</a:t>
             </a:r>
           </a:p>
           <a:p>
             <a:pPr lvl="3"/>
             <a:r>
-              <a:rPr lang="zh-CN" altLang="en-US" smtClean="0"/>
+              <a:rPr lang="zh-CN" altLang="en-US"/>
               <a:t>第四级</a:t>
             </a:r>
           </a:p>
           <a:p>
             <a:pPr lvl="4"/>
             <a:r>
-              <a:rPr lang="zh-CN" altLang="en-US" smtClean="0"/>
+              <a:rPr lang="zh-CN" altLang="en-US"/>
               <a:t>第五级</a:t>
             </a:r>
-            <a:endParaRPr lang="zh-CN" altLang="en-US"/>
           </a:p>
         </p:txBody>
       </p:sp>
@@ -763,7 +758,7 @@
           <a:p>
             <a:fld id="{040B7C12-11E1-412E-B2DA-388387B615FD}" type="datetimeFigureOut">
               <a:rPr lang="zh-CN" altLang="en-US" smtClean="0"/>
-              <a:t>2019/11/19</a:t>
+              <a:t>2019/11/30</a:t>
             </a:fld>
             <a:endParaRPr lang="zh-CN" altLang="en-US"/>
           </a:p>
@@ -821,13 +816,6 @@
   <p:clrMapOvr>
     <a:masterClrMapping/>
   </p:clrMapOvr>
-  <p:timing>
-    <p:tnLst>
-      <p:par>
-        <p:cTn id="1" dur="indefinite" restart="never" nodeType="tmRoot"/>
-      </p:par>
-    </p:tnLst>
-  </p:timing>
 </p:sldLayout>
 </file>
 
@@ -873,10 +861,9 @@
           </a:lstStyle>
           <a:p>
             <a:r>
-              <a:rPr lang="zh-CN" altLang="en-US" smtClean="0"/>
+              <a:rPr lang="zh-CN" altLang="en-US"/>
               <a:t>单击此处编辑母版标题样式</a:t>
             </a:r>
-            <a:endParaRPr lang="zh-CN" altLang="en-US"/>
           </a:p>
         </p:txBody>
       </p:sp>
@@ -993,7 +980,7 @@
           <a:p>
             <a:pPr lvl="0"/>
             <a:r>
-              <a:rPr lang="zh-CN" altLang="en-US" smtClean="0"/>
+              <a:rPr lang="zh-CN" altLang="en-US"/>
               <a:t>编辑母版文本样式</a:t>
             </a:r>
           </a:p>
@@ -1016,7 +1003,7 @@
           <a:p>
             <a:fld id="{040B7C12-11E1-412E-B2DA-388387B615FD}" type="datetimeFigureOut">
               <a:rPr lang="zh-CN" altLang="en-US" smtClean="0"/>
-              <a:t>2019/11/19</a:t>
+              <a:t>2019/11/30</a:t>
             </a:fld>
             <a:endParaRPr lang="zh-CN" altLang="en-US"/>
           </a:p>
@@ -1110,10 +1097,9 @@
           <a:lstStyle/>
           <a:p>
             <a:r>
-              <a:rPr lang="zh-CN" altLang="en-US" smtClean="0"/>
+              <a:rPr lang="zh-CN" altLang="en-US"/>
               <a:t>单击此处编辑母版标题样式</a:t>
             </a:r>
-            <a:endParaRPr lang="zh-CN" altLang="en-US"/>
           </a:p>
         </p:txBody>
       </p:sp>
@@ -1139,38 +1125,37 @@
           <a:p>
             <a:pPr lvl="0"/>
             <a:r>
-              <a:rPr lang="zh-CN" altLang="en-US" smtClean="0"/>
+              <a:rPr lang="zh-CN" altLang="en-US"/>
               <a:t>编辑母版文本样式</a:t>
             </a:r>
           </a:p>
           <a:p>
             <a:pPr lvl="1"/>
             <a:r>
-              <a:rPr lang="zh-CN" altLang="en-US" smtClean="0"/>
+              <a:rPr lang="zh-CN" altLang="en-US"/>
               <a:t>第二级</a:t>
             </a:r>
           </a:p>
           <a:p>
             <a:pPr lvl="2"/>
             <a:r>
-              <a:rPr lang="zh-CN" altLang="en-US" smtClean="0"/>
+              <a:rPr lang="zh-CN" altLang="en-US"/>
               <a:t>第三级</a:t>
             </a:r>
           </a:p>
           <a:p>
             <a:pPr lvl="3"/>
             <a:r>
-              <a:rPr lang="zh-CN" altLang="en-US" smtClean="0"/>
+              <a:rPr lang="zh-CN" altLang="en-US"/>
               <a:t>第四级</a:t>
             </a:r>
           </a:p>
           <a:p>
             <a:pPr lvl="4"/>
             <a:r>
-              <a:rPr lang="zh-CN" altLang="en-US" smtClean="0"/>
+              <a:rPr lang="zh-CN" altLang="en-US"/>
               <a:t>第五级</a:t>
             </a:r>
-            <a:endParaRPr lang="zh-CN" altLang="en-US"/>
           </a:p>
         </p:txBody>
       </p:sp>
@@ -1196,38 +1181,37 @@
           <a:p>
             <a:pPr lvl="0"/>
             <a:r>
-              <a:rPr lang="zh-CN" altLang="en-US" smtClean="0"/>
+              <a:rPr lang="zh-CN" altLang="en-US"/>
               <a:t>编辑母版文本样式</a:t>
             </a:r>
           </a:p>
           <a:p>
             <a:pPr lvl="1"/>
             <a:r>
-              <a:rPr lang="zh-CN" altLang="en-US" smtClean="0"/>
+              <a:rPr lang="zh-CN" altLang="en-US"/>
               <a:t>第二级</a:t>
             </a:r>
           </a:p>
           <a:p>
             <a:pPr lvl="2"/>
             <a:r>
-              <a:rPr lang="zh-CN" altLang="en-US" smtClean="0"/>
+              <a:rPr lang="zh-CN" altLang="en-US"/>
               <a:t>第三级</a:t>
             </a:r>
           </a:p>
           <a:p>
             <a:pPr lvl="3"/>
             <a:r>
-              <a:rPr lang="zh-CN" altLang="en-US" smtClean="0"/>
+              <a:rPr lang="zh-CN" altLang="en-US"/>
               <a:t>第四级</a:t>
             </a:r>
           </a:p>
           <a:p>
             <a:pPr lvl="4"/>
             <a:r>
-              <a:rPr lang="zh-CN" altLang="en-US" smtClean="0"/>
+              <a:rPr lang="zh-CN" altLang="en-US"/>
               <a:t>第五级</a:t>
             </a:r>
-            <a:endParaRPr lang="zh-CN" altLang="en-US"/>
           </a:p>
         </p:txBody>
       </p:sp>
@@ -1248,7 +1232,7 @@
           <a:p>
             <a:fld id="{040B7C12-11E1-412E-B2DA-388387B615FD}" type="datetimeFigureOut">
               <a:rPr lang="zh-CN" altLang="en-US" smtClean="0"/>
-              <a:t>2019/11/19</a:t>
+              <a:t>2019/11/30</a:t>
             </a:fld>
             <a:endParaRPr lang="zh-CN" altLang="en-US"/>
           </a:p>
@@ -1347,10 +1331,9 @@
           <a:lstStyle/>
           <a:p>
             <a:r>
-              <a:rPr lang="zh-CN" altLang="en-US" smtClean="0"/>
+              <a:rPr lang="zh-CN" altLang="en-US"/>
               <a:t>单击此处编辑母版标题样式</a:t>
             </a:r>
-            <a:endParaRPr lang="zh-CN" altLang="en-US"/>
           </a:p>
         </p:txBody>
       </p:sp>
@@ -1413,7 +1396,7 @@
           <a:p>
             <a:pPr lvl="0"/>
             <a:r>
-              <a:rPr lang="zh-CN" altLang="en-US" smtClean="0"/>
+              <a:rPr lang="zh-CN" altLang="en-US"/>
               <a:t>编辑母版文本样式</a:t>
             </a:r>
           </a:p>
@@ -1441,38 +1424,37 @@
           <a:p>
             <a:pPr lvl="0"/>
             <a:r>
-              <a:rPr lang="zh-CN" altLang="en-US" smtClean="0"/>
+              <a:rPr lang="zh-CN" altLang="en-US"/>
               <a:t>编辑母版文本样式</a:t>
             </a:r>
           </a:p>
           <a:p>
             <a:pPr lvl="1"/>
             <a:r>
-              <a:rPr lang="zh-CN" altLang="en-US" smtClean="0"/>
+              <a:rPr lang="zh-CN" altLang="en-US"/>
               <a:t>第二级</a:t>
             </a:r>
           </a:p>
           <a:p>
             <a:pPr lvl="2"/>
             <a:r>
-              <a:rPr lang="zh-CN" altLang="en-US" smtClean="0"/>
+              <a:rPr lang="zh-CN" altLang="en-US"/>
               <a:t>第三级</a:t>
             </a:r>
           </a:p>
           <a:p>
             <a:pPr lvl="3"/>
             <a:r>
-              <a:rPr lang="zh-CN" altLang="en-US" smtClean="0"/>
+              <a:rPr lang="zh-CN" altLang="en-US"/>
               <a:t>第四级</a:t>
             </a:r>
           </a:p>
           <a:p>
             <a:pPr lvl="4"/>
             <a:r>
-              <a:rPr lang="zh-CN" altLang="en-US" smtClean="0"/>
+              <a:rPr lang="zh-CN" altLang="en-US"/>
               <a:t>第五级</a:t>
             </a:r>
-            <a:endParaRPr lang="zh-CN" altLang="en-US"/>
           </a:p>
         </p:txBody>
       </p:sp>
@@ -1535,7 +1517,7 @@
           <a:p>
             <a:pPr lvl="0"/>
             <a:r>
-              <a:rPr lang="zh-CN" altLang="en-US" smtClean="0"/>
+              <a:rPr lang="zh-CN" altLang="en-US"/>
               <a:t>编辑母版文本样式</a:t>
             </a:r>
           </a:p>
@@ -1563,38 +1545,37 @@
           <a:p>
             <a:pPr lvl="0"/>
             <a:r>
-              <a:rPr lang="zh-CN" altLang="en-US" smtClean="0"/>
+              <a:rPr lang="zh-CN" altLang="en-US"/>
               <a:t>编辑母版文本样式</a:t>
             </a:r>
           </a:p>
           <a:p>
             <a:pPr lvl="1"/>
             <a:r>
-              <a:rPr lang="zh-CN" altLang="en-US" smtClean="0"/>
+              <a:rPr lang="zh-CN" altLang="en-US"/>
               <a:t>第二级</a:t>
             </a:r>
           </a:p>
           <a:p>
             <a:pPr lvl="2"/>
             <a:r>
-              <a:rPr lang="zh-CN" altLang="en-US" smtClean="0"/>
+              <a:rPr lang="zh-CN" altLang="en-US"/>
               <a:t>第三级</a:t>
             </a:r>
           </a:p>
           <a:p>
             <a:pPr lvl="3"/>
             <a:r>
-              <a:rPr lang="zh-CN" altLang="en-US" smtClean="0"/>
+              <a:rPr lang="zh-CN" altLang="en-US"/>
               <a:t>第四级</a:t>
             </a:r>
           </a:p>
           <a:p>
             <a:pPr lvl="4"/>
             <a:r>
-              <a:rPr lang="zh-CN" altLang="en-US" smtClean="0"/>
+              <a:rPr lang="zh-CN" altLang="en-US"/>
               <a:t>第五级</a:t>
             </a:r>
-            <a:endParaRPr lang="zh-CN" altLang="en-US"/>
           </a:p>
         </p:txBody>
       </p:sp>
@@ -1615,7 +1596,7 @@
           <a:p>
             <a:fld id="{040B7C12-11E1-412E-B2DA-388387B615FD}" type="datetimeFigureOut">
               <a:rPr lang="zh-CN" altLang="en-US" smtClean="0"/>
-              <a:t>2019/11/19</a:t>
+              <a:t>2019/11/30</a:t>
             </a:fld>
             <a:endParaRPr lang="zh-CN" altLang="en-US"/>
           </a:p>
@@ -1709,10 +1690,9 @@
           <a:lstStyle/>
           <a:p>
             <a:r>
-              <a:rPr lang="zh-CN" altLang="en-US" smtClean="0"/>
+              <a:rPr lang="zh-CN" altLang="en-US"/>
               <a:t>单击此处编辑母版标题样式</a:t>
             </a:r>
-            <a:endParaRPr lang="zh-CN" altLang="en-US"/>
           </a:p>
         </p:txBody>
       </p:sp>
@@ -1733,7 +1713,7 @@
           <a:p>
             <a:fld id="{040B7C12-11E1-412E-B2DA-388387B615FD}" type="datetimeFigureOut">
               <a:rPr lang="zh-CN" altLang="en-US" smtClean="0"/>
-              <a:t>2019/11/19</a:t>
+              <a:t>2019/11/30</a:t>
             </a:fld>
             <a:endParaRPr lang="zh-CN" altLang="en-US"/>
           </a:p>
@@ -1828,7 +1808,7 @@
           <a:p>
             <a:fld id="{040B7C12-11E1-412E-B2DA-388387B615FD}" type="datetimeFigureOut">
               <a:rPr lang="zh-CN" altLang="en-US" smtClean="0"/>
-              <a:t>2019/11/19</a:t>
+              <a:t>2019/11/30</a:t>
             </a:fld>
             <a:endParaRPr lang="zh-CN" altLang="en-US"/>
           </a:p>
@@ -1931,10 +1911,9 @@
           </a:lstStyle>
           <a:p>
             <a:r>
-              <a:rPr lang="zh-CN" altLang="en-US" smtClean="0"/>
+              <a:rPr lang="zh-CN" altLang="en-US"/>
               <a:t>单击此处编辑母版标题样式</a:t>
             </a:r>
-            <a:endParaRPr lang="zh-CN" altLang="en-US"/>
           </a:p>
         </p:txBody>
       </p:sp>
@@ -1988,38 +1967,37 @@
           <a:p>
             <a:pPr lvl="0"/>
             <a:r>
-              <a:rPr lang="zh-CN" altLang="en-US" smtClean="0"/>
+              <a:rPr lang="zh-CN" altLang="en-US"/>
               <a:t>编辑母版文本样式</a:t>
             </a:r>
           </a:p>
           <a:p>
             <a:pPr lvl="1"/>
             <a:r>
-              <a:rPr lang="zh-CN" altLang="en-US" smtClean="0"/>
+              <a:rPr lang="zh-CN" altLang="en-US"/>
               <a:t>第二级</a:t>
             </a:r>
           </a:p>
           <a:p>
             <a:pPr lvl="2"/>
             <a:r>
-              <a:rPr lang="zh-CN" altLang="en-US" smtClean="0"/>
+              <a:rPr lang="zh-CN" altLang="en-US"/>
               <a:t>第三级</a:t>
             </a:r>
           </a:p>
           <a:p>
             <a:pPr lvl="3"/>
             <a:r>
-              <a:rPr lang="zh-CN" altLang="en-US" smtClean="0"/>
+              <a:rPr lang="zh-CN" altLang="en-US"/>
               <a:t>第四级</a:t>
             </a:r>
           </a:p>
           <a:p>
             <a:pPr lvl="4"/>
             <a:r>
-              <a:rPr lang="zh-CN" altLang="en-US" smtClean="0"/>
+              <a:rPr lang="zh-CN" altLang="en-US"/>
               <a:t>第五级</a:t>
             </a:r>
-            <a:endParaRPr lang="zh-CN" altLang="en-US"/>
           </a:p>
         </p:txBody>
       </p:sp>
@@ -2082,7 +2060,7 @@
           <a:p>
             <a:pPr lvl="0"/>
             <a:r>
-              <a:rPr lang="zh-CN" altLang="en-US" smtClean="0"/>
+              <a:rPr lang="zh-CN" altLang="en-US"/>
               <a:t>编辑母版文本样式</a:t>
             </a:r>
           </a:p>
@@ -2105,7 +2083,7 @@
           <a:p>
             <a:fld id="{040B7C12-11E1-412E-B2DA-388387B615FD}" type="datetimeFigureOut">
               <a:rPr lang="zh-CN" altLang="en-US" smtClean="0"/>
-              <a:t>2019/11/19</a:t>
+              <a:t>2019/11/30</a:t>
             </a:fld>
             <a:endParaRPr lang="zh-CN" altLang="en-US"/>
           </a:p>
@@ -2208,10 +2186,9 @@
           </a:lstStyle>
           <a:p>
             <a:r>
-              <a:rPr lang="zh-CN" altLang="en-US" smtClean="0"/>
+              <a:rPr lang="zh-CN" altLang="en-US"/>
               <a:t>单击此处编辑母版标题样式</a:t>
             </a:r>
-            <a:endParaRPr lang="zh-CN" altLang="en-US"/>
           </a:p>
         </p:txBody>
       </p:sp>
@@ -2335,7 +2312,7 @@
           <a:p>
             <a:pPr lvl="0"/>
             <a:r>
-              <a:rPr lang="zh-CN" altLang="en-US" smtClean="0"/>
+              <a:rPr lang="zh-CN" altLang="en-US"/>
               <a:t>编辑母版文本样式</a:t>
             </a:r>
           </a:p>
@@ -2358,7 +2335,7 @@
           <a:p>
             <a:fld id="{040B7C12-11E1-412E-B2DA-388387B615FD}" type="datetimeFigureOut">
               <a:rPr lang="zh-CN" altLang="en-US" smtClean="0"/>
-              <a:t>2019/11/19</a:t>
+              <a:t>2019/11/30</a:t>
             </a:fld>
             <a:endParaRPr lang="zh-CN" altLang="en-US"/>
           </a:p>
@@ -2467,10 +2444,9 @@
           <a:lstStyle/>
           <a:p>
             <a:r>
-              <a:rPr lang="zh-CN" altLang="en-US" smtClean="0"/>
+              <a:rPr lang="zh-CN" altLang="en-US"/>
               <a:t>单击此处编辑母版标题样式</a:t>
             </a:r>
-            <a:endParaRPr lang="zh-CN" altLang="en-US"/>
           </a:p>
         </p:txBody>
       </p:sp>
@@ -2501,38 +2477,37 @@
           <a:p>
             <a:pPr lvl="0"/>
             <a:r>
-              <a:rPr lang="zh-CN" altLang="en-US" smtClean="0"/>
+              <a:rPr lang="zh-CN" altLang="en-US"/>
               <a:t>编辑母版文本样式</a:t>
             </a:r>
           </a:p>
           <a:p>
             <a:pPr lvl="1"/>
             <a:r>
-              <a:rPr lang="zh-CN" altLang="en-US" smtClean="0"/>
+              <a:rPr lang="zh-CN" altLang="en-US"/>
               <a:t>第二级</a:t>
             </a:r>
           </a:p>
           <a:p>
             <a:pPr lvl="2"/>
             <a:r>
-              <a:rPr lang="zh-CN" altLang="en-US" smtClean="0"/>
+              <a:rPr lang="zh-CN" altLang="en-US"/>
               <a:t>第三级</a:t>
             </a:r>
           </a:p>
           <a:p>
             <a:pPr lvl="3"/>
             <a:r>
-              <a:rPr lang="zh-CN" altLang="en-US" smtClean="0"/>
+              <a:rPr lang="zh-CN" altLang="en-US"/>
               <a:t>第四级</a:t>
             </a:r>
           </a:p>
           <a:p>
             <a:pPr lvl="4"/>
             <a:r>
-              <a:rPr lang="zh-CN" altLang="en-US" smtClean="0"/>
+              <a:rPr lang="zh-CN" altLang="en-US"/>
               <a:t>第五级</a:t>
             </a:r>
-            <a:endParaRPr lang="zh-CN" altLang="en-US"/>
           </a:p>
         </p:txBody>
       </p:sp>
@@ -2571,7 +2546,7 @@
           <a:p>
             <a:fld id="{040B7C12-11E1-412E-B2DA-388387B615FD}" type="datetimeFigureOut">
               <a:rPr lang="zh-CN" altLang="en-US" smtClean="0"/>
-              <a:t>2019/11/19</a:t>
+              <a:t>2019/11/30</a:t>
             </a:fld>
             <a:endParaRPr lang="zh-CN" altLang="en-US"/>
           </a:p>
@@ -3021,7 +2996,7 @@
           <a:p>
             <a:pPr algn="ctr"/>
             <a:r>
-              <a:rPr lang="en-US" altLang="zh-CN" sz="3200" dirty="0" smtClean="0">
+              <a:rPr lang="en-US" altLang="zh-CN" sz="3200" dirty="0">
                 <a:solidFill>
                   <a:sysClr val="windowText" lastClr="000000"/>
                 </a:solidFill>
@@ -3126,16 +3101,12 @@
           <a:lstStyle/>
           <a:p>
             <a:r>
-              <a:rPr lang="zh-CN" altLang="en-US" sz="3200" dirty="0" smtClean="0">
+              <a:rPr lang="zh-CN" altLang="en-US" sz="3200" dirty="0">
                 <a:latin typeface="Times New Roman" panose="02020603050405020304" pitchFamily="18" charset="0"/>
                 <a:cs typeface="Times New Roman" panose="02020603050405020304" pitchFamily="18" charset="0"/>
               </a:rPr>
               <a:t>parent1 </a:t>
             </a:r>
-            <a:endParaRPr lang="zh-CN" altLang="en-US" sz="3200" dirty="0">
-              <a:latin typeface="Times New Roman" panose="02020603050405020304" pitchFamily="18" charset="0"/>
-              <a:cs typeface="Times New Roman" panose="02020603050405020304" pitchFamily="18" charset="0"/>
-            </a:endParaRPr>
           </a:p>
         </p:txBody>
       </p:sp>
@@ -3161,30 +3132,26 @@
           <a:lstStyle/>
           <a:p>
             <a:r>
-              <a:rPr lang="zh-CN" altLang="en-US" sz="3200" dirty="0" smtClean="0">
+              <a:rPr lang="zh-CN" altLang="en-US" sz="3200" dirty="0">
                 <a:latin typeface="Times New Roman" panose="02020603050405020304" pitchFamily="18" charset="0"/>
                 <a:cs typeface="Times New Roman" panose="02020603050405020304" pitchFamily="18" charset="0"/>
               </a:rPr>
               <a:t>parent</a:t>
             </a:r>
             <a:r>
-              <a:rPr lang="en-US" altLang="zh-CN" sz="3200" dirty="0" smtClean="0">
+              <a:rPr lang="en-US" altLang="zh-CN" sz="3200" dirty="0">
                 <a:latin typeface="Times New Roman" panose="02020603050405020304" pitchFamily="18" charset="0"/>
                 <a:cs typeface="Times New Roman" panose="02020603050405020304" pitchFamily="18" charset="0"/>
               </a:rPr>
               <a:t>2</a:t>
             </a:r>
             <a:r>
-              <a:rPr lang="zh-CN" altLang="en-US" sz="3200" dirty="0" smtClean="0">
+              <a:rPr lang="zh-CN" altLang="en-US" sz="3200" dirty="0">
                 <a:latin typeface="Times New Roman" panose="02020603050405020304" pitchFamily="18" charset="0"/>
                 <a:cs typeface="Times New Roman" panose="02020603050405020304" pitchFamily="18" charset="0"/>
               </a:rPr>
               <a:t> </a:t>
             </a:r>
-            <a:endParaRPr lang="zh-CN" altLang="en-US" sz="3200" dirty="0">
-              <a:latin typeface="Times New Roman" panose="02020603050405020304" pitchFamily="18" charset="0"/>
-              <a:cs typeface="Times New Roman" panose="02020603050405020304" pitchFamily="18" charset="0"/>
-            </a:endParaRPr>
           </a:p>
         </p:txBody>
       </p:sp>
@@ -3553,7 +3520,7 @@
           <a:p>
             <a:pPr algn="ctr"/>
             <a:r>
-              <a:rPr lang="en-US" altLang="zh-CN" sz="3200" dirty="0" smtClean="0">
+              <a:rPr lang="en-US" altLang="zh-CN" sz="3200" dirty="0">
                 <a:solidFill>
                   <a:sysClr val="windowText" lastClr="000000"/>
                 </a:solidFill>
@@ -3681,7 +3648,7 @@
           <a:p>
             <a:pPr algn="ctr"/>
             <a:r>
-              <a:rPr lang="en-US" altLang="zh-CN" sz="3200" dirty="0" smtClean="0">
+              <a:rPr lang="en-US" altLang="zh-CN" sz="3200" dirty="0">
                 <a:solidFill>
                   <a:sysClr val="windowText" lastClr="000000"/>
                 </a:solidFill>
@@ -4001,7 +3968,7 @@
           <a:p>
             <a:pPr algn="ctr"/>
             <a:r>
-              <a:rPr lang="en-US" altLang="zh-CN" sz="3200" dirty="0" smtClean="0">
+              <a:rPr lang="en-US" altLang="zh-CN" sz="3200" dirty="0">
                 <a:solidFill>
                   <a:sysClr val="windowText" lastClr="000000"/>
                 </a:solidFill>
@@ -4065,7 +4032,7 @@
           <a:p>
             <a:pPr algn="ctr"/>
             <a:r>
-              <a:rPr lang="en-US" altLang="zh-CN" sz="3200" dirty="0" smtClean="0">
+              <a:rPr lang="en-US" altLang="zh-CN" sz="3200" dirty="0">
                 <a:solidFill>
                   <a:sysClr val="windowText" lastClr="000000"/>
                 </a:solidFill>
@@ -4110,51 +4077,16 @@
                 <a:latin typeface="Times New Roman" panose="02020603050405020304" pitchFamily="18" charset="0"/>
                 <a:cs typeface="Times New Roman" panose="02020603050405020304" pitchFamily="18" charset="0"/>
               </a:rPr>
-              <a:t>循环</a:t>
-            </a:r>
-            <a:r>
-              <a:rPr lang="zh-CN" altLang="en-US" sz="3200" dirty="0" smtClean="0">
+              <a:t>循环交叉（</a:t>
+            </a:r>
+            <a:r>
+              <a:rPr lang="en-US" altLang="zh-CN" sz="3200" dirty="0">
                 <a:latin typeface="Times New Roman" panose="02020603050405020304" pitchFamily="18" charset="0"/>
                 <a:cs typeface="Times New Roman" panose="02020603050405020304" pitchFamily="18" charset="0"/>
               </a:rPr>
-              <a:t>交叉（</a:t>
-            </a:r>
-            <a:r>
-              <a:rPr lang="en-US" altLang="zh-CN" sz="3200" dirty="0" smtClean="0">
-                <a:latin typeface="Times New Roman" panose="02020603050405020304" pitchFamily="18" charset="0"/>
-                <a:cs typeface="Times New Roman" panose="02020603050405020304" pitchFamily="18" charset="0"/>
-              </a:rPr>
-              <a:t>Cycle </a:t>
-            </a:r>
-            <a:r>
-              <a:rPr lang="en-US" altLang="zh-CN" sz="3200" dirty="0" smtClean="0">
-                <a:latin typeface="Times New Roman" panose="02020603050405020304" pitchFamily="18" charset="0"/>
-                <a:cs typeface="Times New Roman" panose="02020603050405020304" pitchFamily="18" charset="0"/>
-              </a:rPr>
-              <a:t>crossover</a:t>
-            </a:r>
-            <a:r>
-              <a:rPr lang="en-US" altLang="zh-CN" sz="3200" dirty="0" smtClean="0">
-                <a:latin typeface="Times New Roman" panose="02020603050405020304" pitchFamily="18" charset="0"/>
-                <a:cs typeface="Times New Roman" panose="02020603050405020304" pitchFamily="18" charset="0"/>
-              </a:rPr>
-              <a:t>, </a:t>
-            </a:r>
-            <a:r>
-              <a:rPr lang="en-US" altLang="zh-CN" sz="3200" dirty="0" smtClean="0">
-                <a:latin typeface="Times New Roman" panose="02020603050405020304" pitchFamily="18" charset="0"/>
-                <a:cs typeface="Times New Roman" panose="02020603050405020304" pitchFamily="18" charset="0"/>
-              </a:rPr>
-              <a:t>CX</a:t>
-            </a:r>
-            <a:r>
-              <a:rPr lang="en-US" altLang="zh-CN" sz="3200" dirty="0" smtClean="0">
-                <a:latin typeface="Times New Roman" panose="02020603050405020304" pitchFamily="18" charset="0"/>
-                <a:cs typeface="Times New Roman" panose="02020603050405020304" pitchFamily="18" charset="0"/>
-              </a:rPr>
-              <a:t>)</a:t>
-            </a:r>
-            <a:endParaRPr lang="zh-CN" altLang="en-US" sz="3200" dirty="0" smtClean="0">
+              <a:t>Cycle crossover, CX)</a:t>
+            </a:r>
+            <a:endParaRPr lang="zh-CN" altLang="en-US" sz="3200" dirty="0">
               <a:latin typeface="Times New Roman" panose="02020603050405020304" pitchFamily="18" charset="0"/>
               <a:cs typeface="Times New Roman" panose="02020603050405020304" pitchFamily="18" charset="0"/>
             </a:endParaRPr>
@@ -4219,23 +4151,12 @@
           <a:lstStyle/>
           <a:p>
             <a:r>
-              <a:rPr lang="zh-CN" altLang="en-US" sz="3200" dirty="0" smtClean="0">
+              <a:rPr lang="zh-CN" altLang="en-US" sz="3200" dirty="0">
                 <a:latin typeface="Times New Roman" panose="02020603050405020304" pitchFamily="18" charset="0"/>
                 <a:cs typeface="Times New Roman" panose="02020603050405020304" pitchFamily="18" charset="0"/>
               </a:rPr>
-              <a:t>随机</a:t>
-            </a:r>
-            <a:r>
-              <a:rPr lang="zh-CN" altLang="en-US" sz="3200" dirty="0" smtClean="0">
-                <a:latin typeface="Times New Roman" panose="02020603050405020304" pitchFamily="18" charset="0"/>
-                <a:cs typeface="Times New Roman" panose="02020603050405020304" pitchFamily="18" charset="0"/>
-              </a:rPr>
-              <a:t>选择一个位置</a:t>
-            </a:r>
-            <a:endParaRPr lang="zh-CN" altLang="en-US" sz="3200" dirty="0" smtClean="0">
-              <a:latin typeface="Times New Roman" panose="02020603050405020304" pitchFamily="18" charset="0"/>
-              <a:cs typeface="Times New Roman" panose="02020603050405020304" pitchFamily="18" charset="0"/>
-            </a:endParaRPr>
+              <a:t>随机选择一个位置</a:t>
+            </a:r>
           </a:p>
         </p:txBody>
       </p:sp>
@@ -4369,7 +4290,7 @@
           <a:lstStyle/>
           <a:p>
             <a:r>
-              <a:rPr lang="en-US" altLang="zh-CN" sz="3200" dirty="0" smtClean="0">
+              <a:rPr lang="en-US" altLang="zh-CN" sz="3200" dirty="0">
                 <a:latin typeface="Times New Roman" panose="02020603050405020304" pitchFamily="18" charset="0"/>
                 <a:cs typeface="Times New Roman" panose="02020603050405020304" pitchFamily="18" charset="0"/>
               </a:rPr>
@@ -4699,7 +4620,7 @@
           <a:lstStyle/>
           <a:p>
             <a:r>
-              <a:rPr lang="en-US" altLang="zh-CN" sz="3200" dirty="0" smtClean="0">
+              <a:rPr lang="en-US" altLang="zh-CN" sz="3200" dirty="0">
                 <a:latin typeface="Times New Roman" panose="02020603050405020304" pitchFamily="18" charset="0"/>
                 <a:cs typeface="Times New Roman" panose="02020603050405020304" pitchFamily="18" charset="0"/>
               </a:rPr>
@@ -5001,7 +4922,7 @@
           <a:p>
             <a:pPr algn="ctr"/>
             <a:r>
-              <a:rPr lang="en-US" altLang="zh-CN" sz="3200" dirty="0" smtClean="0">
+              <a:rPr lang="en-US" altLang="zh-CN" sz="3200" dirty="0">
                 <a:solidFill>
                   <a:sysClr val="windowText" lastClr="000000"/>
                 </a:solidFill>
@@ -5992,7 +5913,7 @@
           <a:p>
             <a:pPr algn="ctr"/>
             <a:r>
-              <a:rPr lang="en-US" altLang="zh-CN" sz="3200" dirty="0" smtClean="0">
+              <a:rPr lang="en-US" altLang="zh-CN" sz="3200" dirty="0">
                 <a:solidFill>
                   <a:sysClr val="windowText" lastClr="000000"/>
                 </a:solidFill>
@@ -6312,7 +6233,7 @@
           <a:p>
             <a:pPr algn="ctr"/>
             <a:r>
-              <a:rPr lang="en-US" altLang="zh-CN" sz="3200" dirty="0" smtClean="0">
+              <a:rPr lang="en-US" altLang="zh-CN" sz="3200" dirty="0">
                 <a:solidFill>
                   <a:sysClr val="windowText" lastClr="000000"/>
                 </a:solidFill>
@@ -6763,7 +6684,7 @@
           <a:p>
             <a:pPr algn="ctr"/>
             <a:r>
-              <a:rPr lang="en-US" altLang="zh-CN" sz="3200" dirty="0" smtClean="0">
+              <a:rPr lang="en-US" altLang="zh-CN" sz="3200" dirty="0">
                 <a:solidFill>
                   <a:sysClr val="windowText" lastClr="000000"/>
                 </a:solidFill>
@@ -7083,7 +7004,7 @@
           <a:p>
             <a:pPr algn="ctr"/>
             <a:r>
-              <a:rPr lang="en-US" altLang="zh-CN" sz="3200" dirty="0" smtClean="0">
+              <a:rPr lang="en-US" altLang="zh-CN" sz="3200" dirty="0">
                 <a:solidFill>
                   <a:sysClr val="windowText" lastClr="000000"/>
                 </a:solidFill>
@@ -7147,7 +7068,7 @@
           <a:p>
             <a:pPr algn="ctr"/>
             <a:r>
-              <a:rPr lang="en-US" altLang="zh-CN" sz="3200" dirty="0" smtClean="0">
+              <a:rPr lang="en-US" altLang="zh-CN" sz="3200" dirty="0">
                 <a:solidFill>
                   <a:sysClr val="windowText" lastClr="000000"/>
                 </a:solidFill>
@@ -9531,6 +9452,7957 @@
       <p:bldP spid="136" grpId="0" animBg="1"/>
       <p:bldP spid="137" grpId="0" animBg="1"/>
       <p:bldP spid="138" grpId="0" animBg="1"/>
+    </p:bldLst>
+  </p:timing>
+</p:sld>
+</file>
+
+<file path=ppt/slides/slide2.xml><?xml version="1.0" encoding="utf-8"?>
+<p:sld xmlns:a="http://schemas.openxmlformats.org/drawingml/2006/main" xmlns:r="http://schemas.openxmlformats.org/officeDocument/2006/relationships" xmlns:p="http://schemas.openxmlformats.org/presentationml/2006/main">
+  <p:cSld>
+    <p:spTree>
+      <p:nvGrpSpPr>
+        <p:cNvPr id="1" name=""/>
+        <p:cNvGrpSpPr/>
+        <p:nvPr/>
+      </p:nvGrpSpPr>
+      <p:grpSpPr>
+        <a:xfrm>
+          <a:off x="0" y="0"/>
+          <a:ext cx="0" cy="0"/>
+          <a:chOff x="0" y="0"/>
+          <a:chExt cx="0" cy="0"/>
+        </a:xfrm>
+      </p:grpSpPr>
+      <p:sp>
+        <p:nvSpPr>
+          <p:cNvPr id="99" name="矩形 98"/>
+          <p:cNvSpPr/>
+          <p:nvPr/>
+        </p:nvSpPr>
+        <p:spPr>
+          <a:xfrm>
+            <a:off x="2882822" y="3324302"/>
+            <a:ext cx="716175" cy="515259"/>
+          </a:xfrm>
+          <a:prstGeom prst="rect">
+            <a:avLst/>
+          </a:prstGeom>
+          <a:solidFill>
+            <a:srgbClr val="FFC000"/>
+          </a:solidFill>
+          <a:ln w="6350">
+            <a:solidFill>
+              <a:schemeClr val="tx1"/>
+            </a:solidFill>
+          </a:ln>
+        </p:spPr>
+        <p:style>
+          <a:lnRef idx="2">
+            <a:schemeClr val="accent1">
+              <a:shade val="50000"/>
+            </a:schemeClr>
+          </a:lnRef>
+          <a:fillRef idx="1">
+            <a:schemeClr val="accent1"/>
+          </a:fillRef>
+          <a:effectRef idx="0">
+            <a:schemeClr val="accent1"/>
+          </a:effectRef>
+          <a:fontRef idx="minor">
+            <a:schemeClr val="lt1"/>
+          </a:fontRef>
+        </p:style>
+        <p:txBody>
+          <a:bodyPr rtlCol="0" anchor="ctr"/>
+          <a:lstStyle/>
+          <a:p>
+            <a:pPr algn="ctr"/>
+            <a:r>
+              <a:rPr lang="en-US" altLang="zh-CN" sz="3200" dirty="0">
+                <a:solidFill>
+                  <a:sysClr val="windowText" lastClr="000000"/>
+                </a:solidFill>
+                <a:latin typeface="Times New Roman" panose="02020603050405020304" pitchFamily="18" charset="0"/>
+                <a:cs typeface="Times New Roman" panose="02020603050405020304" pitchFamily="18" charset="0"/>
+              </a:rPr>
+              <a:t>1</a:t>
+            </a:r>
+            <a:endParaRPr lang="zh-CN" altLang="en-US" sz="3200" dirty="0">
+              <a:solidFill>
+                <a:sysClr val="windowText" lastClr="000000"/>
+              </a:solidFill>
+              <a:latin typeface="Times New Roman" panose="02020603050405020304" pitchFamily="18" charset="0"/>
+              <a:cs typeface="Times New Roman" panose="02020603050405020304" pitchFamily="18" charset="0"/>
+            </a:endParaRPr>
+          </a:p>
+        </p:txBody>
+      </p:sp>
+      <p:sp>
+        <p:nvSpPr>
+          <p:cNvPr id="110" name="矩形 109"/>
+          <p:cNvSpPr/>
+          <p:nvPr/>
+        </p:nvSpPr>
+        <p:spPr>
+          <a:xfrm>
+            <a:off x="2882822" y="4436890"/>
+            <a:ext cx="716175" cy="515259"/>
+          </a:xfrm>
+          <a:prstGeom prst="rect">
+            <a:avLst/>
+          </a:prstGeom>
+          <a:solidFill>
+            <a:srgbClr val="00B0F0"/>
+          </a:solidFill>
+          <a:ln w="6350">
+            <a:solidFill>
+              <a:schemeClr val="tx1"/>
+            </a:solidFill>
+          </a:ln>
+        </p:spPr>
+        <p:style>
+          <a:lnRef idx="2">
+            <a:schemeClr val="accent1">
+              <a:shade val="50000"/>
+            </a:schemeClr>
+          </a:lnRef>
+          <a:fillRef idx="1">
+            <a:schemeClr val="accent1"/>
+          </a:fillRef>
+          <a:effectRef idx="0">
+            <a:schemeClr val="accent1"/>
+          </a:effectRef>
+          <a:fontRef idx="minor">
+            <a:schemeClr val="lt1"/>
+          </a:fontRef>
+        </p:style>
+        <p:txBody>
+          <a:bodyPr rtlCol="0" anchor="ctr"/>
+          <a:lstStyle/>
+          <a:p>
+            <a:pPr algn="ctr"/>
+            <a:r>
+              <a:rPr lang="en-US" altLang="zh-CN" sz="3200" dirty="0">
+                <a:solidFill>
+                  <a:sysClr val="windowText" lastClr="000000"/>
+                </a:solidFill>
+                <a:latin typeface="Times New Roman" panose="02020603050405020304" pitchFamily="18" charset="0"/>
+                <a:cs typeface="Times New Roman" panose="02020603050405020304" pitchFamily="18" charset="0"/>
+              </a:rPr>
+              <a:t>3</a:t>
+            </a:r>
+            <a:endParaRPr lang="zh-CN" altLang="en-US" sz="3200" dirty="0">
+              <a:solidFill>
+                <a:sysClr val="windowText" lastClr="000000"/>
+              </a:solidFill>
+              <a:latin typeface="Times New Roman" panose="02020603050405020304" pitchFamily="18" charset="0"/>
+              <a:cs typeface="Times New Roman" panose="02020603050405020304" pitchFamily="18" charset="0"/>
+            </a:endParaRPr>
+          </a:p>
+        </p:txBody>
+      </p:sp>
+      <p:sp>
+        <p:nvSpPr>
+          <p:cNvPr id="122" name="矩形 121"/>
+          <p:cNvSpPr/>
+          <p:nvPr/>
+        </p:nvSpPr>
+        <p:spPr>
+          <a:xfrm>
+            <a:off x="788966" y="3324302"/>
+            <a:ext cx="1518364" cy="584776"/>
+          </a:xfrm>
+          <a:prstGeom prst="rect">
+            <a:avLst/>
+          </a:prstGeom>
+        </p:spPr>
+        <p:txBody>
+          <a:bodyPr wrap="none">
+            <a:spAutoFit/>
+          </a:bodyPr>
+          <a:lstStyle/>
+          <a:p>
+            <a:r>
+              <a:rPr lang="zh-CN" altLang="en-US" sz="3200" dirty="0">
+                <a:latin typeface="Times New Roman" panose="02020603050405020304" pitchFamily="18" charset="0"/>
+                <a:cs typeface="Times New Roman" panose="02020603050405020304" pitchFamily="18" charset="0"/>
+              </a:rPr>
+              <a:t>parent1 </a:t>
+            </a:r>
+          </a:p>
+        </p:txBody>
+      </p:sp>
+      <p:sp>
+        <p:nvSpPr>
+          <p:cNvPr id="123" name="矩形 122"/>
+          <p:cNvSpPr/>
+          <p:nvPr/>
+        </p:nvSpPr>
+        <p:spPr>
+          <a:xfrm>
+            <a:off x="776159" y="4397172"/>
+            <a:ext cx="1518364" cy="584776"/>
+          </a:xfrm>
+          <a:prstGeom prst="rect">
+            <a:avLst/>
+          </a:prstGeom>
+        </p:spPr>
+        <p:txBody>
+          <a:bodyPr wrap="none">
+            <a:spAutoFit/>
+          </a:bodyPr>
+          <a:lstStyle/>
+          <a:p>
+            <a:r>
+              <a:rPr lang="zh-CN" altLang="en-US" sz="3200" dirty="0">
+                <a:latin typeface="Times New Roman" panose="02020603050405020304" pitchFamily="18" charset="0"/>
+                <a:cs typeface="Times New Roman" panose="02020603050405020304" pitchFamily="18" charset="0"/>
+              </a:rPr>
+              <a:t>parent</a:t>
+            </a:r>
+            <a:r>
+              <a:rPr lang="en-US" altLang="zh-CN" sz="3200" dirty="0">
+                <a:latin typeface="Times New Roman" panose="02020603050405020304" pitchFamily="18" charset="0"/>
+                <a:cs typeface="Times New Roman" panose="02020603050405020304" pitchFamily="18" charset="0"/>
+              </a:rPr>
+              <a:t>2</a:t>
+            </a:r>
+            <a:r>
+              <a:rPr lang="zh-CN" altLang="en-US" sz="3200" dirty="0">
+                <a:latin typeface="Times New Roman" panose="02020603050405020304" pitchFamily="18" charset="0"/>
+                <a:cs typeface="Times New Roman" panose="02020603050405020304" pitchFamily="18" charset="0"/>
+              </a:rPr>
+              <a:t> </a:t>
+            </a:r>
+          </a:p>
+        </p:txBody>
+      </p:sp>
+      <p:sp>
+        <p:nvSpPr>
+          <p:cNvPr id="96" name="矩形 95"/>
+          <p:cNvSpPr/>
+          <p:nvPr/>
+        </p:nvSpPr>
+        <p:spPr>
+          <a:xfrm>
+            <a:off x="3598996" y="3324302"/>
+            <a:ext cx="716175" cy="515259"/>
+          </a:xfrm>
+          <a:prstGeom prst="rect">
+            <a:avLst/>
+          </a:prstGeom>
+          <a:solidFill>
+            <a:srgbClr val="FFC000"/>
+          </a:solidFill>
+          <a:ln w="6350">
+            <a:solidFill>
+              <a:schemeClr val="tx1"/>
+            </a:solidFill>
+          </a:ln>
+        </p:spPr>
+        <p:style>
+          <a:lnRef idx="2">
+            <a:schemeClr val="accent1">
+              <a:shade val="50000"/>
+            </a:schemeClr>
+          </a:lnRef>
+          <a:fillRef idx="1">
+            <a:schemeClr val="accent1"/>
+          </a:fillRef>
+          <a:effectRef idx="0">
+            <a:schemeClr val="accent1"/>
+          </a:effectRef>
+          <a:fontRef idx="minor">
+            <a:schemeClr val="lt1"/>
+          </a:fontRef>
+        </p:style>
+        <p:txBody>
+          <a:bodyPr rtlCol="0" anchor="ctr"/>
+          <a:lstStyle/>
+          <a:p>
+            <a:pPr algn="ctr"/>
+            <a:r>
+              <a:rPr lang="en-US" altLang="zh-CN" sz="3200" dirty="0">
+                <a:solidFill>
+                  <a:sysClr val="windowText" lastClr="000000"/>
+                </a:solidFill>
+                <a:latin typeface="Times New Roman" panose="02020603050405020304" pitchFamily="18" charset="0"/>
+                <a:cs typeface="Times New Roman" panose="02020603050405020304" pitchFamily="18" charset="0"/>
+              </a:rPr>
+              <a:t>2</a:t>
+            </a:r>
+            <a:endParaRPr lang="zh-CN" altLang="en-US" sz="3200" dirty="0">
+              <a:solidFill>
+                <a:sysClr val="windowText" lastClr="000000"/>
+              </a:solidFill>
+              <a:latin typeface="Times New Roman" panose="02020603050405020304" pitchFamily="18" charset="0"/>
+              <a:cs typeface="Times New Roman" panose="02020603050405020304" pitchFamily="18" charset="0"/>
+            </a:endParaRPr>
+          </a:p>
+        </p:txBody>
+      </p:sp>
+      <p:sp>
+        <p:nvSpPr>
+          <p:cNvPr id="97" name="矩形 96"/>
+          <p:cNvSpPr/>
+          <p:nvPr/>
+        </p:nvSpPr>
+        <p:spPr>
+          <a:xfrm>
+            <a:off x="4315171" y="3324302"/>
+            <a:ext cx="716175" cy="515259"/>
+          </a:xfrm>
+          <a:prstGeom prst="rect">
+            <a:avLst/>
+          </a:prstGeom>
+          <a:solidFill>
+            <a:srgbClr val="FFC000"/>
+          </a:solidFill>
+          <a:ln w="6350">
+            <a:solidFill>
+              <a:schemeClr val="tx1"/>
+            </a:solidFill>
+          </a:ln>
+        </p:spPr>
+        <p:style>
+          <a:lnRef idx="2">
+            <a:schemeClr val="accent1">
+              <a:shade val="50000"/>
+            </a:schemeClr>
+          </a:lnRef>
+          <a:fillRef idx="1">
+            <a:schemeClr val="accent1"/>
+          </a:fillRef>
+          <a:effectRef idx="0">
+            <a:schemeClr val="accent1"/>
+          </a:effectRef>
+          <a:fontRef idx="minor">
+            <a:schemeClr val="lt1"/>
+          </a:fontRef>
+        </p:style>
+        <p:txBody>
+          <a:bodyPr rtlCol="0" anchor="ctr"/>
+          <a:lstStyle/>
+          <a:p>
+            <a:pPr algn="ctr"/>
+            <a:r>
+              <a:rPr lang="en-US" altLang="zh-CN" sz="3200" dirty="0">
+                <a:solidFill>
+                  <a:sysClr val="windowText" lastClr="000000"/>
+                </a:solidFill>
+                <a:latin typeface="Times New Roman" panose="02020603050405020304" pitchFamily="18" charset="0"/>
+                <a:cs typeface="Times New Roman" panose="02020603050405020304" pitchFamily="18" charset="0"/>
+              </a:rPr>
+              <a:t>3</a:t>
+            </a:r>
+            <a:endParaRPr lang="zh-CN" altLang="en-US" sz="3200" dirty="0">
+              <a:solidFill>
+                <a:sysClr val="windowText" lastClr="000000"/>
+              </a:solidFill>
+              <a:latin typeface="Times New Roman" panose="02020603050405020304" pitchFamily="18" charset="0"/>
+              <a:cs typeface="Times New Roman" panose="02020603050405020304" pitchFamily="18" charset="0"/>
+            </a:endParaRPr>
+          </a:p>
+        </p:txBody>
+      </p:sp>
+      <p:sp>
+        <p:nvSpPr>
+          <p:cNvPr id="98" name="矩形 97"/>
+          <p:cNvSpPr/>
+          <p:nvPr/>
+        </p:nvSpPr>
+        <p:spPr>
+          <a:xfrm>
+            <a:off x="5031346" y="3324302"/>
+            <a:ext cx="716175" cy="515259"/>
+          </a:xfrm>
+          <a:prstGeom prst="rect">
+            <a:avLst/>
+          </a:prstGeom>
+          <a:solidFill>
+            <a:srgbClr val="FFC000"/>
+          </a:solidFill>
+          <a:ln w="6350">
+            <a:solidFill>
+              <a:schemeClr val="tx1"/>
+            </a:solidFill>
+          </a:ln>
+        </p:spPr>
+        <p:style>
+          <a:lnRef idx="2">
+            <a:schemeClr val="accent1">
+              <a:shade val="50000"/>
+            </a:schemeClr>
+          </a:lnRef>
+          <a:fillRef idx="1">
+            <a:schemeClr val="accent1"/>
+          </a:fillRef>
+          <a:effectRef idx="0">
+            <a:schemeClr val="accent1"/>
+          </a:effectRef>
+          <a:fontRef idx="minor">
+            <a:schemeClr val="lt1"/>
+          </a:fontRef>
+        </p:style>
+        <p:txBody>
+          <a:bodyPr rtlCol="0" anchor="ctr"/>
+          <a:lstStyle/>
+          <a:p>
+            <a:pPr algn="ctr"/>
+            <a:r>
+              <a:rPr lang="en-US" altLang="zh-CN" sz="3200" dirty="0">
+                <a:solidFill>
+                  <a:sysClr val="windowText" lastClr="000000"/>
+                </a:solidFill>
+                <a:latin typeface="Times New Roman" panose="02020603050405020304" pitchFamily="18" charset="0"/>
+                <a:cs typeface="Times New Roman" panose="02020603050405020304" pitchFamily="18" charset="0"/>
+              </a:rPr>
+              <a:t>4</a:t>
+            </a:r>
+            <a:endParaRPr lang="zh-CN" altLang="en-US" sz="3200" dirty="0">
+              <a:solidFill>
+                <a:sysClr val="windowText" lastClr="000000"/>
+              </a:solidFill>
+              <a:latin typeface="Times New Roman" panose="02020603050405020304" pitchFamily="18" charset="0"/>
+              <a:cs typeface="Times New Roman" panose="02020603050405020304" pitchFamily="18" charset="0"/>
+            </a:endParaRPr>
+          </a:p>
+        </p:txBody>
+      </p:sp>
+      <p:sp>
+        <p:nvSpPr>
+          <p:cNvPr id="121" name="矩形 120"/>
+          <p:cNvSpPr/>
+          <p:nvPr/>
+        </p:nvSpPr>
+        <p:spPr>
+          <a:xfrm>
+            <a:off x="5747520" y="3324302"/>
+            <a:ext cx="716175" cy="515259"/>
+          </a:xfrm>
+          <a:prstGeom prst="rect">
+            <a:avLst/>
+          </a:prstGeom>
+          <a:solidFill>
+            <a:srgbClr val="FFC000"/>
+          </a:solidFill>
+          <a:ln w="6350">
+            <a:solidFill>
+              <a:schemeClr val="tx1"/>
+            </a:solidFill>
+          </a:ln>
+        </p:spPr>
+        <p:style>
+          <a:lnRef idx="2">
+            <a:schemeClr val="accent1">
+              <a:shade val="50000"/>
+            </a:schemeClr>
+          </a:lnRef>
+          <a:fillRef idx="1">
+            <a:schemeClr val="accent1"/>
+          </a:fillRef>
+          <a:effectRef idx="0">
+            <a:schemeClr val="accent1"/>
+          </a:effectRef>
+          <a:fontRef idx="minor">
+            <a:schemeClr val="lt1"/>
+          </a:fontRef>
+        </p:style>
+        <p:txBody>
+          <a:bodyPr rtlCol="0" anchor="ctr"/>
+          <a:lstStyle/>
+          <a:p>
+            <a:pPr algn="ctr"/>
+            <a:r>
+              <a:rPr lang="en-US" altLang="zh-CN" sz="3200" dirty="0">
+                <a:solidFill>
+                  <a:sysClr val="windowText" lastClr="000000"/>
+                </a:solidFill>
+                <a:latin typeface="Times New Roman" panose="02020603050405020304" pitchFamily="18" charset="0"/>
+                <a:cs typeface="Times New Roman" panose="02020603050405020304" pitchFamily="18" charset="0"/>
+              </a:rPr>
+              <a:t>5</a:t>
+            </a:r>
+            <a:endParaRPr lang="zh-CN" altLang="en-US" sz="3200" dirty="0">
+              <a:solidFill>
+                <a:sysClr val="windowText" lastClr="000000"/>
+              </a:solidFill>
+              <a:latin typeface="Times New Roman" panose="02020603050405020304" pitchFamily="18" charset="0"/>
+              <a:cs typeface="Times New Roman" panose="02020603050405020304" pitchFamily="18" charset="0"/>
+            </a:endParaRPr>
+          </a:p>
+        </p:txBody>
+      </p:sp>
+      <p:sp>
+        <p:nvSpPr>
+          <p:cNvPr id="194" name="矩形 193"/>
+          <p:cNvSpPr/>
+          <p:nvPr/>
+        </p:nvSpPr>
+        <p:spPr>
+          <a:xfrm>
+            <a:off x="6463695" y="3324302"/>
+            <a:ext cx="716175" cy="515259"/>
+          </a:xfrm>
+          <a:prstGeom prst="rect">
+            <a:avLst/>
+          </a:prstGeom>
+          <a:solidFill>
+            <a:srgbClr val="FFC000"/>
+          </a:solidFill>
+          <a:ln w="6350">
+            <a:solidFill>
+              <a:schemeClr val="tx1"/>
+            </a:solidFill>
+          </a:ln>
+        </p:spPr>
+        <p:style>
+          <a:lnRef idx="2">
+            <a:schemeClr val="accent1">
+              <a:shade val="50000"/>
+            </a:schemeClr>
+          </a:lnRef>
+          <a:fillRef idx="1">
+            <a:schemeClr val="accent1"/>
+          </a:fillRef>
+          <a:effectRef idx="0">
+            <a:schemeClr val="accent1"/>
+          </a:effectRef>
+          <a:fontRef idx="minor">
+            <a:schemeClr val="lt1"/>
+          </a:fontRef>
+        </p:style>
+        <p:txBody>
+          <a:bodyPr rtlCol="0" anchor="ctr"/>
+          <a:lstStyle/>
+          <a:p>
+            <a:pPr algn="ctr"/>
+            <a:r>
+              <a:rPr lang="en-US" altLang="zh-CN" sz="3200" dirty="0">
+                <a:solidFill>
+                  <a:sysClr val="windowText" lastClr="000000"/>
+                </a:solidFill>
+                <a:latin typeface="Times New Roman" panose="02020603050405020304" pitchFamily="18" charset="0"/>
+                <a:cs typeface="Times New Roman" panose="02020603050405020304" pitchFamily="18" charset="0"/>
+              </a:rPr>
+              <a:t>6</a:t>
+            </a:r>
+            <a:endParaRPr lang="zh-CN" altLang="en-US" sz="3200" dirty="0">
+              <a:solidFill>
+                <a:sysClr val="windowText" lastClr="000000"/>
+              </a:solidFill>
+              <a:latin typeface="Times New Roman" panose="02020603050405020304" pitchFamily="18" charset="0"/>
+              <a:cs typeface="Times New Roman" panose="02020603050405020304" pitchFamily="18" charset="0"/>
+            </a:endParaRPr>
+          </a:p>
+        </p:txBody>
+      </p:sp>
+      <p:sp>
+        <p:nvSpPr>
+          <p:cNvPr id="195" name="矩形 194"/>
+          <p:cNvSpPr/>
+          <p:nvPr/>
+        </p:nvSpPr>
+        <p:spPr>
+          <a:xfrm>
+            <a:off x="7179870" y="3324302"/>
+            <a:ext cx="716175" cy="515259"/>
+          </a:xfrm>
+          <a:prstGeom prst="rect">
+            <a:avLst/>
+          </a:prstGeom>
+          <a:solidFill>
+            <a:srgbClr val="FFC000"/>
+          </a:solidFill>
+          <a:ln w="6350">
+            <a:solidFill>
+              <a:schemeClr val="tx1"/>
+            </a:solidFill>
+          </a:ln>
+        </p:spPr>
+        <p:style>
+          <a:lnRef idx="2">
+            <a:schemeClr val="accent1">
+              <a:shade val="50000"/>
+            </a:schemeClr>
+          </a:lnRef>
+          <a:fillRef idx="1">
+            <a:schemeClr val="accent1"/>
+          </a:fillRef>
+          <a:effectRef idx="0">
+            <a:schemeClr val="accent1"/>
+          </a:effectRef>
+          <a:fontRef idx="minor">
+            <a:schemeClr val="lt1"/>
+          </a:fontRef>
+        </p:style>
+        <p:txBody>
+          <a:bodyPr rtlCol="0" anchor="ctr"/>
+          <a:lstStyle/>
+          <a:p>
+            <a:pPr algn="ctr"/>
+            <a:r>
+              <a:rPr lang="en-US" altLang="zh-CN" sz="3200" dirty="0">
+                <a:solidFill>
+                  <a:sysClr val="windowText" lastClr="000000"/>
+                </a:solidFill>
+                <a:latin typeface="Times New Roman" panose="02020603050405020304" pitchFamily="18" charset="0"/>
+                <a:cs typeface="Times New Roman" panose="02020603050405020304" pitchFamily="18" charset="0"/>
+              </a:rPr>
+              <a:t>7</a:t>
+            </a:r>
+            <a:endParaRPr lang="zh-CN" altLang="en-US" sz="3200" dirty="0">
+              <a:solidFill>
+                <a:sysClr val="windowText" lastClr="000000"/>
+              </a:solidFill>
+              <a:latin typeface="Times New Roman" panose="02020603050405020304" pitchFamily="18" charset="0"/>
+              <a:cs typeface="Times New Roman" panose="02020603050405020304" pitchFamily="18" charset="0"/>
+            </a:endParaRPr>
+          </a:p>
+        </p:txBody>
+      </p:sp>
+      <p:sp>
+        <p:nvSpPr>
+          <p:cNvPr id="196" name="矩形 195"/>
+          <p:cNvSpPr/>
+          <p:nvPr/>
+        </p:nvSpPr>
+        <p:spPr>
+          <a:xfrm>
+            <a:off x="7896044" y="3324302"/>
+            <a:ext cx="716175" cy="515259"/>
+          </a:xfrm>
+          <a:prstGeom prst="rect">
+            <a:avLst/>
+          </a:prstGeom>
+          <a:solidFill>
+            <a:srgbClr val="FFC000"/>
+          </a:solidFill>
+          <a:ln w="6350">
+            <a:solidFill>
+              <a:schemeClr val="tx1"/>
+            </a:solidFill>
+          </a:ln>
+        </p:spPr>
+        <p:style>
+          <a:lnRef idx="2">
+            <a:schemeClr val="accent1">
+              <a:shade val="50000"/>
+            </a:schemeClr>
+          </a:lnRef>
+          <a:fillRef idx="1">
+            <a:schemeClr val="accent1"/>
+          </a:fillRef>
+          <a:effectRef idx="0">
+            <a:schemeClr val="accent1"/>
+          </a:effectRef>
+          <a:fontRef idx="minor">
+            <a:schemeClr val="lt1"/>
+          </a:fontRef>
+        </p:style>
+        <p:txBody>
+          <a:bodyPr rtlCol="0" anchor="ctr"/>
+          <a:lstStyle/>
+          <a:p>
+            <a:pPr algn="ctr"/>
+            <a:r>
+              <a:rPr lang="en-US" altLang="zh-CN" sz="3200" dirty="0">
+                <a:solidFill>
+                  <a:sysClr val="windowText" lastClr="000000"/>
+                </a:solidFill>
+                <a:latin typeface="Times New Roman" panose="02020603050405020304" pitchFamily="18" charset="0"/>
+                <a:cs typeface="Times New Roman" panose="02020603050405020304" pitchFamily="18" charset="0"/>
+              </a:rPr>
+              <a:t>8</a:t>
+            </a:r>
+            <a:endParaRPr lang="zh-CN" altLang="en-US" sz="3200" dirty="0">
+              <a:solidFill>
+                <a:sysClr val="windowText" lastClr="000000"/>
+              </a:solidFill>
+              <a:latin typeface="Times New Roman" panose="02020603050405020304" pitchFamily="18" charset="0"/>
+              <a:cs typeface="Times New Roman" panose="02020603050405020304" pitchFamily="18" charset="0"/>
+            </a:endParaRPr>
+          </a:p>
+        </p:txBody>
+      </p:sp>
+      <p:sp>
+        <p:nvSpPr>
+          <p:cNvPr id="197" name="矩形 196"/>
+          <p:cNvSpPr/>
+          <p:nvPr/>
+        </p:nvSpPr>
+        <p:spPr>
+          <a:xfrm>
+            <a:off x="3598996" y="4436890"/>
+            <a:ext cx="716175" cy="515259"/>
+          </a:xfrm>
+          <a:prstGeom prst="rect">
+            <a:avLst/>
+          </a:prstGeom>
+          <a:solidFill>
+            <a:srgbClr val="00B0F0"/>
+          </a:solidFill>
+          <a:ln w="6350">
+            <a:solidFill>
+              <a:schemeClr val="tx1"/>
+            </a:solidFill>
+          </a:ln>
+        </p:spPr>
+        <p:style>
+          <a:lnRef idx="2">
+            <a:schemeClr val="accent1">
+              <a:shade val="50000"/>
+            </a:schemeClr>
+          </a:lnRef>
+          <a:fillRef idx="1">
+            <a:schemeClr val="accent1"/>
+          </a:fillRef>
+          <a:effectRef idx="0">
+            <a:schemeClr val="accent1"/>
+          </a:effectRef>
+          <a:fontRef idx="minor">
+            <a:schemeClr val="lt1"/>
+          </a:fontRef>
+        </p:style>
+        <p:txBody>
+          <a:bodyPr rtlCol="0" anchor="ctr"/>
+          <a:lstStyle/>
+          <a:p>
+            <a:pPr algn="ctr"/>
+            <a:r>
+              <a:rPr lang="en-US" altLang="zh-CN" sz="3200" dirty="0">
+                <a:solidFill>
+                  <a:sysClr val="windowText" lastClr="000000"/>
+                </a:solidFill>
+                <a:latin typeface="Times New Roman" panose="02020603050405020304" pitchFamily="18" charset="0"/>
+                <a:cs typeface="Times New Roman" panose="02020603050405020304" pitchFamily="18" charset="0"/>
+              </a:rPr>
+              <a:t>5</a:t>
+            </a:r>
+            <a:endParaRPr lang="zh-CN" altLang="en-US" sz="3200" dirty="0">
+              <a:solidFill>
+                <a:sysClr val="windowText" lastClr="000000"/>
+              </a:solidFill>
+              <a:latin typeface="Times New Roman" panose="02020603050405020304" pitchFamily="18" charset="0"/>
+              <a:cs typeface="Times New Roman" panose="02020603050405020304" pitchFamily="18" charset="0"/>
+            </a:endParaRPr>
+          </a:p>
+        </p:txBody>
+      </p:sp>
+      <p:sp>
+        <p:nvSpPr>
+          <p:cNvPr id="198" name="矩形 197"/>
+          <p:cNvSpPr/>
+          <p:nvPr/>
+        </p:nvSpPr>
+        <p:spPr>
+          <a:xfrm>
+            <a:off x="4315171" y="4436890"/>
+            <a:ext cx="716175" cy="515259"/>
+          </a:xfrm>
+          <a:prstGeom prst="rect">
+            <a:avLst/>
+          </a:prstGeom>
+          <a:solidFill>
+            <a:srgbClr val="00B0F0"/>
+          </a:solidFill>
+          <a:ln w="6350">
+            <a:solidFill>
+              <a:schemeClr val="tx1"/>
+            </a:solidFill>
+          </a:ln>
+        </p:spPr>
+        <p:style>
+          <a:lnRef idx="2">
+            <a:schemeClr val="accent1">
+              <a:shade val="50000"/>
+            </a:schemeClr>
+          </a:lnRef>
+          <a:fillRef idx="1">
+            <a:schemeClr val="accent1"/>
+          </a:fillRef>
+          <a:effectRef idx="0">
+            <a:schemeClr val="accent1"/>
+          </a:effectRef>
+          <a:fontRef idx="minor">
+            <a:schemeClr val="lt1"/>
+          </a:fontRef>
+        </p:style>
+        <p:txBody>
+          <a:bodyPr rtlCol="0" anchor="ctr"/>
+          <a:lstStyle/>
+          <a:p>
+            <a:pPr algn="ctr"/>
+            <a:r>
+              <a:rPr lang="en-US" altLang="zh-CN" sz="3200" dirty="0">
+                <a:solidFill>
+                  <a:sysClr val="windowText" lastClr="000000"/>
+                </a:solidFill>
+                <a:latin typeface="Times New Roman" panose="02020603050405020304" pitchFamily="18" charset="0"/>
+                <a:cs typeface="Times New Roman" panose="02020603050405020304" pitchFamily="18" charset="0"/>
+              </a:rPr>
+              <a:t>8</a:t>
+            </a:r>
+            <a:endParaRPr lang="zh-CN" altLang="en-US" sz="3200" dirty="0">
+              <a:solidFill>
+                <a:sysClr val="windowText" lastClr="000000"/>
+              </a:solidFill>
+              <a:latin typeface="Times New Roman" panose="02020603050405020304" pitchFamily="18" charset="0"/>
+              <a:cs typeface="Times New Roman" panose="02020603050405020304" pitchFamily="18" charset="0"/>
+            </a:endParaRPr>
+          </a:p>
+        </p:txBody>
+      </p:sp>
+      <p:sp>
+        <p:nvSpPr>
+          <p:cNvPr id="199" name="矩形 198"/>
+          <p:cNvSpPr/>
+          <p:nvPr/>
+        </p:nvSpPr>
+        <p:spPr>
+          <a:xfrm>
+            <a:off x="5031346" y="4436890"/>
+            <a:ext cx="716175" cy="515259"/>
+          </a:xfrm>
+          <a:prstGeom prst="rect">
+            <a:avLst/>
+          </a:prstGeom>
+          <a:solidFill>
+            <a:srgbClr val="00B0F0"/>
+          </a:solidFill>
+          <a:ln w="6350">
+            <a:solidFill>
+              <a:schemeClr val="tx1"/>
+            </a:solidFill>
+          </a:ln>
+        </p:spPr>
+        <p:style>
+          <a:lnRef idx="2">
+            <a:schemeClr val="accent1">
+              <a:shade val="50000"/>
+            </a:schemeClr>
+          </a:lnRef>
+          <a:fillRef idx="1">
+            <a:schemeClr val="accent1"/>
+          </a:fillRef>
+          <a:effectRef idx="0">
+            <a:schemeClr val="accent1"/>
+          </a:effectRef>
+          <a:fontRef idx="minor">
+            <a:schemeClr val="lt1"/>
+          </a:fontRef>
+        </p:style>
+        <p:txBody>
+          <a:bodyPr rtlCol="0" anchor="ctr"/>
+          <a:lstStyle/>
+          <a:p>
+            <a:pPr algn="ctr"/>
+            <a:r>
+              <a:rPr lang="en-US" altLang="zh-CN" sz="3200" dirty="0">
+                <a:solidFill>
+                  <a:sysClr val="windowText" lastClr="000000"/>
+                </a:solidFill>
+                <a:latin typeface="Times New Roman" panose="02020603050405020304" pitchFamily="18" charset="0"/>
+                <a:cs typeface="Times New Roman" panose="02020603050405020304" pitchFamily="18" charset="0"/>
+              </a:rPr>
+              <a:t>1</a:t>
+            </a:r>
+            <a:endParaRPr lang="zh-CN" altLang="en-US" sz="3200" dirty="0">
+              <a:solidFill>
+                <a:sysClr val="windowText" lastClr="000000"/>
+              </a:solidFill>
+              <a:latin typeface="Times New Roman" panose="02020603050405020304" pitchFamily="18" charset="0"/>
+              <a:cs typeface="Times New Roman" panose="02020603050405020304" pitchFamily="18" charset="0"/>
+            </a:endParaRPr>
+          </a:p>
+        </p:txBody>
+      </p:sp>
+      <p:sp>
+        <p:nvSpPr>
+          <p:cNvPr id="200" name="矩形 199"/>
+          <p:cNvSpPr/>
+          <p:nvPr/>
+        </p:nvSpPr>
+        <p:spPr>
+          <a:xfrm>
+            <a:off x="5747520" y="4436890"/>
+            <a:ext cx="716175" cy="515259"/>
+          </a:xfrm>
+          <a:prstGeom prst="rect">
+            <a:avLst/>
+          </a:prstGeom>
+          <a:solidFill>
+            <a:srgbClr val="00B0F0"/>
+          </a:solidFill>
+          <a:ln w="6350">
+            <a:solidFill>
+              <a:schemeClr val="tx1"/>
+            </a:solidFill>
+          </a:ln>
+        </p:spPr>
+        <p:style>
+          <a:lnRef idx="2">
+            <a:schemeClr val="accent1">
+              <a:shade val="50000"/>
+            </a:schemeClr>
+          </a:lnRef>
+          <a:fillRef idx="1">
+            <a:schemeClr val="accent1"/>
+          </a:fillRef>
+          <a:effectRef idx="0">
+            <a:schemeClr val="accent1"/>
+          </a:effectRef>
+          <a:fontRef idx="minor">
+            <a:schemeClr val="lt1"/>
+          </a:fontRef>
+        </p:style>
+        <p:txBody>
+          <a:bodyPr rtlCol="0" anchor="ctr"/>
+          <a:lstStyle/>
+          <a:p>
+            <a:pPr algn="ctr"/>
+            <a:r>
+              <a:rPr lang="en-US" altLang="zh-CN" sz="3200" dirty="0">
+                <a:solidFill>
+                  <a:sysClr val="windowText" lastClr="000000"/>
+                </a:solidFill>
+                <a:latin typeface="Times New Roman" panose="02020603050405020304" pitchFamily="18" charset="0"/>
+                <a:cs typeface="Times New Roman" panose="02020603050405020304" pitchFamily="18" charset="0"/>
+              </a:rPr>
+              <a:t>7</a:t>
+            </a:r>
+            <a:endParaRPr lang="zh-CN" altLang="en-US" sz="3200" dirty="0">
+              <a:solidFill>
+                <a:sysClr val="windowText" lastClr="000000"/>
+              </a:solidFill>
+              <a:latin typeface="Times New Roman" panose="02020603050405020304" pitchFamily="18" charset="0"/>
+              <a:cs typeface="Times New Roman" panose="02020603050405020304" pitchFamily="18" charset="0"/>
+            </a:endParaRPr>
+          </a:p>
+        </p:txBody>
+      </p:sp>
+      <p:sp>
+        <p:nvSpPr>
+          <p:cNvPr id="201" name="矩形 200"/>
+          <p:cNvSpPr/>
+          <p:nvPr/>
+        </p:nvSpPr>
+        <p:spPr>
+          <a:xfrm>
+            <a:off x="6463695" y="4436890"/>
+            <a:ext cx="716175" cy="515259"/>
+          </a:xfrm>
+          <a:prstGeom prst="rect">
+            <a:avLst/>
+          </a:prstGeom>
+          <a:solidFill>
+            <a:srgbClr val="00B0F0"/>
+          </a:solidFill>
+          <a:ln w="6350">
+            <a:solidFill>
+              <a:schemeClr val="tx1"/>
+            </a:solidFill>
+          </a:ln>
+        </p:spPr>
+        <p:style>
+          <a:lnRef idx="2">
+            <a:schemeClr val="accent1">
+              <a:shade val="50000"/>
+            </a:schemeClr>
+          </a:lnRef>
+          <a:fillRef idx="1">
+            <a:schemeClr val="accent1"/>
+          </a:fillRef>
+          <a:effectRef idx="0">
+            <a:schemeClr val="accent1"/>
+          </a:effectRef>
+          <a:fontRef idx="minor">
+            <a:schemeClr val="lt1"/>
+          </a:fontRef>
+        </p:style>
+        <p:txBody>
+          <a:bodyPr rtlCol="0" anchor="ctr"/>
+          <a:lstStyle/>
+          <a:p>
+            <a:pPr algn="ctr"/>
+            <a:r>
+              <a:rPr lang="en-US" altLang="zh-CN" sz="3200" dirty="0">
+                <a:solidFill>
+                  <a:sysClr val="windowText" lastClr="000000"/>
+                </a:solidFill>
+                <a:latin typeface="Times New Roman" panose="02020603050405020304" pitchFamily="18" charset="0"/>
+                <a:cs typeface="Times New Roman" panose="02020603050405020304" pitchFamily="18" charset="0"/>
+              </a:rPr>
+              <a:t>4</a:t>
+            </a:r>
+            <a:endParaRPr lang="zh-CN" altLang="en-US" sz="3200" dirty="0">
+              <a:solidFill>
+                <a:sysClr val="windowText" lastClr="000000"/>
+              </a:solidFill>
+              <a:latin typeface="Times New Roman" panose="02020603050405020304" pitchFamily="18" charset="0"/>
+              <a:cs typeface="Times New Roman" panose="02020603050405020304" pitchFamily="18" charset="0"/>
+            </a:endParaRPr>
+          </a:p>
+        </p:txBody>
+      </p:sp>
+      <p:sp>
+        <p:nvSpPr>
+          <p:cNvPr id="202" name="矩形 201"/>
+          <p:cNvSpPr/>
+          <p:nvPr/>
+        </p:nvSpPr>
+        <p:spPr>
+          <a:xfrm>
+            <a:off x="7179870" y="4436890"/>
+            <a:ext cx="716175" cy="515259"/>
+          </a:xfrm>
+          <a:prstGeom prst="rect">
+            <a:avLst/>
+          </a:prstGeom>
+          <a:solidFill>
+            <a:srgbClr val="00B0F0"/>
+          </a:solidFill>
+          <a:ln w="6350">
+            <a:solidFill>
+              <a:schemeClr val="tx1"/>
+            </a:solidFill>
+          </a:ln>
+        </p:spPr>
+        <p:style>
+          <a:lnRef idx="2">
+            <a:schemeClr val="accent1">
+              <a:shade val="50000"/>
+            </a:schemeClr>
+          </a:lnRef>
+          <a:fillRef idx="1">
+            <a:schemeClr val="accent1"/>
+          </a:fillRef>
+          <a:effectRef idx="0">
+            <a:schemeClr val="accent1"/>
+          </a:effectRef>
+          <a:fontRef idx="minor">
+            <a:schemeClr val="lt1"/>
+          </a:fontRef>
+        </p:style>
+        <p:txBody>
+          <a:bodyPr rtlCol="0" anchor="ctr"/>
+          <a:lstStyle/>
+          <a:p>
+            <a:pPr algn="ctr"/>
+            <a:r>
+              <a:rPr lang="en-US" altLang="zh-CN" sz="3200" dirty="0">
+                <a:solidFill>
+                  <a:sysClr val="windowText" lastClr="000000"/>
+                </a:solidFill>
+                <a:latin typeface="Times New Roman" panose="02020603050405020304" pitchFamily="18" charset="0"/>
+                <a:cs typeface="Times New Roman" panose="02020603050405020304" pitchFamily="18" charset="0"/>
+              </a:rPr>
+              <a:t>2</a:t>
+            </a:r>
+            <a:endParaRPr lang="zh-CN" altLang="en-US" sz="3200" dirty="0">
+              <a:solidFill>
+                <a:sysClr val="windowText" lastClr="000000"/>
+              </a:solidFill>
+              <a:latin typeface="Times New Roman" panose="02020603050405020304" pitchFamily="18" charset="0"/>
+              <a:cs typeface="Times New Roman" panose="02020603050405020304" pitchFamily="18" charset="0"/>
+            </a:endParaRPr>
+          </a:p>
+        </p:txBody>
+      </p:sp>
+      <p:sp>
+        <p:nvSpPr>
+          <p:cNvPr id="203" name="矩形 202"/>
+          <p:cNvSpPr/>
+          <p:nvPr/>
+        </p:nvSpPr>
+        <p:spPr>
+          <a:xfrm>
+            <a:off x="7896044" y="4436890"/>
+            <a:ext cx="716175" cy="515259"/>
+          </a:xfrm>
+          <a:prstGeom prst="rect">
+            <a:avLst/>
+          </a:prstGeom>
+          <a:solidFill>
+            <a:srgbClr val="00B0F0"/>
+          </a:solidFill>
+          <a:ln w="6350">
+            <a:solidFill>
+              <a:schemeClr val="tx1"/>
+            </a:solidFill>
+          </a:ln>
+        </p:spPr>
+        <p:style>
+          <a:lnRef idx="2">
+            <a:schemeClr val="accent1">
+              <a:shade val="50000"/>
+            </a:schemeClr>
+          </a:lnRef>
+          <a:fillRef idx="1">
+            <a:schemeClr val="accent1"/>
+          </a:fillRef>
+          <a:effectRef idx="0">
+            <a:schemeClr val="accent1"/>
+          </a:effectRef>
+          <a:fontRef idx="minor">
+            <a:schemeClr val="lt1"/>
+          </a:fontRef>
+        </p:style>
+        <p:txBody>
+          <a:bodyPr rtlCol="0" anchor="ctr"/>
+          <a:lstStyle/>
+          <a:p>
+            <a:pPr algn="ctr"/>
+            <a:r>
+              <a:rPr lang="en-US" altLang="zh-CN" sz="3200" dirty="0">
+                <a:solidFill>
+                  <a:sysClr val="windowText" lastClr="000000"/>
+                </a:solidFill>
+                <a:latin typeface="Times New Roman" panose="02020603050405020304" pitchFamily="18" charset="0"/>
+                <a:cs typeface="Times New Roman" panose="02020603050405020304" pitchFamily="18" charset="0"/>
+              </a:rPr>
+              <a:t>6</a:t>
+            </a:r>
+            <a:endParaRPr lang="zh-CN" altLang="en-US" sz="3200" dirty="0">
+              <a:solidFill>
+                <a:sysClr val="windowText" lastClr="000000"/>
+              </a:solidFill>
+              <a:latin typeface="Times New Roman" panose="02020603050405020304" pitchFamily="18" charset="0"/>
+              <a:cs typeface="Times New Roman" panose="02020603050405020304" pitchFamily="18" charset="0"/>
+            </a:endParaRPr>
+          </a:p>
+        </p:txBody>
+      </p:sp>
+      <p:sp>
+        <p:nvSpPr>
+          <p:cNvPr id="204" name="矩形 203"/>
+          <p:cNvSpPr/>
+          <p:nvPr/>
+        </p:nvSpPr>
+        <p:spPr>
+          <a:xfrm>
+            <a:off x="2369181" y="369302"/>
+            <a:ext cx="5767541" cy="584775"/>
+          </a:xfrm>
+          <a:prstGeom prst="rect">
+            <a:avLst/>
+          </a:prstGeom>
+        </p:spPr>
+        <p:txBody>
+          <a:bodyPr wrap="none">
+            <a:spAutoFit/>
+          </a:bodyPr>
+          <a:lstStyle/>
+          <a:p>
+            <a:r>
+              <a:rPr lang="zh-CN" altLang="en-US" sz="3200" dirty="0">
+                <a:latin typeface="Times New Roman" panose="02020603050405020304" pitchFamily="18" charset="0"/>
+                <a:cs typeface="Times New Roman" panose="02020603050405020304" pitchFamily="18" charset="0"/>
+              </a:rPr>
+              <a:t>循环交叉（</a:t>
+            </a:r>
+            <a:r>
+              <a:rPr lang="en-US" altLang="zh-CN" sz="3200" dirty="0">
+                <a:latin typeface="Times New Roman" panose="02020603050405020304" pitchFamily="18" charset="0"/>
+                <a:cs typeface="Times New Roman" panose="02020603050405020304" pitchFamily="18" charset="0"/>
+              </a:rPr>
+              <a:t>Cycle crossover, CX)</a:t>
+            </a:r>
+            <a:endParaRPr lang="zh-CN" altLang="en-US" sz="3200" dirty="0">
+              <a:latin typeface="Times New Roman" panose="02020603050405020304" pitchFamily="18" charset="0"/>
+              <a:cs typeface="Times New Roman" panose="02020603050405020304" pitchFamily="18" charset="0"/>
+            </a:endParaRPr>
+          </a:p>
+        </p:txBody>
+      </p:sp>
+      <p:cxnSp>
+        <p:nvCxnSpPr>
+          <p:cNvPr id="3" name="直接箭头连接符 2"/>
+          <p:cNvCxnSpPr/>
+          <p:nvPr/>
+        </p:nvCxnSpPr>
+        <p:spPr>
+          <a:xfrm>
+            <a:off x="3960789" y="2446020"/>
+            <a:ext cx="2470" cy="878282"/>
+          </a:xfrm>
+          <a:prstGeom prst="straightConnector1">
+            <a:avLst/>
+          </a:prstGeom>
+          <a:ln w="19050">
+            <a:solidFill>
+              <a:srgbClr val="FF0000"/>
+            </a:solidFill>
+            <a:tailEnd type="triangle"/>
+          </a:ln>
+        </p:spPr>
+        <p:style>
+          <a:lnRef idx="1">
+            <a:schemeClr val="accent1"/>
+          </a:lnRef>
+          <a:fillRef idx="0">
+            <a:schemeClr val="accent1"/>
+          </a:fillRef>
+          <a:effectRef idx="0">
+            <a:schemeClr val="accent1"/>
+          </a:effectRef>
+          <a:fontRef idx="minor">
+            <a:schemeClr val="tx1"/>
+          </a:fontRef>
+        </p:style>
+      </p:cxnSp>
+      <p:sp>
+        <p:nvSpPr>
+          <p:cNvPr id="205" name="矩形 204"/>
+          <p:cNvSpPr/>
+          <p:nvPr/>
+        </p:nvSpPr>
+        <p:spPr>
+          <a:xfrm>
+            <a:off x="4195843" y="2403096"/>
+            <a:ext cx="3467616" cy="584775"/>
+          </a:xfrm>
+          <a:prstGeom prst="rect">
+            <a:avLst/>
+          </a:prstGeom>
+        </p:spPr>
+        <p:txBody>
+          <a:bodyPr wrap="none">
+            <a:spAutoFit/>
+          </a:bodyPr>
+          <a:lstStyle/>
+          <a:p>
+            <a:r>
+              <a:rPr lang="zh-CN" altLang="en-US" sz="3200" dirty="0">
+                <a:latin typeface="Times New Roman" panose="02020603050405020304" pitchFamily="18" charset="0"/>
+                <a:cs typeface="Times New Roman" panose="02020603050405020304" pitchFamily="18" charset="0"/>
+              </a:rPr>
+              <a:t>随机选择一个位置</a:t>
+            </a:r>
+          </a:p>
+        </p:txBody>
+      </p:sp>
+      <p:sp>
+        <p:nvSpPr>
+          <p:cNvPr id="47" name="矩形 46"/>
+          <p:cNvSpPr/>
+          <p:nvPr/>
+        </p:nvSpPr>
+        <p:spPr>
+          <a:xfrm>
+            <a:off x="6463693" y="4436890"/>
+            <a:ext cx="716175" cy="515259"/>
+          </a:xfrm>
+          <a:prstGeom prst="rect">
+            <a:avLst/>
+          </a:prstGeom>
+          <a:solidFill>
+            <a:srgbClr val="00B0F0"/>
+          </a:solidFill>
+          <a:ln w="6350">
+            <a:solidFill>
+              <a:schemeClr val="tx1"/>
+            </a:solidFill>
+          </a:ln>
+        </p:spPr>
+        <p:style>
+          <a:lnRef idx="2">
+            <a:schemeClr val="accent1">
+              <a:shade val="50000"/>
+            </a:schemeClr>
+          </a:lnRef>
+          <a:fillRef idx="1">
+            <a:schemeClr val="accent1"/>
+          </a:fillRef>
+          <a:effectRef idx="0">
+            <a:schemeClr val="accent1"/>
+          </a:effectRef>
+          <a:fontRef idx="minor">
+            <a:schemeClr val="lt1"/>
+          </a:fontRef>
+        </p:style>
+        <p:txBody>
+          <a:bodyPr rtlCol="0" anchor="ctr"/>
+          <a:lstStyle/>
+          <a:p>
+            <a:pPr algn="ctr"/>
+            <a:r>
+              <a:rPr lang="en-US" altLang="zh-CN" sz="3200" dirty="0">
+                <a:solidFill>
+                  <a:sysClr val="windowText" lastClr="000000"/>
+                </a:solidFill>
+                <a:latin typeface="Times New Roman" panose="02020603050405020304" pitchFamily="18" charset="0"/>
+                <a:cs typeface="Times New Roman" panose="02020603050405020304" pitchFamily="18" charset="0"/>
+              </a:rPr>
+              <a:t>4</a:t>
+            </a:r>
+            <a:endParaRPr lang="zh-CN" altLang="en-US" sz="3200" dirty="0">
+              <a:solidFill>
+                <a:sysClr val="windowText" lastClr="000000"/>
+              </a:solidFill>
+              <a:latin typeface="Times New Roman" panose="02020603050405020304" pitchFamily="18" charset="0"/>
+              <a:cs typeface="Times New Roman" panose="02020603050405020304" pitchFamily="18" charset="0"/>
+            </a:endParaRPr>
+          </a:p>
+        </p:txBody>
+      </p:sp>
+      <p:sp>
+        <p:nvSpPr>
+          <p:cNvPr id="15" name="矩形 14"/>
+          <p:cNvSpPr/>
+          <p:nvPr/>
+        </p:nvSpPr>
+        <p:spPr>
+          <a:xfrm>
+            <a:off x="9142880" y="6103351"/>
+            <a:ext cx="543596" cy="247246"/>
+          </a:xfrm>
+          <a:prstGeom prst="rect">
+            <a:avLst/>
+          </a:prstGeom>
+          <a:noFill/>
+          <a:ln>
+            <a:noFill/>
+          </a:ln>
+        </p:spPr>
+        <p:style>
+          <a:lnRef idx="2">
+            <a:schemeClr val="accent1">
+              <a:shade val="50000"/>
+            </a:schemeClr>
+          </a:lnRef>
+          <a:fillRef idx="1">
+            <a:schemeClr val="accent1"/>
+          </a:fillRef>
+          <a:effectRef idx="0">
+            <a:schemeClr val="accent1"/>
+          </a:effectRef>
+          <a:fontRef idx="minor">
+            <a:schemeClr val="lt1"/>
+          </a:fontRef>
+        </p:style>
+        <p:txBody>
+          <a:bodyPr rtlCol="0" anchor="ctr"/>
+          <a:lstStyle/>
+          <a:p>
+            <a:pPr algn="ctr"/>
+            <a:endParaRPr lang="zh-CN" altLang="en-US"/>
+          </a:p>
+        </p:txBody>
+      </p:sp>
+      <p:cxnSp>
+        <p:nvCxnSpPr>
+          <p:cNvPr id="4" name="直接箭头连接符 3"/>
+          <p:cNvCxnSpPr>
+            <a:stCxn id="42" idx="2"/>
+            <a:endCxn id="197" idx="0"/>
+          </p:cNvCxnSpPr>
+          <p:nvPr/>
+        </p:nvCxnSpPr>
+        <p:spPr>
+          <a:xfrm>
+            <a:off x="3957084" y="3839561"/>
+            <a:ext cx="0" cy="597329"/>
+          </a:xfrm>
+          <a:prstGeom prst="straightConnector1">
+            <a:avLst/>
+          </a:prstGeom>
+          <a:ln w="19050">
+            <a:solidFill>
+              <a:srgbClr val="FF0000"/>
+            </a:solidFill>
+            <a:tailEnd type="triangle"/>
+          </a:ln>
+        </p:spPr>
+        <p:style>
+          <a:lnRef idx="1">
+            <a:schemeClr val="accent1"/>
+          </a:lnRef>
+          <a:fillRef idx="0">
+            <a:schemeClr val="accent1"/>
+          </a:fillRef>
+          <a:effectRef idx="0">
+            <a:schemeClr val="accent1"/>
+          </a:effectRef>
+          <a:fontRef idx="minor">
+            <a:schemeClr val="tx1"/>
+          </a:fontRef>
+        </p:style>
+      </p:cxnSp>
+      <p:sp>
+        <p:nvSpPr>
+          <p:cNvPr id="42" name="矩形 41"/>
+          <p:cNvSpPr/>
+          <p:nvPr/>
+        </p:nvSpPr>
+        <p:spPr>
+          <a:xfrm>
+            <a:off x="3598996" y="3324302"/>
+            <a:ext cx="716175" cy="515259"/>
+          </a:xfrm>
+          <a:prstGeom prst="rect">
+            <a:avLst/>
+          </a:prstGeom>
+          <a:solidFill>
+            <a:srgbClr val="FFC000"/>
+          </a:solidFill>
+          <a:ln w="6350">
+            <a:solidFill>
+              <a:schemeClr val="tx1"/>
+            </a:solidFill>
+          </a:ln>
+        </p:spPr>
+        <p:style>
+          <a:lnRef idx="2">
+            <a:schemeClr val="accent1">
+              <a:shade val="50000"/>
+            </a:schemeClr>
+          </a:lnRef>
+          <a:fillRef idx="1">
+            <a:schemeClr val="accent1"/>
+          </a:fillRef>
+          <a:effectRef idx="0">
+            <a:schemeClr val="accent1"/>
+          </a:effectRef>
+          <a:fontRef idx="minor">
+            <a:schemeClr val="lt1"/>
+          </a:fontRef>
+        </p:style>
+        <p:txBody>
+          <a:bodyPr rtlCol="0" anchor="ctr"/>
+          <a:lstStyle/>
+          <a:p>
+            <a:pPr algn="ctr"/>
+            <a:r>
+              <a:rPr lang="en-US" altLang="zh-CN" sz="3200" dirty="0">
+                <a:solidFill>
+                  <a:sysClr val="windowText" lastClr="000000"/>
+                </a:solidFill>
+                <a:latin typeface="Times New Roman" panose="02020603050405020304" pitchFamily="18" charset="0"/>
+                <a:cs typeface="Times New Roman" panose="02020603050405020304" pitchFamily="18" charset="0"/>
+              </a:rPr>
+              <a:t>2</a:t>
+            </a:r>
+            <a:endParaRPr lang="zh-CN" altLang="en-US" sz="3200" dirty="0">
+              <a:solidFill>
+                <a:sysClr val="windowText" lastClr="000000"/>
+              </a:solidFill>
+              <a:latin typeface="Times New Roman" panose="02020603050405020304" pitchFamily="18" charset="0"/>
+              <a:cs typeface="Times New Roman" panose="02020603050405020304" pitchFamily="18" charset="0"/>
+            </a:endParaRPr>
+          </a:p>
+        </p:txBody>
+      </p:sp>
+      <p:sp>
+        <p:nvSpPr>
+          <p:cNvPr id="43" name="矩形 42"/>
+          <p:cNvSpPr/>
+          <p:nvPr/>
+        </p:nvSpPr>
+        <p:spPr>
+          <a:xfrm>
+            <a:off x="4315171" y="3324302"/>
+            <a:ext cx="716175" cy="515259"/>
+          </a:xfrm>
+          <a:prstGeom prst="rect">
+            <a:avLst/>
+          </a:prstGeom>
+          <a:solidFill>
+            <a:srgbClr val="FFC000"/>
+          </a:solidFill>
+          <a:ln w="6350">
+            <a:solidFill>
+              <a:schemeClr val="tx1"/>
+            </a:solidFill>
+          </a:ln>
+        </p:spPr>
+        <p:style>
+          <a:lnRef idx="2">
+            <a:schemeClr val="accent1">
+              <a:shade val="50000"/>
+            </a:schemeClr>
+          </a:lnRef>
+          <a:fillRef idx="1">
+            <a:schemeClr val="accent1"/>
+          </a:fillRef>
+          <a:effectRef idx="0">
+            <a:schemeClr val="accent1"/>
+          </a:effectRef>
+          <a:fontRef idx="minor">
+            <a:schemeClr val="lt1"/>
+          </a:fontRef>
+        </p:style>
+        <p:txBody>
+          <a:bodyPr rtlCol="0" anchor="ctr"/>
+          <a:lstStyle/>
+          <a:p>
+            <a:pPr algn="ctr"/>
+            <a:r>
+              <a:rPr lang="en-US" altLang="zh-CN" sz="3200" dirty="0">
+                <a:solidFill>
+                  <a:sysClr val="windowText" lastClr="000000"/>
+                </a:solidFill>
+                <a:latin typeface="Times New Roman" panose="02020603050405020304" pitchFamily="18" charset="0"/>
+                <a:cs typeface="Times New Roman" panose="02020603050405020304" pitchFamily="18" charset="0"/>
+              </a:rPr>
+              <a:t>3</a:t>
+            </a:r>
+            <a:endParaRPr lang="zh-CN" altLang="en-US" sz="3200" dirty="0">
+              <a:solidFill>
+                <a:sysClr val="windowText" lastClr="000000"/>
+              </a:solidFill>
+              <a:latin typeface="Times New Roman" panose="02020603050405020304" pitchFamily="18" charset="0"/>
+              <a:cs typeface="Times New Roman" panose="02020603050405020304" pitchFamily="18" charset="0"/>
+            </a:endParaRPr>
+          </a:p>
+        </p:txBody>
+      </p:sp>
+      <p:sp>
+        <p:nvSpPr>
+          <p:cNvPr id="44" name="矩形 43"/>
+          <p:cNvSpPr/>
+          <p:nvPr/>
+        </p:nvSpPr>
+        <p:spPr>
+          <a:xfrm>
+            <a:off x="5031346" y="3324302"/>
+            <a:ext cx="716175" cy="515259"/>
+          </a:xfrm>
+          <a:prstGeom prst="rect">
+            <a:avLst/>
+          </a:prstGeom>
+          <a:solidFill>
+            <a:srgbClr val="FFC000"/>
+          </a:solidFill>
+          <a:ln w="6350">
+            <a:solidFill>
+              <a:schemeClr val="tx1"/>
+            </a:solidFill>
+          </a:ln>
+        </p:spPr>
+        <p:style>
+          <a:lnRef idx="2">
+            <a:schemeClr val="accent1">
+              <a:shade val="50000"/>
+            </a:schemeClr>
+          </a:lnRef>
+          <a:fillRef idx="1">
+            <a:schemeClr val="accent1"/>
+          </a:fillRef>
+          <a:effectRef idx="0">
+            <a:schemeClr val="accent1"/>
+          </a:effectRef>
+          <a:fontRef idx="minor">
+            <a:schemeClr val="lt1"/>
+          </a:fontRef>
+        </p:style>
+        <p:txBody>
+          <a:bodyPr rtlCol="0" anchor="ctr"/>
+          <a:lstStyle/>
+          <a:p>
+            <a:pPr algn="ctr"/>
+            <a:r>
+              <a:rPr lang="en-US" altLang="zh-CN" sz="3200" dirty="0">
+                <a:solidFill>
+                  <a:sysClr val="windowText" lastClr="000000"/>
+                </a:solidFill>
+                <a:latin typeface="Times New Roman" panose="02020603050405020304" pitchFamily="18" charset="0"/>
+                <a:cs typeface="Times New Roman" panose="02020603050405020304" pitchFamily="18" charset="0"/>
+              </a:rPr>
+              <a:t>4</a:t>
+            </a:r>
+            <a:endParaRPr lang="zh-CN" altLang="en-US" sz="3200" dirty="0">
+              <a:solidFill>
+                <a:sysClr val="windowText" lastClr="000000"/>
+              </a:solidFill>
+              <a:latin typeface="Times New Roman" panose="02020603050405020304" pitchFamily="18" charset="0"/>
+              <a:cs typeface="Times New Roman" panose="02020603050405020304" pitchFamily="18" charset="0"/>
+            </a:endParaRPr>
+          </a:p>
+        </p:txBody>
+      </p:sp>
+      <p:sp>
+        <p:nvSpPr>
+          <p:cNvPr id="49" name="矩形 48"/>
+          <p:cNvSpPr/>
+          <p:nvPr/>
+        </p:nvSpPr>
+        <p:spPr>
+          <a:xfrm>
+            <a:off x="5747520" y="3324302"/>
+            <a:ext cx="716175" cy="515259"/>
+          </a:xfrm>
+          <a:prstGeom prst="rect">
+            <a:avLst/>
+          </a:prstGeom>
+          <a:solidFill>
+            <a:srgbClr val="FFC000"/>
+          </a:solidFill>
+          <a:ln w="6350">
+            <a:solidFill>
+              <a:schemeClr val="tx1"/>
+            </a:solidFill>
+          </a:ln>
+        </p:spPr>
+        <p:style>
+          <a:lnRef idx="2">
+            <a:schemeClr val="accent1">
+              <a:shade val="50000"/>
+            </a:schemeClr>
+          </a:lnRef>
+          <a:fillRef idx="1">
+            <a:schemeClr val="accent1"/>
+          </a:fillRef>
+          <a:effectRef idx="0">
+            <a:schemeClr val="accent1"/>
+          </a:effectRef>
+          <a:fontRef idx="minor">
+            <a:schemeClr val="lt1"/>
+          </a:fontRef>
+        </p:style>
+        <p:txBody>
+          <a:bodyPr rtlCol="0" anchor="ctr"/>
+          <a:lstStyle/>
+          <a:p>
+            <a:pPr algn="ctr"/>
+            <a:r>
+              <a:rPr lang="en-US" altLang="zh-CN" sz="3200" dirty="0">
+                <a:solidFill>
+                  <a:sysClr val="windowText" lastClr="000000"/>
+                </a:solidFill>
+                <a:latin typeface="Times New Roman" panose="02020603050405020304" pitchFamily="18" charset="0"/>
+                <a:cs typeface="Times New Roman" panose="02020603050405020304" pitchFamily="18" charset="0"/>
+              </a:rPr>
+              <a:t>5</a:t>
+            </a:r>
+            <a:endParaRPr lang="zh-CN" altLang="en-US" sz="3200" dirty="0">
+              <a:solidFill>
+                <a:sysClr val="windowText" lastClr="000000"/>
+              </a:solidFill>
+              <a:latin typeface="Times New Roman" panose="02020603050405020304" pitchFamily="18" charset="0"/>
+              <a:cs typeface="Times New Roman" panose="02020603050405020304" pitchFamily="18" charset="0"/>
+            </a:endParaRPr>
+          </a:p>
+        </p:txBody>
+      </p:sp>
+      <p:cxnSp>
+        <p:nvCxnSpPr>
+          <p:cNvPr id="52" name="直接箭头连接符 51"/>
+          <p:cNvCxnSpPr>
+            <a:stCxn id="197" idx="0"/>
+            <a:endCxn id="49" idx="2"/>
+          </p:cNvCxnSpPr>
+          <p:nvPr/>
+        </p:nvCxnSpPr>
+        <p:spPr>
+          <a:xfrm flipV="1">
+            <a:off x="3957084" y="3839561"/>
+            <a:ext cx="2148524" cy="597329"/>
+          </a:xfrm>
+          <a:prstGeom prst="straightConnector1">
+            <a:avLst/>
+          </a:prstGeom>
+          <a:ln w="19050">
+            <a:solidFill>
+              <a:srgbClr val="FF0000"/>
+            </a:solidFill>
+            <a:tailEnd type="triangle"/>
+          </a:ln>
+        </p:spPr>
+        <p:style>
+          <a:lnRef idx="1">
+            <a:schemeClr val="accent1"/>
+          </a:lnRef>
+          <a:fillRef idx="0">
+            <a:schemeClr val="accent1"/>
+          </a:fillRef>
+          <a:effectRef idx="0">
+            <a:schemeClr val="accent1"/>
+          </a:effectRef>
+          <a:fontRef idx="minor">
+            <a:schemeClr val="tx1"/>
+          </a:fontRef>
+        </p:style>
+      </p:cxnSp>
+      <p:cxnSp>
+        <p:nvCxnSpPr>
+          <p:cNvPr id="55" name="直接箭头连接符 54"/>
+          <p:cNvCxnSpPr>
+            <a:stCxn id="49" idx="2"/>
+            <a:endCxn id="200" idx="0"/>
+          </p:cNvCxnSpPr>
+          <p:nvPr/>
+        </p:nvCxnSpPr>
+        <p:spPr>
+          <a:xfrm>
+            <a:off x="6105608" y="3839561"/>
+            <a:ext cx="0" cy="597329"/>
+          </a:xfrm>
+          <a:prstGeom prst="straightConnector1">
+            <a:avLst/>
+          </a:prstGeom>
+          <a:ln w="19050">
+            <a:solidFill>
+              <a:srgbClr val="FF0000"/>
+            </a:solidFill>
+            <a:tailEnd type="triangle"/>
+          </a:ln>
+        </p:spPr>
+        <p:style>
+          <a:lnRef idx="1">
+            <a:schemeClr val="accent1"/>
+          </a:lnRef>
+          <a:fillRef idx="0">
+            <a:schemeClr val="accent1"/>
+          </a:fillRef>
+          <a:effectRef idx="0">
+            <a:schemeClr val="accent1"/>
+          </a:effectRef>
+          <a:fontRef idx="minor">
+            <a:schemeClr val="tx1"/>
+          </a:fontRef>
+        </p:style>
+      </p:cxnSp>
+      <p:cxnSp>
+        <p:nvCxnSpPr>
+          <p:cNvPr id="60" name="直接箭头连接符 59"/>
+          <p:cNvCxnSpPr>
+            <a:cxnSpLocks/>
+            <a:stCxn id="195" idx="2"/>
+            <a:endCxn id="202" idx="0"/>
+          </p:cNvCxnSpPr>
+          <p:nvPr/>
+        </p:nvCxnSpPr>
+        <p:spPr>
+          <a:xfrm>
+            <a:off x="7537958" y="3839561"/>
+            <a:ext cx="0" cy="597329"/>
+          </a:xfrm>
+          <a:prstGeom prst="straightConnector1">
+            <a:avLst/>
+          </a:prstGeom>
+          <a:ln w="19050">
+            <a:solidFill>
+              <a:srgbClr val="FF0000"/>
+            </a:solidFill>
+            <a:tailEnd type="triangle"/>
+          </a:ln>
+        </p:spPr>
+        <p:style>
+          <a:lnRef idx="1">
+            <a:schemeClr val="accent1"/>
+          </a:lnRef>
+          <a:fillRef idx="0">
+            <a:schemeClr val="accent1"/>
+          </a:fillRef>
+          <a:effectRef idx="0">
+            <a:schemeClr val="accent1"/>
+          </a:effectRef>
+          <a:fontRef idx="minor">
+            <a:schemeClr val="tx1"/>
+          </a:fontRef>
+        </p:style>
+      </p:cxnSp>
+      <p:sp>
+        <p:nvSpPr>
+          <p:cNvPr id="73" name="椭圆 72"/>
+          <p:cNvSpPr/>
+          <p:nvPr/>
+        </p:nvSpPr>
+        <p:spPr>
+          <a:xfrm>
+            <a:off x="10609702" y="4374010"/>
+            <a:ext cx="504000" cy="504000"/>
+          </a:xfrm>
+          <a:prstGeom prst="ellipse">
+            <a:avLst/>
+          </a:prstGeom>
+          <a:solidFill>
+            <a:srgbClr val="FFC000"/>
+          </a:solidFill>
+          <a:ln w="6350">
+            <a:solidFill>
+              <a:schemeClr val="tx1"/>
+            </a:solidFill>
+          </a:ln>
+        </p:spPr>
+        <p:style>
+          <a:lnRef idx="2">
+            <a:schemeClr val="accent1">
+              <a:shade val="50000"/>
+            </a:schemeClr>
+          </a:lnRef>
+          <a:fillRef idx="1">
+            <a:schemeClr val="accent1"/>
+          </a:fillRef>
+          <a:effectRef idx="0">
+            <a:schemeClr val="accent1"/>
+          </a:effectRef>
+          <a:fontRef idx="minor">
+            <a:schemeClr val="lt1"/>
+          </a:fontRef>
+        </p:style>
+        <p:txBody>
+          <a:bodyPr rtlCol="0" anchor="ctr"/>
+          <a:lstStyle/>
+          <a:p>
+            <a:pPr algn="ctr"/>
+            <a:r>
+              <a:rPr lang="en-US" altLang="zh-CN" sz="3200" dirty="0">
+                <a:solidFill>
+                  <a:sysClr val="windowText" lastClr="000000"/>
+                </a:solidFill>
+                <a:latin typeface="Times New Roman" panose="02020603050405020304" pitchFamily="18" charset="0"/>
+                <a:cs typeface="Times New Roman" panose="02020603050405020304" pitchFamily="18" charset="0"/>
+              </a:rPr>
+              <a:t>7</a:t>
+            </a:r>
+            <a:endParaRPr lang="zh-CN" altLang="en-US" sz="3200" dirty="0">
+              <a:solidFill>
+                <a:sysClr val="windowText" lastClr="000000"/>
+              </a:solidFill>
+              <a:latin typeface="Times New Roman" panose="02020603050405020304" pitchFamily="18" charset="0"/>
+              <a:cs typeface="Times New Roman" panose="02020603050405020304" pitchFamily="18" charset="0"/>
+            </a:endParaRPr>
+          </a:p>
+        </p:txBody>
+      </p:sp>
+      <p:sp>
+        <p:nvSpPr>
+          <p:cNvPr id="74" name="椭圆 73"/>
+          <p:cNvSpPr/>
+          <p:nvPr/>
+        </p:nvSpPr>
+        <p:spPr>
+          <a:xfrm>
+            <a:off x="8823058" y="4389250"/>
+            <a:ext cx="504000" cy="504000"/>
+          </a:xfrm>
+          <a:prstGeom prst="ellipse">
+            <a:avLst/>
+          </a:prstGeom>
+          <a:solidFill>
+            <a:srgbClr val="FFC000"/>
+          </a:solidFill>
+          <a:ln w="6350">
+            <a:solidFill>
+              <a:schemeClr val="tx1"/>
+            </a:solidFill>
+          </a:ln>
+        </p:spPr>
+        <p:style>
+          <a:lnRef idx="2">
+            <a:schemeClr val="accent1">
+              <a:shade val="50000"/>
+            </a:schemeClr>
+          </a:lnRef>
+          <a:fillRef idx="1">
+            <a:schemeClr val="accent1"/>
+          </a:fillRef>
+          <a:effectRef idx="0">
+            <a:schemeClr val="accent1"/>
+          </a:effectRef>
+          <a:fontRef idx="minor">
+            <a:schemeClr val="lt1"/>
+          </a:fontRef>
+        </p:style>
+        <p:txBody>
+          <a:bodyPr rtlCol="0" anchor="ctr"/>
+          <a:lstStyle/>
+          <a:p>
+            <a:pPr algn="ctr"/>
+            <a:r>
+              <a:rPr lang="en-US" altLang="zh-CN" sz="3200" dirty="0">
+                <a:solidFill>
+                  <a:sysClr val="windowText" lastClr="000000"/>
+                </a:solidFill>
+                <a:latin typeface="Times New Roman" panose="02020603050405020304" pitchFamily="18" charset="0"/>
+                <a:cs typeface="Times New Roman" panose="02020603050405020304" pitchFamily="18" charset="0"/>
+              </a:rPr>
+              <a:t>5</a:t>
+            </a:r>
+            <a:endParaRPr lang="zh-CN" altLang="en-US" sz="3200" dirty="0">
+              <a:solidFill>
+                <a:sysClr val="windowText" lastClr="000000"/>
+              </a:solidFill>
+              <a:latin typeface="Times New Roman" panose="02020603050405020304" pitchFamily="18" charset="0"/>
+              <a:cs typeface="Times New Roman" panose="02020603050405020304" pitchFamily="18" charset="0"/>
+            </a:endParaRPr>
+          </a:p>
+        </p:txBody>
+      </p:sp>
+      <p:sp>
+        <p:nvSpPr>
+          <p:cNvPr id="88" name="椭圆 87"/>
+          <p:cNvSpPr/>
+          <p:nvPr/>
+        </p:nvSpPr>
+        <p:spPr>
+          <a:xfrm>
+            <a:off x="9772933" y="2996184"/>
+            <a:ext cx="504000" cy="504000"/>
+          </a:xfrm>
+          <a:prstGeom prst="ellipse">
+            <a:avLst/>
+          </a:prstGeom>
+          <a:solidFill>
+            <a:srgbClr val="FFC000"/>
+          </a:solidFill>
+          <a:ln w="6350">
+            <a:solidFill>
+              <a:schemeClr val="tx1"/>
+            </a:solidFill>
+          </a:ln>
+        </p:spPr>
+        <p:style>
+          <a:lnRef idx="2">
+            <a:schemeClr val="accent1">
+              <a:shade val="50000"/>
+            </a:schemeClr>
+          </a:lnRef>
+          <a:fillRef idx="1">
+            <a:schemeClr val="accent1"/>
+          </a:fillRef>
+          <a:effectRef idx="0">
+            <a:schemeClr val="accent1"/>
+          </a:effectRef>
+          <a:fontRef idx="minor">
+            <a:schemeClr val="lt1"/>
+          </a:fontRef>
+        </p:style>
+        <p:txBody>
+          <a:bodyPr rtlCol="0" anchor="ctr"/>
+          <a:lstStyle/>
+          <a:p>
+            <a:pPr algn="ctr"/>
+            <a:r>
+              <a:rPr lang="en-US" altLang="zh-CN" sz="3200" dirty="0">
+                <a:solidFill>
+                  <a:sysClr val="windowText" lastClr="000000"/>
+                </a:solidFill>
+                <a:latin typeface="Times New Roman" panose="02020603050405020304" pitchFamily="18" charset="0"/>
+                <a:cs typeface="Times New Roman" panose="02020603050405020304" pitchFamily="18" charset="0"/>
+              </a:rPr>
+              <a:t>2</a:t>
+            </a:r>
+            <a:endParaRPr lang="zh-CN" altLang="en-US" sz="3200" dirty="0">
+              <a:solidFill>
+                <a:sysClr val="windowText" lastClr="000000"/>
+              </a:solidFill>
+              <a:latin typeface="Times New Roman" panose="02020603050405020304" pitchFamily="18" charset="0"/>
+              <a:cs typeface="Times New Roman" panose="02020603050405020304" pitchFamily="18" charset="0"/>
+            </a:endParaRPr>
+          </a:p>
+        </p:txBody>
+      </p:sp>
+      <p:sp>
+        <p:nvSpPr>
+          <p:cNvPr id="53" name="任意多边形 52"/>
+          <p:cNvSpPr/>
+          <p:nvPr/>
+        </p:nvSpPr>
+        <p:spPr>
+          <a:xfrm>
+            <a:off x="9016559" y="3261740"/>
+            <a:ext cx="761031" cy="1145078"/>
+          </a:xfrm>
+          <a:custGeom>
+            <a:avLst/>
+            <a:gdLst>
+              <a:gd name="connsiteX0" fmla="*/ 706581 w 706581"/>
+              <a:gd name="connsiteY0" fmla="*/ 0 h 1219200"/>
+              <a:gd name="connsiteX1" fmla="*/ 221672 w 706581"/>
+              <a:gd name="connsiteY1" fmla="*/ 110837 h 1219200"/>
+              <a:gd name="connsiteX2" fmla="*/ 83127 w 706581"/>
+              <a:gd name="connsiteY2" fmla="*/ 360219 h 1219200"/>
+              <a:gd name="connsiteX3" fmla="*/ 0 w 706581"/>
+              <a:gd name="connsiteY3" fmla="*/ 803564 h 1219200"/>
+              <a:gd name="connsiteX4" fmla="*/ 83127 w 706581"/>
+              <a:gd name="connsiteY4" fmla="*/ 1219200 h 1219200"/>
+              <a:gd name="connsiteX0" fmla="*/ 706690 w 706690"/>
+              <a:gd name="connsiteY0" fmla="*/ 0 h 1219200"/>
+              <a:gd name="connsiteX1" fmla="*/ 221781 w 706690"/>
+              <a:gd name="connsiteY1" fmla="*/ 110837 h 1219200"/>
+              <a:gd name="connsiteX2" fmla="*/ 69381 w 706690"/>
+              <a:gd name="connsiteY2" fmla="*/ 457201 h 1219200"/>
+              <a:gd name="connsiteX3" fmla="*/ 109 w 706690"/>
+              <a:gd name="connsiteY3" fmla="*/ 803564 h 1219200"/>
+              <a:gd name="connsiteX4" fmla="*/ 83236 w 706690"/>
+              <a:gd name="connsiteY4" fmla="*/ 1219200 h 1219200"/>
+              <a:gd name="connsiteX0" fmla="*/ 706819 w 706819"/>
+              <a:gd name="connsiteY0" fmla="*/ 0 h 1219200"/>
+              <a:gd name="connsiteX1" fmla="*/ 346601 w 706819"/>
+              <a:gd name="connsiteY1" fmla="*/ 180110 h 1219200"/>
+              <a:gd name="connsiteX2" fmla="*/ 69510 w 706819"/>
+              <a:gd name="connsiteY2" fmla="*/ 457201 h 1219200"/>
+              <a:gd name="connsiteX3" fmla="*/ 238 w 706819"/>
+              <a:gd name="connsiteY3" fmla="*/ 803564 h 1219200"/>
+              <a:gd name="connsiteX4" fmla="*/ 83365 w 706819"/>
+              <a:gd name="connsiteY4" fmla="*/ 1219200 h 1219200"/>
+              <a:gd name="connsiteX0" fmla="*/ 650879 w 650879"/>
+              <a:gd name="connsiteY0" fmla="*/ 0 h 1219200"/>
+              <a:gd name="connsiteX1" fmla="*/ 290661 w 650879"/>
+              <a:gd name="connsiteY1" fmla="*/ 180110 h 1219200"/>
+              <a:gd name="connsiteX2" fmla="*/ 13570 w 650879"/>
+              <a:gd name="connsiteY2" fmla="*/ 457201 h 1219200"/>
+              <a:gd name="connsiteX3" fmla="*/ 41279 w 650879"/>
+              <a:gd name="connsiteY3" fmla="*/ 831273 h 1219200"/>
+              <a:gd name="connsiteX4" fmla="*/ 27425 w 650879"/>
+              <a:gd name="connsiteY4" fmla="*/ 1219200 h 1219200"/>
+              <a:gd name="connsiteX0" fmla="*/ 640538 w 640538"/>
+              <a:gd name="connsiteY0" fmla="*/ 0 h 1219200"/>
+              <a:gd name="connsiteX1" fmla="*/ 280320 w 640538"/>
+              <a:gd name="connsiteY1" fmla="*/ 180110 h 1219200"/>
+              <a:gd name="connsiteX2" fmla="*/ 72502 w 640538"/>
+              <a:gd name="connsiteY2" fmla="*/ 484911 h 1219200"/>
+              <a:gd name="connsiteX3" fmla="*/ 30938 w 640538"/>
+              <a:gd name="connsiteY3" fmla="*/ 831273 h 1219200"/>
+              <a:gd name="connsiteX4" fmla="*/ 17084 w 640538"/>
+              <a:gd name="connsiteY4" fmla="*/ 1219200 h 1219200"/>
+              <a:gd name="connsiteX0" fmla="*/ 668248 w 668248"/>
+              <a:gd name="connsiteY0" fmla="*/ 0 h 1149927"/>
+              <a:gd name="connsiteX1" fmla="*/ 280320 w 668248"/>
+              <a:gd name="connsiteY1" fmla="*/ 110837 h 1149927"/>
+              <a:gd name="connsiteX2" fmla="*/ 72502 w 668248"/>
+              <a:gd name="connsiteY2" fmla="*/ 415638 h 1149927"/>
+              <a:gd name="connsiteX3" fmla="*/ 30938 w 668248"/>
+              <a:gd name="connsiteY3" fmla="*/ 762000 h 1149927"/>
+              <a:gd name="connsiteX4" fmla="*/ 17084 w 668248"/>
+              <a:gd name="connsiteY4" fmla="*/ 1149927 h 1149927"/>
+              <a:gd name="connsiteX0" fmla="*/ 668248 w 668248"/>
+              <a:gd name="connsiteY0" fmla="*/ 0 h 1149927"/>
+              <a:gd name="connsiteX1" fmla="*/ 321883 w 668248"/>
+              <a:gd name="connsiteY1" fmla="*/ 166255 h 1149927"/>
+              <a:gd name="connsiteX2" fmla="*/ 72502 w 668248"/>
+              <a:gd name="connsiteY2" fmla="*/ 415638 h 1149927"/>
+              <a:gd name="connsiteX3" fmla="*/ 30938 w 668248"/>
+              <a:gd name="connsiteY3" fmla="*/ 762000 h 1149927"/>
+              <a:gd name="connsiteX4" fmla="*/ 17084 w 668248"/>
+              <a:gd name="connsiteY4" fmla="*/ 1149927 h 1149927"/>
+              <a:gd name="connsiteX0" fmla="*/ 708603 w 708603"/>
+              <a:gd name="connsiteY0" fmla="*/ 0 h 1149927"/>
+              <a:gd name="connsiteX1" fmla="*/ 362238 w 708603"/>
+              <a:gd name="connsiteY1" fmla="*/ 166255 h 1149927"/>
+              <a:gd name="connsiteX2" fmla="*/ 112857 w 708603"/>
+              <a:gd name="connsiteY2" fmla="*/ 415638 h 1149927"/>
+              <a:gd name="connsiteX3" fmla="*/ 2021 w 708603"/>
+              <a:gd name="connsiteY3" fmla="*/ 748146 h 1149927"/>
+              <a:gd name="connsiteX4" fmla="*/ 57439 w 708603"/>
+              <a:gd name="connsiteY4" fmla="*/ 1149927 h 1149927"/>
+              <a:gd name="connsiteX0" fmla="*/ 721311 w 721311"/>
+              <a:gd name="connsiteY0" fmla="*/ 0 h 1080654"/>
+              <a:gd name="connsiteX1" fmla="*/ 374946 w 721311"/>
+              <a:gd name="connsiteY1" fmla="*/ 166255 h 1080654"/>
+              <a:gd name="connsiteX2" fmla="*/ 125565 w 721311"/>
+              <a:gd name="connsiteY2" fmla="*/ 415638 h 1080654"/>
+              <a:gd name="connsiteX3" fmla="*/ 14729 w 721311"/>
+              <a:gd name="connsiteY3" fmla="*/ 748146 h 1080654"/>
+              <a:gd name="connsiteX4" fmla="*/ 28583 w 721311"/>
+              <a:gd name="connsiteY4" fmla="*/ 1080654 h 1080654"/>
+              <a:gd name="connsiteX0" fmla="*/ 739945 w 739945"/>
+              <a:gd name="connsiteY0" fmla="*/ 0 h 1122218"/>
+              <a:gd name="connsiteX1" fmla="*/ 393580 w 739945"/>
+              <a:gd name="connsiteY1" fmla="*/ 166255 h 1122218"/>
+              <a:gd name="connsiteX2" fmla="*/ 144199 w 739945"/>
+              <a:gd name="connsiteY2" fmla="*/ 415638 h 1122218"/>
+              <a:gd name="connsiteX3" fmla="*/ 33363 w 739945"/>
+              <a:gd name="connsiteY3" fmla="*/ 748146 h 1122218"/>
+              <a:gd name="connsiteX4" fmla="*/ 19508 w 739945"/>
+              <a:gd name="connsiteY4" fmla="*/ 1122218 h 1122218"/>
+              <a:gd name="connsiteX0" fmla="*/ 762515 w 762515"/>
+              <a:gd name="connsiteY0" fmla="*/ 0 h 1122218"/>
+              <a:gd name="connsiteX1" fmla="*/ 416150 w 762515"/>
+              <a:gd name="connsiteY1" fmla="*/ 166255 h 1122218"/>
+              <a:gd name="connsiteX2" fmla="*/ 166769 w 762515"/>
+              <a:gd name="connsiteY2" fmla="*/ 415638 h 1122218"/>
+              <a:gd name="connsiteX3" fmla="*/ 10213 w 762515"/>
+              <a:gd name="connsiteY3" fmla="*/ 763386 h 1122218"/>
+              <a:gd name="connsiteX4" fmla="*/ 42078 w 762515"/>
+              <a:gd name="connsiteY4" fmla="*/ 1122218 h 1122218"/>
+              <a:gd name="connsiteX0" fmla="*/ 762515 w 762515"/>
+              <a:gd name="connsiteY0" fmla="*/ 0 h 1122218"/>
+              <a:gd name="connsiteX1" fmla="*/ 400910 w 762515"/>
+              <a:gd name="connsiteY1" fmla="*/ 166255 h 1122218"/>
+              <a:gd name="connsiteX2" fmla="*/ 166769 w 762515"/>
+              <a:gd name="connsiteY2" fmla="*/ 415638 h 1122218"/>
+              <a:gd name="connsiteX3" fmla="*/ 10213 w 762515"/>
+              <a:gd name="connsiteY3" fmla="*/ 763386 h 1122218"/>
+              <a:gd name="connsiteX4" fmla="*/ 42078 w 762515"/>
+              <a:gd name="connsiteY4" fmla="*/ 1122218 h 1122218"/>
+              <a:gd name="connsiteX0" fmla="*/ 754895 w 754895"/>
+              <a:gd name="connsiteY0" fmla="*/ 0 h 1122218"/>
+              <a:gd name="connsiteX1" fmla="*/ 400910 w 754895"/>
+              <a:gd name="connsiteY1" fmla="*/ 166255 h 1122218"/>
+              <a:gd name="connsiteX2" fmla="*/ 166769 w 754895"/>
+              <a:gd name="connsiteY2" fmla="*/ 415638 h 1122218"/>
+              <a:gd name="connsiteX3" fmla="*/ 10213 w 754895"/>
+              <a:gd name="connsiteY3" fmla="*/ 763386 h 1122218"/>
+              <a:gd name="connsiteX4" fmla="*/ 42078 w 754895"/>
+              <a:gd name="connsiteY4" fmla="*/ 1122218 h 1122218"/>
+              <a:gd name="connsiteX0" fmla="*/ 761031 w 761031"/>
+              <a:gd name="connsiteY0" fmla="*/ 0 h 1145078"/>
+              <a:gd name="connsiteX1" fmla="*/ 407046 w 761031"/>
+              <a:gd name="connsiteY1" fmla="*/ 166255 h 1145078"/>
+              <a:gd name="connsiteX2" fmla="*/ 172905 w 761031"/>
+              <a:gd name="connsiteY2" fmla="*/ 415638 h 1145078"/>
+              <a:gd name="connsiteX3" fmla="*/ 16349 w 761031"/>
+              <a:gd name="connsiteY3" fmla="*/ 763386 h 1145078"/>
+              <a:gd name="connsiteX4" fmla="*/ 32974 w 761031"/>
+              <a:gd name="connsiteY4" fmla="*/ 1145078 h 1145078"/>
+              <a:gd name="connsiteX0" fmla="*/ 761031 w 761031"/>
+              <a:gd name="connsiteY0" fmla="*/ 0 h 1145078"/>
+              <a:gd name="connsiteX1" fmla="*/ 407046 w 761031"/>
+              <a:gd name="connsiteY1" fmla="*/ 166255 h 1145078"/>
+              <a:gd name="connsiteX2" fmla="*/ 172905 w 761031"/>
+              <a:gd name="connsiteY2" fmla="*/ 415638 h 1145078"/>
+              <a:gd name="connsiteX3" fmla="*/ 16349 w 761031"/>
+              <a:gd name="connsiteY3" fmla="*/ 763386 h 1145078"/>
+              <a:gd name="connsiteX4" fmla="*/ 32974 w 761031"/>
+              <a:gd name="connsiteY4" fmla="*/ 1145078 h 1145078"/>
+              <a:gd name="connsiteX0" fmla="*/ 761031 w 761031"/>
+              <a:gd name="connsiteY0" fmla="*/ 0 h 1145078"/>
+              <a:gd name="connsiteX1" fmla="*/ 407046 w 761031"/>
+              <a:gd name="connsiteY1" fmla="*/ 166255 h 1145078"/>
+              <a:gd name="connsiteX2" fmla="*/ 172905 w 761031"/>
+              <a:gd name="connsiteY2" fmla="*/ 415638 h 1145078"/>
+              <a:gd name="connsiteX3" fmla="*/ 16349 w 761031"/>
+              <a:gd name="connsiteY3" fmla="*/ 763386 h 1145078"/>
+              <a:gd name="connsiteX4" fmla="*/ 32974 w 761031"/>
+              <a:gd name="connsiteY4" fmla="*/ 1145078 h 1145078"/>
+            </a:gdLst>
+            <a:ahLst/>
+            <a:cxnLst>
+              <a:cxn ang="0">
+                <a:pos x="connsiteX0" y="connsiteY0"/>
+              </a:cxn>
+              <a:cxn ang="0">
+                <a:pos x="connsiteX1" y="connsiteY1"/>
+              </a:cxn>
+              <a:cxn ang="0">
+                <a:pos x="connsiteX2" y="connsiteY2"/>
+              </a:cxn>
+              <a:cxn ang="0">
+                <a:pos x="connsiteX3" y="connsiteY3"/>
+              </a:cxn>
+              <a:cxn ang="0">
+                <a:pos x="connsiteX4" y="connsiteY4"/>
+              </a:cxn>
+            </a:cxnLst>
+            <a:rect l="l" t="t" r="r" b="b"/>
+            <a:pathLst>
+              <a:path w="761031" h="1145078">
+                <a:moveTo>
+                  <a:pt x="761031" y="0"/>
+                </a:moveTo>
+                <a:cubicBezTo>
+                  <a:pt x="570531" y="25400"/>
+                  <a:pt x="505067" y="96982"/>
+                  <a:pt x="407046" y="166255"/>
+                </a:cubicBezTo>
+                <a:cubicBezTo>
+                  <a:pt x="309025" y="235528"/>
+                  <a:pt x="238021" y="316116"/>
+                  <a:pt x="172905" y="415638"/>
+                </a:cubicBezTo>
+                <a:cubicBezTo>
+                  <a:pt x="107789" y="515160"/>
+                  <a:pt x="39671" y="641813"/>
+                  <a:pt x="16349" y="763386"/>
+                </a:cubicBezTo>
+                <a:cubicBezTo>
+                  <a:pt x="-6973" y="884959"/>
+                  <a:pt x="-8590" y="1008841"/>
+                  <a:pt x="32974" y="1145078"/>
+                </a:cubicBezTo>
+              </a:path>
+            </a:pathLst>
+          </a:custGeom>
+          <a:ln w="19050">
+            <a:solidFill>
+              <a:srgbClr val="FF0000"/>
+            </a:solidFill>
+            <a:tailEnd type="triangle"/>
+          </a:ln>
+        </p:spPr>
+        <p:style>
+          <a:lnRef idx="1">
+            <a:schemeClr val="accent1"/>
+          </a:lnRef>
+          <a:fillRef idx="0">
+            <a:schemeClr val="accent1"/>
+          </a:fillRef>
+          <a:effectRef idx="0">
+            <a:schemeClr val="accent1"/>
+          </a:effectRef>
+          <a:fontRef idx="minor">
+            <a:schemeClr val="tx1"/>
+          </a:fontRef>
+        </p:style>
+        <p:txBody>
+          <a:bodyPr rtlCol="0" anchor="ctr"/>
+          <a:lstStyle/>
+          <a:p>
+            <a:pPr algn="ctr"/>
+            <a:endParaRPr lang="zh-CN" altLang="en-US" dirty="0"/>
+          </a:p>
+        </p:txBody>
+      </p:sp>
+      <p:sp>
+        <p:nvSpPr>
+          <p:cNvPr id="101" name="任意多边形 100"/>
+          <p:cNvSpPr/>
+          <p:nvPr/>
+        </p:nvSpPr>
+        <p:spPr>
+          <a:xfrm rot="14002654">
+            <a:off x="9515975" y="4241751"/>
+            <a:ext cx="993575" cy="1248309"/>
+          </a:xfrm>
+          <a:custGeom>
+            <a:avLst/>
+            <a:gdLst>
+              <a:gd name="connsiteX0" fmla="*/ 706581 w 706581"/>
+              <a:gd name="connsiteY0" fmla="*/ 0 h 1219200"/>
+              <a:gd name="connsiteX1" fmla="*/ 221672 w 706581"/>
+              <a:gd name="connsiteY1" fmla="*/ 110837 h 1219200"/>
+              <a:gd name="connsiteX2" fmla="*/ 83127 w 706581"/>
+              <a:gd name="connsiteY2" fmla="*/ 360219 h 1219200"/>
+              <a:gd name="connsiteX3" fmla="*/ 0 w 706581"/>
+              <a:gd name="connsiteY3" fmla="*/ 803564 h 1219200"/>
+              <a:gd name="connsiteX4" fmla="*/ 83127 w 706581"/>
+              <a:gd name="connsiteY4" fmla="*/ 1219200 h 1219200"/>
+              <a:gd name="connsiteX0" fmla="*/ 706690 w 706690"/>
+              <a:gd name="connsiteY0" fmla="*/ 0 h 1219200"/>
+              <a:gd name="connsiteX1" fmla="*/ 221781 w 706690"/>
+              <a:gd name="connsiteY1" fmla="*/ 110837 h 1219200"/>
+              <a:gd name="connsiteX2" fmla="*/ 69381 w 706690"/>
+              <a:gd name="connsiteY2" fmla="*/ 457201 h 1219200"/>
+              <a:gd name="connsiteX3" fmla="*/ 109 w 706690"/>
+              <a:gd name="connsiteY3" fmla="*/ 803564 h 1219200"/>
+              <a:gd name="connsiteX4" fmla="*/ 83236 w 706690"/>
+              <a:gd name="connsiteY4" fmla="*/ 1219200 h 1219200"/>
+              <a:gd name="connsiteX0" fmla="*/ 706819 w 706819"/>
+              <a:gd name="connsiteY0" fmla="*/ 0 h 1219200"/>
+              <a:gd name="connsiteX1" fmla="*/ 346601 w 706819"/>
+              <a:gd name="connsiteY1" fmla="*/ 180110 h 1219200"/>
+              <a:gd name="connsiteX2" fmla="*/ 69510 w 706819"/>
+              <a:gd name="connsiteY2" fmla="*/ 457201 h 1219200"/>
+              <a:gd name="connsiteX3" fmla="*/ 238 w 706819"/>
+              <a:gd name="connsiteY3" fmla="*/ 803564 h 1219200"/>
+              <a:gd name="connsiteX4" fmla="*/ 83365 w 706819"/>
+              <a:gd name="connsiteY4" fmla="*/ 1219200 h 1219200"/>
+              <a:gd name="connsiteX0" fmla="*/ 650879 w 650879"/>
+              <a:gd name="connsiteY0" fmla="*/ 0 h 1219200"/>
+              <a:gd name="connsiteX1" fmla="*/ 290661 w 650879"/>
+              <a:gd name="connsiteY1" fmla="*/ 180110 h 1219200"/>
+              <a:gd name="connsiteX2" fmla="*/ 13570 w 650879"/>
+              <a:gd name="connsiteY2" fmla="*/ 457201 h 1219200"/>
+              <a:gd name="connsiteX3" fmla="*/ 41279 w 650879"/>
+              <a:gd name="connsiteY3" fmla="*/ 831273 h 1219200"/>
+              <a:gd name="connsiteX4" fmla="*/ 27425 w 650879"/>
+              <a:gd name="connsiteY4" fmla="*/ 1219200 h 1219200"/>
+              <a:gd name="connsiteX0" fmla="*/ 640538 w 640538"/>
+              <a:gd name="connsiteY0" fmla="*/ 0 h 1219200"/>
+              <a:gd name="connsiteX1" fmla="*/ 280320 w 640538"/>
+              <a:gd name="connsiteY1" fmla="*/ 180110 h 1219200"/>
+              <a:gd name="connsiteX2" fmla="*/ 72502 w 640538"/>
+              <a:gd name="connsiteY2" fmla="*/ 484911 h 1219200"/>
+              <a:gd name="connsiteX3" fmla="*/ 30938 w 640538"/>
+              <a:gd name="connsiteY3" fmla="*/ 831273 h 1219200"/>
+              <a:gd name="connsiteX4" fmla="*/ 17084 w 640538"/>
+              <a:gd name="connsiteY4" fmla="*/ 1219200 h 1219200"/>
+              <a:gd name="connsiteX0" fmla="*/ 668248 w 668248"/>
+              <a:gd name="connsiteY0" fmla="*/ 0 h 1149927"/>
+              <a:gd name="connsiteX1" fmla="*/ 280320 w 668248"/>
+              <a:gd name="connsiteY1" fmla="*/ 110837 h 1149927"/>
+              <a:gd name="connsiteX2" fmla="*/ 72502 w 668248"/>
+              <a:gd name="connsiteY2" fmla="*/ 415638 h 1149927"/>
+              <a:gd name="connsiteX3" fmla="*/ 30938 w 668248"/>
+              <a:gd name="connsiteY3" fmla="*/ 762000 h 1149927"/>
+              <a:gd name="connsiteX4" fmla="*/ 17084 w 668248"/>
+              <a:gd name="connsiteY4" fmla="*/ 1149927 h 1149927"/>
+              <a:gd name="connsiteX0" fmla="*/ 668248 w 668248"/>
+              <a:gd name="connsiteY0" fmla="*/ 0 h 1149927"/>
+              <a:gd name="connsiteX1" fmla="*/ 321883 w 668248"/>
+              <a:gd name="connsiteY1" fmla="*/ 166255 h 1149927"/>
+              <a:gd name="connsiteX2" fmla="*/ 72502 w 668248"/>
+              <a:gd name="connsiteY2" fmla="*/ 415638 h 1149927"/>
+              <a:gd name="connsiteX3" fmla="*/ 30938 w 668248"/>
+              <a:gd name="connsiteY3" fmla="*/ 762000 h 1149927"/>
+              <a:gd name="connsiteX4" fmla="*/ 17084 w 668248"/>
+              <a:gd name="connsiteY4" fmla="*/ 1149927 h 1149927"/>
+              <a:gd name="connsiteX0" fmla="*/ 708603 w 708603"/>
+              <a:gd name="connsiteY0" fmla="*/ 0 h 1149927"/>
+              <a:gd name="connsiteX1" fmla="*/ 362238 w 708603"/>
+              <a:gd name="connsiteY1" fmla="*/ 166255 h 1149927"/>
+              <a:gd name="connsiteX2" fmla="*/ 112857 w 708603"/>
+              <a:gd name="connsiteY2" fmla="*/ 415638 h 1149927"/>
+              <a:gd name="connsiteX3" fmla="*/ 2021 w 708603"/>
+              <a:gd name="connsiteY3" fmla="*/ 748146 h 1149927"/>
+              <a:gd name="connsiteX4" fmla="*/ 57439 w 708603"/>
+              <a:gd name="connsiteY4" fmla="*/ 1149927 h 1149927"/>
+              <a:gd name="connsiteX0" fmla="*/ 721311 w 721311"/>
+              <a:gd name="connsiteY0" fmla="*/ 0 h 1080654"/>
+              <a:gd name="connsiteX1" fmla="*/ 374946 w 721311"/>
+              <a:gd name="connsiteY1" fmla="*/ 166255 h 1080654"/>
+              <a:gd name="connsiteX2" fmla="*/ 125565 w 721311"/>
+              <a:gd name="connsiteY2" fmla="*/ 415638 h 1080654"/>
+              <a:gd name="connsiteX3" fmla="*/ 14729 w 721311"/>
+              <a:gd name="connsiteY3" fmla="*/ 748146 h 1080654"/>
+              <a:gd name="connsiteX4" fmla="*/ 28583 w 721311"/>
+              <a:gd name="connsiteY4" fmla="*/ 1080654 h 1080654"/>
+              <a:gd name="connsiteX0" fmla="*/ 739945 w 739945"/>
+              <a:gd name="connsiteY0" fmla="*/ 0 h 1122218"/>
+              <a:gd name="connsiteX1" fmla="*/ 393580 w 739945"/>
+              <a:gd name="connsiteY1" fmla="*/ 166255 h 1122218"/>
+              <a:gd name="connsiteX2" fmla="*/ 144199 w 739945"/>
+              <a:gd name="connsiteY2" fmla="*/ 415638 h 1122218"/>
+              <a:gd name="connsiteX3" fmla="*/ 33363 w 739945"/>
+              <a:gd name="connsiteY3" fmla="*/ 748146 h 1122218"/>
+              <a:gd name="connsiteX4" fmla="*/ 19508 w 739945"/>
+              <a:gd name="connsiteY4" fmla="*/ 1122218 h 1122218"/>
+              <a:gd name="connsiteX0" fmla="*/ 762515 w 762515"/>
+              <a:gd name="connsiteY0" fmla="*/ 0 h 1122218"/>
+              <a:gd name="connsiteX1" fmla="*/ 416150 w 762515"/>
+              <a:gd name="connsiteY1" fmla="*/ 166255 h 1122218"/>
+              <a:gd name="connsiteX2" fmla="*/ 166769 w 762515"/>
+              <a:gd name="connsiteY2" fmla="*/ 415638 h 1122218"/>
+              <a:gd name="connsiteX3" fmla="*/ 10213 w 762515"/>
+              <a:gd name="connsiteY3" fmla="*/ 763386 h 1122218"/>
+              <a:gd name="connsiteX4" fmla="*/ 42078 w 762515"/>
+              <a:gd name="connsiteY4" fmla="*/ 1122218 h 1122218"/>
+              <a:gd name="connsiteX0" fmla="*/ 762515 w 762515"/>
+              <a:gd name="connsiteY0" fmla="*/ 0 h 1122218"/>
+              <a:gd name="connsiteX1" fmla="*/ 400910 w 762515"/>
+              <a:gd name="connsiteY1" fmla="*/ 166255 h 1122218"/>
+              <a:gd name="connsiteX2" fmla="*/ 166769 w 762515"/>
+              <a:gd name="connsiteY2" fmla="*/ 415638 h 1122218"/>
+              <a:gd name="connsiteX3" fmla="*/ 10213 w 762515"/>
+              <a:gd name="connsiteY3" fmla="*/ 763386 h 1122218"/>
+              <a:gd name="connsiteX4" fmla="*/ 42078 w 762515"/>
+              <a:gd name="connsiteY4" fmla="*/ 1122218 h 1122218"/>
+              <a:gd name="connsiteX0" fmla="*/ 754895 w 754895"/>
+              <a:gd name="connsiteY0" fmla="*/ 0 h 1122218"/>
+              <a:gd name="connsiteX1" fmla="*/ 400910 w 754895"/>
+              <a:gd name="connsiteY1" fmla="*/ 166255 h 1122218"/>
+              <a:gd name="connsiteX2" fmla="*/ 166769 w 754895"/>
+              <a:gd name="connsiteY2" fmla="*/ 415638 h 1122218"/>
+              <a:gd name="connsiteX3" fmla="*/ 10213 w 754895"/>
+              <a:gd name="connsiteY3" fmla="*/ 763386 h 1122218"/>
+              <a:gd name="connsiteX4" fmla="*/ 42078 w 754895"/>
+              <a:gd name="connsiteY4" fmla="*/ 1122218 h 1122218"/>
+              <a:gd name="connsiteX0" fmla="*/ 761031 w 761031"/>
+              <a:gd name="connsiteY0" fmla="*/ 0 h 1145078"/>
+              <a:gd name="connsiteX1" fmla="*/ 407046 w 761031"/>
+              <a:gd name="connsiteY1" fmla="*/ 166255 h 1145078"/>
+              <a:gd name="connsiteX2" fmla="*/ 172905 w 761031"/>
+              <a:gd name="connsiteY2" fmla="*/ 415638 h 1145078"/>
+              <a:gd name="connsiteX3" fmla="*/ 16349 w 761031"/>
+              <a:gd name="connsiteY3" fmla="*/ 763386 h 1145078"/>
+              <a:gd name="connsiteX4" fmla="*/ 32974 w 761031"/>
+              <a:gd name="connsiteY4" fmla="*/ 1145078 h 1145078"/>
+              <a:gd name="connsiteX0" fmla="*/ 759179 w 759179"/>
+              <a:gd name="connsiteY0" fmla="*/ 0 h 1145078"/>
+              <a:gd name="connsiteX1" fmla="*/ 405194 w 759179"/>
+              <a:gd name="connsiteY1" fmla="*/ 166255 h 1145078"/>
+              <a:gd name="connsiteX2" fmla="*/ 143902 w 759179"/>
+              <a:gd name="connsiteY2" fmla="*/ 400229 h 1145078"/>
+              <a:gd name="connsiteX3" fmla="*/ 14497 w 759179"/>
+              <a:gd name="connsiteY3" fmla="*/ 763386 h 1145078"/>
+              <a:gd name="connsiteX4" fmla="*/ 31122 w 759179"/>
+              <a:gd name="connsiteY4" fmla="*/ 1145078 h 1145078"/>
+              <a:gd name="connsiteX0" fmla="*/ 759179 w 759179"/>
+              <a:gd name="connsiteY0" fmla="*/ 0 h 1145078"/>
+              <a:gd name="connsiteX1" fmla="*/ 383857 w 759179"/>
+              <a:gd name="connsiteY1" fmla="*/ 129612 h 1145078"/>
+              <a:gd name="connsiteX2" fmla="*/ 143902 w 759179"/>
+              <a:gd name="connsiteY2" fmla="*/ 400229 h 1145078"/>
+              <a:gd name="connsiteX3" fmla="*/ 14497 w 759179"/>
+              <a:gd name="connsiteY3" fmla="*/ 763386 h 1145078"/>
+              <a:gd name="connsiteX4" fmla="*/ 31122 w 759179"/>
+              <a:gd name="connsiteY4" fmla="*/ 1145078 h 1145078"/>
+              <a:gd name="connsiteX0" fmla="*/ 768032 w 768032"/>
+              <a:gd name="connsiteY0" fmla="*/ 0 h 1157879"/>
+              <a:gd name="connsiteX1" fmla="*/ 392710 w 768032"/>
+              <a:gd name="connsiteY1" fmla="*/ 129612 h 1157879"/>
+              <a:gd name="connsiteX2" fmla="*/ 152755 w 768032"/>
+              <a:gd name="connsiteY2" fmla="*/ 400229 h 1157879"/>
+              <a:gd name="connsiteX3" fmla="*/ 23350 w 768032"/>
+              <a:gd name="connsiteY3" fmla="*/ 763386 h 1157879"/>
+              <a:gd name="connsiteX4" fmla="*/ 24706 w 768032"/>
+              <a:gd name="connsiteY4" fmla="*/ 1157879 h 1157879"/>
+            </a:gdLst>
+            <a:ahLst/>
+            <a:cxnLst>
+              <a:cxn ang="0">
+                <a:pos x="connsiteX0" y="connsiteY0"/>
+              </a:cxn>
+              <a:cxn ang="0">
+                <a:pos x="connsiteX1" y="connsiteY1"/>
+              </a:cxn>
+              <a:cxn ang="0">
+                <a:pos x="connsiteX2" y="connsiteY2"/>
+              </a:cxn>
+              <a:cxn ang="0">
+                <a:pos x="connsiteX3" y="connsiteY3"/>
+              </a:cxn>
+              <a:cxn ang="0">
+                <a:pos x="connsiteX4" y="connsiteY4"/>
+              </a:cxn>
+            </a:cxnLst>
+            <a:rect l="l" t="t" r="r" b="b"/>
+            <a:pathLst>
+              <a:path w="768032" h="1157879">
+                <a:moveTo>
+                  <a:pt x="768032" y="0"/>
+                </a:moveTo>
+                <a:cubicBezTo>
+                  <a:pt x="577532" y="25400"/>
+                  <a:pt x="495256" y="62907"/>
+                  <a:pt x="392710" y="129612"/>
+                </a:cubicBezTo>
+                <a:cubicBezTo>
+                  <a:pt x="290164" y="196317"/>
+                  <a:pt x="214315" y="294600"/>
+                  <a:pt x="152755" y="400229"/>
+                </a:cubicBezTo>
+                <a:cubicBezTo>
+                  <a:pt x="91195" y="505858"/>
+                  <a:pt x="44692" y="637111"/>
+                  <a:pt x="23350" y="763386"/>
+                </a:cubicBezTo>
+                <a:cubicBezTo>
+                  <a:pt x="2008" y="889661"/>
+                  <a:pt x="-16858" y="1021642"/>
+                  <a:pt x="24706" y="1157879"/>
+                </a:cubicBezTo>
+              </a:path>
+            </a:pathLst>
+          </a:custGeom>
+          <a:ln w="19050">
+            <a:solidFill>
+              <a:srgbClr val="FF0000"/>
+            </a:solidFill>
+            <a:tailEnd type="triangle"/>
+          </a:ln>
+        </p:spPr>
+        <p:style>
+          <a:lnRef idx="1">
+            <a:schemeClr val="accent1"/>
+          </a:lnRef>
+          <a:fillRef idx="0">
+            <a:schemeClr val="accent1"/>
+          </a:fillRef>
+          <a:effectRef idx="0">
+            <a:schemeClr val="accent1"/>
+          </a:effectRef>
+          <a:fontRef idx="minor">
+            <a:schemeClr val="tx1"/>
+          </a:fontRef>
+        </p:style>
+        <p:txBody>
+          <a:bodyPr rtlCol="0" anchor="ctr"/>
+          <a:lstStyle/>
+          <a:p>
+            <a:pPr algn="ctr"/>
+            <a:endParaRPr lang="zh-CN" altLang="en-US" dirty="0"/>
+          </a:p>
+        </p:txBody>
+      </p:sp>
+      <p:sp>
+        <p:nvSpPr>
+          <p:cNvPr id="102" name="任意多边形 101"/>
+          <p:cNvSpPr/>
+          <p:nvPr/>
+        </p:nvSpPr>
+        <p:spPr>
+          <a:xfrm rot="8739700">
+            <a:off x="10607635" y="3082268"/>
+            <a:ext cx="287465" cy="1370519"/>
+          </a:xfrm>
+          <a:custGeom>
+            <a:avLst/>
+            <a:gdLst>
+              <a:gd name="connsiteX0" fmla="*/ 706581 w 706581"/>
+              <a:gd name="connsiteY0" fmla="*/ 0 h 1219200"/>
+              <a:gd name="connsiteX1" fmla="*/ 221672 w 706581"/>
+              <a:gd name="connsiteY1" fmla="*/ 110837 h 1219200"/>
+              <a:gd name="connsiteX2" fmla="*/ 83127 w 706581"/>
+              <a:gd name="connsiteY2" fmla="*/ 360219 h 1219200"/>
+              <a:gd name="connsiteX3" fmla="*/ 0 w 706581"/>
+              <a:gd name="connsiteY3" fmla="*/ 803564 h 1219200"/>
+              <a:gd name="connsiteX4" fmla="*/ 83127 w 706581"/>
+              <a:gd name="connsiteY4" fmla="*/ 1219200 h 1219200"/>
+              <a:gd name="connsiteX0" fmla="*/ 706690 w 706690"/>
+              <a:gd name="connsiteY0" fmla="*/ 0 h 1219200"/>
+              <a:gd name="connsiteX1" fmla="*/ 221781 w 706690"/>
+              <a:gd name="connsiteY1" fmla="*/ 110837 h 1219200"/>
+              <a:gd name="connsiteX2" fmla="*/ 69381 w 706690"/>
+              <a:gd name="connsiteY2" fmla="*/ 457201 h 1219200"/>
+              <a:gd name="connsiteX3" fmla="*/ 109 w 706690"/>
+              <a:gd name="connsiteY3" fmla="*/ 803564 h 1219200"/>
+              <a:gd name="connsiteX4" fmla="*/ 83236 w 706690"/>
+              <a:gd name="connsiteY4" fmla="*/ 1219200 h 1219200"/>
+              <a:gd name="connsiteX0" fmla="*/ 706819 w 706819"/>
+              <a:gd name="connsiteY0" fmla="*/ 0 h 1219200"/>
+              <a:gd name="connsiteX1" fmla="*/ 346601 w 706819"/>
+              <a:gd name="connsiteY1" fmla="*/ 180110 h 1219200"/>
+              <a:gd name="connsiteX2" fmla="*/ 69510 w 706819"/>
+              <a:gd name="connsiteY2" fmla="*/ 457201 h 1219200"/>
+              <a:gd name="connsiteX3" fmla="*/ 238 w 706819"/>
+              <a:gd name="connsiteY3" fmla="*/ 803564 h 1219200"/>
+              <a:gd name="connsiteX4" fmla="*/ 83365 w 706819"/>
+              <a:gd name="connsiteY4" fmla="*/ 1219200 h 1219200"/>
+              <a:gd name="connsiteX0" fmla="*/ 650879 w 650879"/>
+              <a:gd name="connsiteY0" fmla="*/ 0 h 1219200"/>
+              <a:gd name="connsiteX1" fmla="*/ 290661 w 650879"/>
+              <a:gd name="connsiteY1" fmla="*/ 180110 h 1219200"/>
+              <a:gd name="connsiteX2" fmla="*/ 13570 w 650879"/>
+              <a:gd name="connsiteY2" fmla="*/ 457201 h 1219200"/>
+              <a:gd name="connsiteX3" fmla="*/ 41279 w 650879"/>
+              <a:gd name="connsiteY3" fmla="*/ 831273 h 1219200"/>
+              <a:gd name="connsiteX4" fmla="*/ 27425 w 650879"/>
+              <a:gd name="connsiteY4" fmla="*/ 1219200 h 1219200"/>
+              <a:gd name="connsiteX0" fmla="*/ 640538 w 640538"/>
+              <a:gd name="connsiteY0" fmla="*/ 0 h 1219200"/>
+              <a:gd name="connsiteX1" fmla="*/ 280320 w 640538"/>
+              <a:gd name="connsiteY1" fmla="*/ 180110 h 1219200"/>
+              <a:gd name="connsiteX2" fmla="*/ 72502 w 640538"/>
+              <a:gd name="connsiteY2" fmla="*/ 484911 h 1219200"/>
+              <a:gd name="connsiteX3" fmla="*/ 30938 w 640538"/>
+              <a:gd name="connsiteY3" fmla="*/ 831273 h 1219200"/>
+              <a:gd name="connsiteX4" fmla="*/ 17084 w 640538"/>
+              <a:gd name="connsiteY4" fmla="*/ 1219200 h 1219200"/>
+              <a:gd name="connsiteX0" fmla="*/ 668248 w 668248"/>
+              <a:gd name="connsiteY0" fmla="*/ 0 h 1149927"/>
+              <a:gd name="connsiteX1" fmla="*/ 280320 w 668248"/>
+              <a:gd name="connsiteY1" fmla="*/ 110837 h 1149927"/>
+              <a:gd name="connsiteX2" fmla="*/ 72502 w 668248"/>
+              <a:gd name="connsiteY2" fmla="*/ 415638 h 1149927"/>
+              <a:gd name="connsiteX3" fmla="*/ 30938 w 668248"/>
+              <a:gd name="connsiteY3" fmla="*/ 762000 h 1149927"/>
+              <a:gd name="connsiteX4" fmla="*/ 17084 w 668248"/>
+              <a:gd name="connsiteY4" fmla="*/ 1149927 h 1149927"/>
+              <a:gd name="connsiteX0" fmla="*/ 668248 w 668248"/>
+              <a:gd name="connsiteY0" fmla="*/ 0 h 1149927"/>
+              <a:gd name="connsiteX1" fmla="*/ 321883 w 668248"/>
+              <a:gd name="connsiteY1" fmla="*/ 166255 h 1149927"/>
+              <a:gd name="connsiteX2" fmla="*/ 72502 w 668248"/>
+              <a:gd name="connsiteY2" fmla="*/ 415638 h 1149927"/>
+              <a:gd name="connsiteX3" fmla="*/ 30938 w 668248"/>
+              <a:gd name="connsiteY3" fmla="*/ 762000 h 1149927"/>
+              <a:gd name="connsiteX4" fmla="*/ 17084 w 668248"/>
+              <a:gd name="connsiteY4" fmla="*/ 1149927 h 1149927"/>
+              <a:gd name="connsiteX0" fmla="*/ 708603 w 708603"/>
+              <a:gd name="connsiteY0" fmla="*/ 0 h 1149927"/>
+              <a:gd name="connsiteX1" fmla="*/ 362238 w 708603"/>
+              <a:gd name="connsiteY1" fmla="*/ 166255 h 1149927"/>
+              <a:gd name="connsiteX2" fmla="*/ 112857 w 708603"/>
+              <a:gd name="connsiteY2" fmla="*/ 415638 h 1149927"/>
+              <a:gd name="connsiteX3" fmla="*/ 2021 w 708603"/>
+              <a:gd name="connsiteY3" fmla="*/ 748146 h 1149927"/>
+              <a:gd name="connsiteX4" fmla="*/ 57439 w 708603"/>
+              <a:gd name="connsiteY4" fmla="*/ 1149927 h 1149927"/>
+              <a:gd name="connsiteX0" fmla="*/ 721311 w 721311"/>
+              <a:gd name="connsiteY0" fmla="*/ 0 h 1080654"/>
+              <a:gd name="connsiteX1" fmla="*/ 374946 w 721311"/>
+              <a:gd name="connsiteY1" fmla="*/ 166255 h 1080654"/>
+              <a:gd name="connsiteX2" fmla="*/ 125565 w 721311"/>
+              <a:gd name="connsiteY2" fmla="*/ 415638 h 1080654"/>
+              <a:gd name="connsiteX3" fmla="*/ 14729 w 721311"/>
+              <a:gd name="connsiteY3" fmla="*/ 748146 h 1080654"/>
+              <a:gd name="connsiteX4" fmla="*/ 28583 w 721311"/>
+              <a:gd name="connsiteY4" fmla="*/ 1080654 h 1080654"/>
+              <a:gd name="connsiteX0" fmla="*/ 739945 w 739945"/>
+              <a:gd name="connsiteY0" fmla="*/ 0 h 1122218"/>
+              <a:gd name="connsiteX1" fmla="*/ 393580 w 739945"/>
+              <a:gd name="connsiteY1" fmla="*/ 166255 h 1122218"/>
+              <a:gd name="connsiteX2" fmla="*/ 144199 w 739945"/>
+              <a:gd name="connsiteY2" fmla="*/ 415638 h 1122218"/>
+              <a:gd name="connsiteX3" fmla="*/ 33363 w 739945"/>
+              <a:gd name="connsiteY3" fmla="*/ 748146 h 1122218"/>
+              <a:gd name="connsiteX4" fmla="*/ 19508 w 739945"/>
+              <a:gd name="connsiteY4" fmla="*/ 1122218 h 1122218"/>
+              <a:gd name="connsiteX0" fmla="*/ 762515 w 762515"/>
+              <a:gd name="connsiteY0" fmla="*/ 0 h 1122218"/>
+              <a:gd name="connsiteX1" fmla="*/ 416150 w 762515"/>
+              <a:gd name="connsiteY1" fmla="*/ 166255 h 1122218"/>
+              <a:gd name="connsiteX2" fmla="*/ 166769 w 762515"/>
+              <a:gd name="connsiteY2" fmla="*/ 415638 h 1122218"/>
+              <a:gd name="connsiteX3" fmla="*/ 10213 w 762515"/>
+              <a:gd name="connsiteY3" fmla="*/ 763386 h 1122218"/>
+              <a:gd name="connsiteX4" fmla="*/ 42078 w 762515"/>
+              <a:gd name="connsiteY4" fmla="*/ 1122218 h 1122218"/>
+              <a:gd name="connsiteX0" fmla="*/ 762515 w 762515"/>
+              <a:gd name="connsiteY0" fmla="*/ 0 h 1122218"/>
+              <a:gd name="connsiteX1" fmla="*/ 400910 w 762515"/>
+              <a:gd name="connsiteY1" fmla="*/ 166255 h 1122218"/>
+              <a:gd name="connsiteX2" fmla="*/ 166769 w 762515"/>
+              <a:gd name="connsiteY2" fmla="*/ 415638 h 1122218"/>
+              <a:gd name="connsiteX3" fmla="*/ 10213 w 762515"/>
+              <a:gd name="connsiteY3" fmla="*/ 763386 h 1122218"/>
+              <a:gd name="connsiteX4" fmla="*/ 42078 w 762515"/>
+              <a:gd name="connsiteY4" fmla="*/ 1122218 h 1122218"/>
+              <a:gd name="connsiteX0" fmla="*/ 754895 w 754895"/>
+              <a:gd name="connsiteY0" fmla="*/ 0 h 1122218"/>
+              <a:gd name="connsiteX1" fmla="*/ 400910 w 754895"/>
+              <a:gd name="connsiteY1" fmla="*/ 166255 h 1122218"/>
+              <a:gd name="connsiteX2" fmla="*/ 166769 w 754895"/>
+              <a:gd name="connsiteY2" fmla="*/ 415638 h 1122218"/>
+              <a:gd name="connsiteX3" fmla="*/ 10213 w 754895"/>
+              <a:gd name="connsiteY3" fmla="*/ 763386 h 1122218"/>
+              <a:gd name="connsiteX4" fmla="*/ 42078 w 754895"/>
+              <a:gd name="connsiteY4" fmla="*/ 1122218 h 1122218"/>
+              <a:gd name="connsiteX0" fmla="*/ 761031 w 761031"/>
+              <a:gd name="connsiteY0" fmla="*/ 0 h 1145078"/>
+              <a:gd name="connsiteX1" fmla="*/ 407046 w 761031"/>
+              <a:gd name="connsiteY1" fmla="*/ 166255 h 1145078"/>
+              <a:gd name="connsiteX2" fmla="*/ 172905 w 761031"/>
+              <a:gd name="connsiteY2" fmla="*/ 415638 h 1145078"/>
+              <a:gd name="connsiteX3" fmla="*/ 16349 w 761031"/>
+              <a:gd name="connsiteY3" fmla="*/ 763386 h 1145078"/>
+              <a:gd name="connsiteX4" fmla="*/ 32974 w 761031"/>
+              <a:gd name="connsiteY4" fmla="*/ 1145078 h 1145078"/>
+              <a:gd name="connsiteX0" fmla="*/ 759179 w 759179"/>
+              <a:gd name="connsiteY0" fmla="*/ 0 h 1145078"/>
+              <a:gd name="connsiteX1" fmla="*/ 405194 w 759179"/>
+              <a:gd name="connsiteY1" fmla="*/ 166255 h 1145078"/>
+              <a:gd name="connsiteX2" fmla="*/ 143902 w 759179"/>
+              <a:gd name="connsiteY2" fmla="*/ 400229 h 1145078"/>
+              <a:gd name="connsiteX3" fmla="*/ 14497 w 759179"/>
+              <a:gd name="connsiteY3" fmla="*/ 763386 h 1145078"/>
+              <a:gd name="connsiteX4" fmla="*/ 31122 w 759179"/>
+              <a:gd name="connsiteY4" fmla="*/ 1145078 h 1145078"/>
+              <a:gd name="connsiteX0" fmla="*/ 759179 w 759179"/>
+              <a:gd name="connsiteY0" fmla="*/ 0 h 1145078"/>
+              <a:gd name="connsiteX1" fmla="*/ 383857 w 759179"/>
+              <a:gd name="connsiteY1" fmla="*/ 129612 h 1145078"/>
+              <a:gd name="connsiteX2" fmla="*/ 143902 w 759179"/>
+              <a:gd name="connsiteY2" fmla="*/ 400229 h 1145078"/>
+              <a:gd name="connsiteX3" fmla="*/ 14497 w 759179"/>
+              <a:gd name="connsiteY3" fmla="*/ 763386 h 1145078"/>
+              <a:gd name="connsiteX4" fmla="*/ 31122 w 759179"/>
+              <a:gd name="connsiteY4" fmla="*/ 1145078 h 1145078"/>
+              <a:gd name="connsiteX0" fmla="*/ 768032 w 768032"/>
+              <a:gd name="connsiteY0" fmla="*/ 0 h 1157879"/>
+              <a:gd name="connsiteX1" fmla="*/ 392710 w 768032"/>
+              <a:gd name="connsiteY1" fmla="*/ 129612 h 1157879"/>
+              <a:gd name="connsiteX2" fmla="*/ 152755 w 768032"/>
+              <a:gd name="connsiteY2" fmla="*/ 400229 h 1157879"/>
+              <a:gd name="connsiteX3" fmla="*/ 23350 w 768032"/>
+              <a:gd name="connsiteY3" fmla="*/ 763386 h 1157879"/>
+              <a:gd name="connsiteX4" fmla="*/ 24706 w 768032"/>
+              <a:gd name="connsiteY4" fmla="*/ 1157879 h 1157879"/>
+              <a:gd name="connsiteX0" fmla="*/ 3989140 w 3989140"/>
+              <a:gd name="connsiteY0" fmla="*/ 0 h 1157879"/>
+              <a:gd name="connsiteX1" fmla="*/ 3613818 w 3989140"/>
+              <a:gd name="connsiteY1" fmla="*/ 129612 h 1157879"/>
+              <a:gd name="connsiteX2" fmla="*/ 1012 w 3989140"/>
+              <a:gd name="connsiteY2" fmla="*/ 361802 h 1157879"/>
+              <a:gd name="connsiteX3" fmla="*/ 3244458 w 3989140"/>
+              <a:gd name="connsiteY3" fmla="*/ 763386 h 1157879"/>
+              <a:gd name="connsiteX4" fmla="*/ 3245814 w 3989140"/>
+              <a:gd name="connsiteY4" fmla="*/ 1157879 h 1157879"/>
+              <a:gd name="connsiteX0" fmla="*/ 3993834 w 3993834"/>
+              <a:gd name="connsiteY0" fmla="*/ 0 h 1157879"/>
+              <a:gd name="connsiteX1" fmla="*/ 2500361 w 3993834"/>
+              <a:gd name="connsiteY1" fmla="*/ 85417 h 1157879"/>
+              <a:gd name="connsiteX2" fmla="*/ 5706 w 3993834"/>
+              <a:gd name="connsiteY2" fmla="*/ 361802 h 1157879"/>
+              <a:gd name="connsiteX3" fmla="*/ 3249152 w 3993834"/>
+              <a:gd name="connsiteY3" fmla="*/ 763386 h 1157879"/>
+              <a:gd name="connsiteX4" fmla="*/ 3250508 w 3993834"/>
+              <a:gd name="connsiteY4" fmla="*/ 1157879 h 1157879"/>
+              <a:gd name="connsiteX0" fmla="*/ 4308558 w 4308558"/>
+              <a:gd name="connsiteY0" fmla="*/ 0 h 1157879"/>
+              <a:gd name="connsiteX1" fmla="*/ 2815085 w 4308558"/>
+              <a:gd name="connsiteY1" fmla="*/ 85417 h 1157879"/>
+              <a:gd name="connsiteX2" fmla="*/ 320430 w 4308558"/>
+              <a:gd name="connsiteY2" fmla="*/ 361802 h 1157879"/>
+              <a:gd name="connsiteX3" fmla="*/ 388480 w 4308558"/>
+              <a:gd name="connsiteY3" fmla="*/ 835557 h 1157879"/>
+              <a:gd name="connsiteX4" fmla="*/ 3565232 w 4308558"/>
+              <a:gd name="connsiteY4" fmla="*/ 1157879 h 1157879"/>
+              <a:gd name="connsiteX0" fmla="*/ 4273090 w 4273090"/>
+              <a:gd name="connsiteY0" fmla="*/ 0 h 1157879"/>
+              <a:gd name="connsiteX1" fmla="*/ 2779617 w 4273090"/>
+              <a:gd name="connsiteY1" fmla="*/ 85417 h 1157879"/>
+              <a:gd name="connsiteX2" fmla="*/ 284962 w 4273090"/>
+              <a:gd name="connsiteY2" fmla="*/ 361802 h 1157879"/>
+              <a:gd name="connsiteX3" fmla="*/ 353012 w 4273090"/>
+              <a:gd name="connsiteY3" fmla="*/ 835557 h 1157879"/>
+              <a:gd name="connsiteX4" fmla="*/ 2945391 w 4273090"/>
+              <a:gd name="connsiteY4" fmla="*/ 1058842 h 1157879"/>
+              <a:gd name="connsiteX5" fmla="*/ 3529764 w 4273090"/>
+              <a:gd name="connsiteY5" fmla="*/ 1157879 h 1157879"/>
+              <a:gd name="connsiteX0" fmla="*/ 4220384 w 4220384"/>
+              <a:gd name="connsiteY0" fmla="*/ 0 h 1157879"/>
+              <a:gd name="connsiteX1" fmla="*/ 2726911 w 4220384"/>
+              <a:gd name="connsiteY1" fmla="*/ 85417 h 1157879"/>
+              <a:gd name="connsiteX2" fmla="*/ 232256 w 4220384"/>
+              <a:gd name="connsiteY2" fmla="*/ 361802 h 1157879"/>
+              <a:gd name="connsiteX3" fmla="*/ 300306 w 4220384"/>
+              <a:gd name="connsiteY3" fmla="*/ 835557 h 1157879"/>
+              <a:gd name="connsiteX4" fmla="*/ 1926769 w 4220384"/>
+              <a:gd name="connsiteY4" fmla="*/ 1036478 h 1157879"/>
+              <a:gd name="connsiteX5" fmla="*/ 3477058 w 4220384"/>
+              <a:gd name="connsiteY5" fmla="*/ 1157879 h 1157879"/>
+              <a:gd name="connsiteX0" fmla="*/ 4181006 w 4181006"/>
+              <a:gd name="connsiteY0" fmla="*/ 0 h 1157879"/>
+              <a:gd name="connsiteX1" fmla="*/ 2687533 w 4181006"/>
+              <a:gd name="connsiteY1" fmla="*/ 85417 h 1157879"/>
+              <a:gd name="connsiteX2" fmla="*/ 192878 w 4181006"/>
+              <a:gd name="connsiteY2" fmla="*/ 361802 h 1157879"/>
+              <a:gd name="connsiteX3" fmla="*/ 176836 w 4181006"/>
+              <a:gd name="connsiteY3" fmla="*/ 660486 h 1157879"/>
+              <a:gd name="connsiteX4" fmla="*/ 260928 w 4181006"/>
+              <a:gd name="connsiteY4" fmla="*/ 835557 h 1157879"/>
+              <a:gd name="connsiteX5" fmla="*/ 1887391 w 4181006"/>
+              <a:gd name="connsiteY5" fmla="*/ 1036478 h 1157879"/>
+              <a:gd name="connsiteX6" fmla="*/ 3437680 w 4181006"/>
+              <a:gd name="connsiteY6" fmla="*/ 1157879 h 1157879"/>
+              <a:gd name="connsiteX0" fmla="*/ 4472983 w 4472983"/>
+              <a:gd name="connsiteY0" fmla="*/ 0 h 1157879"/>
+              <a:gd name="connsiteX1" fmla="*/ 2979510 w 4472983"/>
+              <a:gd name="connsiteY1" fmla="*/ 85417 h 1157879"/>
+              <a:gd name="connsiteX2" fmla="*/ 484855 w 4472983"/>
+              <a:gd name="connsiteY2" fmla="*/ 361802 h 1157879"/>
+              <a:gd name="connsiteX3" fmla="*/ 2923 w 4472983"/>
+              <a:gd name="connsiteY3" fmla="*/ 642071 h 1157879"/>
+              <a:gd name="connsiteX4" fmla="*/ 552905 w 4472983"/>
+              <a:gd name="connsiteY4" fmla="*/ 835557 h 1157879"/>
+              <a:gd name="connsiteX5" fmla="*/ 2179368 w 4472983"/>
+              <a:gd name="connsiteY5" fmla="*/ 1036478 h 1157879"/>
+              <a:gd name="connsiteX6" fmla="*/ 3729657 w 4472983"/>
+              <a:gd name="connsiteY6" fmla="*/ 1157879 h 1157879"/>
+              <a:gd name="connsiteX0" fmla="*/ 4257111 w 4257110"/>
+              <a:gd name="connsiteY0" fmla="*/ 0 h 1174319"/>
+              <a:gd name="connsiteX1" fmla="*/ 2979510 w 4257110"/>
+              <a:gd name="connsiteY1" fmla="*/ 101857 h 1174319"/>
+              <a:gd name="connsiteX2" fmla="*/ 484855 w 4257110"/>
+              <a:gd name="connsiteY2" fmla="*/ 378242 h 1174319"/>
+              <a:gd name="connsiteX3" fmla="*/ 2923 w 4257110"/>
+              <a:gd name="connsiteY3" fmla="*/ 658511 h 1174319"/>
+              <a:gd name="connsiteX4" fmla="*/ 552905 w 4257110"/>
+              <a:gd name="connsiteY4" fmla="*/ 851997 h 1174319"/>
+              <a:gd name="connsiteX5" fmla="*/ 2179368 w 4257110"/>
+              <a:gd name="connsiteY5" fmla="*/ 1052918 h 1174319"/>
+              <a:gd name="connsiteX6" fmla="*/ 3729657 w 4257110"/>
+              <a:gd name="connsiteY6" fmla="*/ 1174319 h 1174319"/>
+            </a:gdLst>
+            <a:ahLst/>
+            <a:cxnLst>
+              <a:cxn ang="0">
+                <a:pos x="connsiteX0" y="connsiteY0"/>
+              </a:cxn>
+              <a:cxn ang="0">
+                <a:pos x="connsiteX1" y="connsiteY1"/>
+              </a:cxn>
+              <a:cxn ang="0">
+                <a:pos x="connsiteX2" y="connsiteY2"/>
+              </a:cxn>
+              <a:cxn ang="0">
+                <a:pos x="connsiteX3" y="connsiteY3"/>
+              </a:cxn>
+              <a:cxn ang="0">
+                <a:pos x="connsiteX4" y="connsiteY4"/>
+              </a:cxn>
+              <a:cxn ang="0">
+                <a:pos x="connsiteX5" y="connsiteY5"/>
+              </a:cxn>
+              <a:cxn ang="0">
+                <a:pos x="connsiteX6" y="connsiteY6"/>
+              </a:cxn>
+            </a:cxnLst>
+            <a:rect l="l" t="t" r="r" b="b"/>
+            <a:pathLst>
+              <a:path w="4257110" h="1174319">
+                <a:moveTo>
+                  <a:pt x="4257111" y="0"/>
+                </a:moveTo>
+                <a:cubicBezTo>
+                  <a:pt x="4066611" y="25400"/>
+                  <a:pt x="3608219" y="38817"/>
+                  <a:pt x="2979510" y="101857"/>
+                </a:cubicBezTo>
+                <a:cubicBezTo>
+                  <a:pt x="2350801" y="164897"/>
+                  <a:pt x="980953" y="285466"/>
+                  <a:pt x="484855" y="378242"/>
+                </a:cubicBezTo>
+                <a:cubicBezTo>
+                  <a:pt x="-11243" y="471018"/>
+                  <a:pt x="-8419" y="579552"/>
+                  <a:pt x="2923" y="658511"/>
+                </a:cubicBezTo>
+                <a:cubicBezTo>
+                  <a:pt x="14265" y="737470"/>
+                  <a:pt x="190164" y="786263"/>
+                  <a:pt x="552905" y="851997"/>
+                </a:cubicBezTo>
+                <a:cubicBezTo>
+                  <a:pt x="915646" y="917731"/>
+                  <a:pt x="1649909" y="999198"/>
+                  <a:pt x="2179368" y="1052918"/>
+                </a:cubicBezTo>
+                <a:cubicBezTo>
+                  <a:pt x="2708827" y="1106638"/>
+                  <a:pt x="3632262" y="1157813"/>
+                  <a:pt x="3729657" y="1174319"/>
+                </a:cubicBezTo>
+              </a:path>
+            </a:pathLst>
+          </a:custGeom>
+          <a:ln w="19050">
+            <a:solidFill>
+              <a:srgbClr val="FF0000"/>
+            </a:solidFill>
+            <a:tailEnd type="triangle"/>
+          </a:ln>
+        </p:spPr>
+        <p:style>
+          <a:lnRef idx="1">
+            <a:schemeClr val="accent1"/>
+          </a:lnRef>
+          <a:fillRef idx="0">
+            <a:schemeClr val="accent1"/>
+          </a:fillRef>
+          <a:effectRef idx="0">
+            <a:schemeClr val="accent1"/>
+          </a:effectRef>
+          <a:fontRef idx="minor">
+            <a:schemeClr val="tx1"/>
+          </a:fontRef>
+        </p:style>
+        <p:txBody>
+          <a:bodyPr rtlCol="0" anchor="ctr"/>
+          <a:lstStyle/>
+          <a:p>
+            <a:pPr algn="ctr"/>
+            <a:endParaRPr lang="zh-CN" altLang="en-US" dirty="0"/>
+          </a:p>
+        </p:txBody>
+      </p:sp>
+      <p:cxnSp>
+        <p:nvCxnSpPr>
+          <p:cNvPr id="103" name="直接箭头连接符 102"/>
+          <p:cNvCxnSpPr>
+            <a:stCxn id="200" idx="0"/>
+            <a:endCxn id="195" idx="2"/>
+          </p:cNvCxnSpPr>
+          <p:nvPr/>
+        </p:nvCxnSpPr>
+        <p:spPr>
+          <a:xfrm flipV="1">
+            <a:off x="6105608" y="3839561"/>
+            <a:ext cx="1432350" cy="597329"/>
+          </a:xfrm>
+          <a:prstGeom prst="straightConnector1">
+            <a:avLst/>
+          </a:prstGeom>
+          <a:ln w="19050">
+            <a:solidFill>
+              <a:srgbClr val="FF0000"/>
+            </a:solidFill>
+            <a:tailEnd type="triangle"/>
+          </a:ln>
+        </p:spPr>
+        <p:style>
+          <a:lnRef idx="1">
+            <a:schemeClr val="accent1"/>
+          </a:lnRef>
+          <a:fillRef idx="0">
+            <a:schemeClr val="accent1"/>
+          </a:fillRef>
+          <a:effectRef idx="0">
+            <a:schemeClr val="accent1"/>
+          </a:effectRef>
+          <a:fontRef idx="minor">
+            <a:schemeClr val="tx1"/>
+          </a:fontRef>
+        </p:style>
+      </p:cxnSp>
+      <p:sp>
+        <p:nvSpPr>
+          <p:cNvPr id="105" name="矩形 104"/>
+          <p:cNvSpPr/>
+          <p:nvPr/>
+        </p:nvSpPr>
+        <p:spPr>
+          <a:xfrm>
+            <a:off x="7179868" y="3324302"/>
+            <a:ext cx="716175" cy="515259"/>
+          </a:xfrm>
+          <a:prstGeom prst="rect">
+            <a:avLst/>
+          </a:prstGeom>
+          <a:solidFill>
+            <a:srgbClr val="FFC000"/>
+          </a:solidFill>
+          <a:ln w="6350">
+            <a:solidFill>
+              <a:schemeClr val="tx1"/>
+            </a:solidFill>
+          </a:ln>
+        </p:spPr>
+        <p:style>
+          <a:lnRef idx="2">
+            <a:schemeClr val="accent1">
+              <a:shade val="50000"/>
+            </a:schemeClr>
+          </a:lnRef>
+          <a:fillRef idx="1">
+            <a:schemeClr val="accent1"/>
+          </a:fillRef>
+          <a:effectRef idx="0">
+            <a:schemeClr val="accent1"/>
+          </a:effectRef>
+          <a:fontRef idx="minor">
+            <a:schemeClr val="lt1"/>
+          </a:fontRef>
+        </p:style>
+        <p:txBody>
+          <a:bodyPr rtlCol="0" anchor="ctr"/>
+          <a:lstStyle/>
+          <a:p>
+            <a:pPr algn="ctr"/>
+            <a:r>
+              <a:rPr lang="en-US" altLang="zh-CN" sz="3200" dirty="0">
+                <a:solidFill>
+                  <a:sysClr val="windowText" lastClr="000000"/>
+                </a:solidFill>
+                <a:latin typeface="Times New Roman" panose="02020603050405020304" pitchFamily="18" charset="0"/>
+                <a:cs typeface="Times New Roman" panose="02020603050405020304" pitchFamily="18" charset="0"/>
+              </a:rPr>
+              <a:t>7</a:t>
+            </a:r>
+            <a:endParaRPr lang="zh-CN" altLang="en-US" sz="3200" dirty="0">
+              <a:solidFill>
+                <a:sysClr val="windowText" lastClr="000000"/>
+              </a:solidFill>
+              <a:latin typeface="Times New Roman" panose="02020603050405020304" pitchFamily="18" charset="0"/>
+              <a:cs typeface="Times New Roman" panose="02020603050405020304" pitchFamily="18" charset="0"/>
+            </a:endParaRPr>
+          </a:p>
+        </p:txBody>
+      </p:sp>
+      <p:sp>
+        <p:nvSpPr>
+          <p:cNvPr id="106" name="矩形 105"/>
+          <p:cNvSpPr/>
+          <p:nvPr/>
+        </p:nvSpPr>
+        <p:spPr>
+          <a:xfrm>
+            <a:off x="3598994" y="3324302"/>
+            <a:ext cx="716175" cy="515259"/>
+          </a:xfrm>
+          <a:prstGeom prst="rect">
+            <a:avLst/>
+          </a:prstGeom>
+          <a:solidFill>
+            <a:srgbClr val="FFC000"/>
+          </a:solidFill>
+          <a:ln w="6350">
+            <a:solidFill>
+              <a:schemeClr val="tx1"/>
+            </a:solidFill>
+          </a:ln>
+        </p:spPr>
+        <p:style>
+          <a:lnRef idx="2">
+            <a:schemeClr val="accent1">
+              <a:shade val="50000"/>
+            </a:schemeClr>
+          </a:lnRef>
+          <a:fillRef idx="1">
+            <a:schemeClr val="accent1"/>
+          </a:fillRef>
+          <a:effectRef idx="0">
+            <a:schemeClr val="accent1"/>
+          </a:effectRef>
+          <a:fontRef idx="minor">
+            <a:schemeClr val="lt1"/>
+          </a:fontRef>
+        </p:style>
+        <p:txBody>
+          <a:bodyPr rtlCol="0" anchor="ctr"/>
+          <a:lstStyle/>
+          <a:p>
+            <a:pPr algn="ctr"/>
+            <a:r>
+              <a:rPr lang="en-US" altLang="zh-CN" sz="3200" dirty="0">
+                <a:solidFill>
+                  <a:sysClr val="windowText" lastClr="000000"/>
+                </a:solidFill>
+                <a:latin typeface="Times New Roman" panose="02020603050405020304" pitchFamily="18" charset="0"/>
+                <a:cs typeface="Times New Roman" panose="02020603050405020304" pitchFamily="18" charset="0"/>
+              </a:rPr>
+              <a:t>2</a:t>
+            </a:r>
+            <a:endParaRPr lang="zh-CN" altLang="en-US" sz="3200" dirty="0">
+              <a:solidFill>
+                <a:sysClr val="windowText" lastClr="000000"/>
+              </a:solidFill>
+              <a:latin typeface="Times New Roman" panose="02020603050405020304" pitchFamily="18" charset="0"/>
+              <a:cs typeface="Times New Roman" panose="02020603050405020304" pitchFamily="18" charset="0"/>
+            </a:endParaRPr>
+          </a:p>
+        </p:txBody>
+      </p:sp>
+      <p:sp>
+        <p:nvSpPr>
+          <p:cNvPr id="107" name="矩形 106"/>
+          <p:cNvSpPr/>
+          <p:nvPr/>
+        </p:nvSpPr>
+        <p:spPr>
+          <a:xfrm>
+            <a:off x="5747518" y="3324302"/>
+            <a:ext cx="716175" cy="515259"/>
+          </a:xfrm>
+          <a:prstGeom prst="rect">
+            <a:avLst/>
+          </a:prstGeom>
+          <a:solidFill>
+            <a:srgbClr val="FFC000"/>
+          </a:solidFill>
+          <a:ln w="6350">
+            <a:solidFill>
+              <a:schemeClr val="tx1"/>
+            </a:solidFill>
+          </a:ln>
+        </p:spPr>
+        <p:style>
+          <a:lnRef idx="2">
+            <a:schemeClr val="accent1">
+              <a:shade val="50000"/>
+            </a:schemeClr>
+          </a:lnRef>
+          <a:fillRef idx="1">
+            <a:schemeClr val="accent1"/>
+          </a:fillRef>
+          <a:effectRef idx="0">
+            <a:schemeClr val="accent1"/>
+          </a:effectRef>
+          <a:fontRef idx="minor">
+            <a:schemeClr val="lt1"/>
+          </a:fontRef>
+        </p:style>
+        <p:txBody>
+          <a:bodyPr rtlCol="0" anchor="ctr"/>
+          <a:lstStyle/>
+          <a:p>
+            <a:pPr algn="ctr"/>
+            <a:r>
+              <a:rPr lang="en-US" altLang="zh-CN" sz="3200" dirty="0">
+                <a:solidFill>
+                  <a:sysClr val="windowText" lastClr="000000"/>
+                </a:solidFill>
+                <a:latin typeface="Times New Roman" panose="02020603050405020304" pitchFamily="18" charset="0"/>
+                <a:cs typeface="Times New Roman" panose="02020603050405020304" pitchFamily="18" charset="0"/>
+              </a:rPr>
+              <a:t>5</a:t>
+            </a:r>
+            <a:endParaRPr lang="zh-CN" altLang="en-US" sz="3200" dirty="0">
+              <a:solidFill>
+                <a:sysClr val="windowText" lastClr="000000"/>
+              </a:solidFill>
+              <a:latin typeface="Times New Roman" panose="02020603050405020304" pitchFamily="18" charset="0"/>
+              <a:cs typeface="Times New Roman" panose="02020603050405020304" pitchFamily="18" charset="0"/>
+            </a:endParaRPr>
+          </a:p>
+        </p:txBody>
+      </p:sp>
+    </p:spTree>
+    <p:extLst>
+      <p:ext uri="{BB962C8B-B14F-4D97-AF65-F5344CB8AC3E}">
+        <p14:creationId xmlns:p14="http://schemas.microsoft.com/office/powerpoint/2010/main" val="1973160651"/>
+      </p:ext>
+    </p:extLst>
+  </p:cSld>
+  <p:clrMapOvr>
+    <a:masterClrMapping/>
+  </p:clrMapOvr>
+  <p:timing>
+    <p:tnLst>
+      <p:par>
+        <p:cTn id="1" dur="indefinite" restart="never" nodeType="tmRoot">
+          <p:childTnLst>
+            <p:seq concurrent="1" nextAc="seek">
+              <p:cTn id="2" dur="indefinite" nodeType="mainSeq">
+                <p:childTnLst>
+                  <p:par>
+                    <p:cTn id="3" fill="hold">
+                      <p:stCondLst>
+                        <p:cond delay="indefinite"/>
+                        <p:cond evt="onBegin" delay="0">
+                          <p:tn val="2"/>
+                        </p:cond>
+                      </p:stCondLst>
+                      <p:childTnLst>
+                        <p:par>
+                          <p:cTn id="4" fill="hold">
+                            <p:stCondLst>
+                              <p:cond delay="0"/>
+                            </p:stCondLst>
+                            <p:childTnLst>
+                              <p:par>
+                                <p:cTn id="5" presetID="10" presetClass="entr" presetSubtype="0" fill="hold" grpId="0" nodeType="withEffect">
+                                  <p:stCondLst>
+                                    <p:cond delay="1000"/>
+                                  </p:stCondLst>
+                                  <p:childTnLst>
+                                    <p:set>
+                                      <p:cBhvr>
+                                        <p:cTn id="6" dur="1" fill="hold">
+                                          <p:stCondLst>
+                                            <p:cond delay="0"/>
+                                          </p:stCondLst>
+                                        </p:cTn>
+                                        <p:tgtEl>
+                                          <p:spTgt spid="205"/>
+                                        </p:tgtEl>
+                                        <p:attrNameLst>
+                                          <p:attrName>style.visibility</p:attrName>
+                                        </p:attrNameLst>
+                                      </p:cBhvr>
+                                      <p:to>
+                                        <p:strVal val="visible"/>
+                                      </p:to>
+                                    </p:set>
+                                    <p:animEffect transition="in" filter="fade">
+                                      <p:cBhvr>
+                                        <p:cTn id="7" dur="1000"/>
+                                        <p:tgtEl>
+                                          <p:spTgt spid="205"/>
+                                        </p:tgtEl>
+                                      </p:cBhvr>
+                                    </p:animEffect>
+                                  </p:childTnLst>
+                                </p:cTn>
+                              </p:par>
+                            </p:childTnLst>
+                          </p:cTn>
+                        </p:par>
+                        <p:par>
+                          <p:cTn id="8" fill="hold">
+                            <p:stCondLst>
+                              <p:cond delay="2000"/>
+                            </p:stCondLst>
+                            <p:childTnLst>
+                              <p:par>
+                                <p:cTn id="9" presetID="10" presetClass="entr" presetSubtype="0" fill="hold" nodeType="afterEffect">
+                                  <p:stCondLst>
+                                    <p:cond delay="500"/>
+                                  </p:stCondLst>
+                                  <p:childTnLst>
+                                    <p:set>
+                                      <p:cBhvr>
+                                        <p:cTn id="10" dur="1" fill="hold">
+                                          <p:stCondLst>
+                                            <p:cond delay="0"/>
+                                          </p:stCondLst>
+                                        </p:cTn>
+                                        <p:tgtEl>
+                                          <p:spTgt spid="3"/>
+                                        </p:tgtEl>
+                                        <p:attrNameLst>
+                                          <p:attrName>style.visibility</p:attrName>
+                                        </p:attrNameLst>
+                                      </p:cBhvr>
+                                      <p:to>
+                                        <p:strVal val="visible"/>
+                                      </p:to>
+                                    </p:set>
+                                    <p:animEffect transition="in" filter="fade">
+                                      <p:cBhvr>
+                                        <p:cTn id="11" dur="1000"/>
+                                        <p:tgtEl>
+                                          <p:spTgt spid="3"/>
+                                        </p:tgtEl>
+                                      </p:cBhvr>
+                                    </p:animEffect>
+                                  </p:childTnLst>
+                                </p:cTn>
+                              </p:par>
+                            </p:childTnLst>
+                          </p:cTn>
+                        </p:par>
+                        <p:par>
+                          <p:cTn id="12" fill="hold">
+                            <p:stCondLst>
+                              <p:cond delay="3500"/>
+                            </p:stCondLst>
+                            <p:childTnLst>
+                              <p:par>
+                                <p:cTn id="13" presetID="1" presetClass="entr" presetSubtype="0" fill="hold" grpId="0" nodeType="afterEffect">
+                                  <p:stCondLst>
+                                    <p:cond delay="500"/>
+                                  </p:stCondLst>
+                                  <p:childTnLst>
+                                    <p:set>
+                                      <p:cBhvr>
+                                        <p:cTn id="14" dur="1" fill="hold">
+                                          <p:stCondLst>
+                                            <p:cond delay="0"/>
+                                          </p:stCondLst>
+                                        </p:cTn>
+                                        <p:tgtEl>
+                                          <p:spTgt spid="88"/>
+                                        </p:tgtEl>
+                                        <p:attrNameLst>
+                                          <p:attrName>style.visibility</p:attrName>
+                                        </p:attrNameLst>
+                                      </p:cBhvr>
+                                      <p:to>
+                                        <p:strVal val="visible"/>
+                                      </p:to>
+                                    </p:set>
+                                  </p:childTnLst>
+                                </p:cTn>
+                              </p:par>
+                            </p:childTnLst>
+                          </p:cTn>
+                        </p:par>
+                        <p:par>
+                          <p:cTn id="15" fill="hold">
+                            <p:stCondLst>
+                              <p:cond delay="4000"/>
+                            </p:stCondLst>
+                            <p:childTnLst>
+                              <p:par>
+                                <p:cTn id="16" presetID="22" presetClass="entr" presetSubtype="1" fill="hold" nodeType="afterEffect">
+                                  <p:stCondLst>
+                                    <p:cond delay="500"/>
+                                  </p:stCondLst>
+                                  <p:childTnLst>
+                                    <p:set>
+                                      <p:cBhvr>
+                                        <p:cTn id="17" dur="1" fill="hold">
+                                          <p:stCondLst>
+                                            <p:cond delay="0"/>
+                                          </p:stCondLst>
+                                        </p:cTn>
+                                        <p:tgtEl>
+                                          <p:spTgt spid="4"/>
+                                        </p:tgtEl>
+                                        <p:attrNameLst>
+                                          <p:attrName>style.visibility</p:attrName>
+                                        </p:attrNameLst>
+                                      </p:cBhvr>
+                                      <p:to>
+                                        <p:strVal val="visible"/>
+                                      </p:to>
+                                    </p:set>
+                                    <p:animEffect transition="in" filter="wipe(up)">
+                                      <p:cBhvr>
+                                        <p:cTn id="18" dur="500"/>
+                                        <p:tgtEl>
+                                          <p:spTgt spid="4"/>
+                                        </p:tgtEl>
+                                      </p:cBhvr>
+                                    </p:animEffect>
+                                  </p:childTnLst>
+                                </p:cTn>
+                              </p:par>
+                            </p:childTnLst>
+                          </p:cTn>
+                        </p:par>
+                        <p:par>
+                          <p:cTn id="19" fill="hold">
+                            <p:stCondLst>
+                              <p:cond delay="5000"/>
+                            </p:stCondLst>
+                            <p:childTnLst>
+                              <p:par>
+                                <p:cTn id="20" presetID="22" presetClass="entr" presetSubtype="4" fill="hold" nodeType="afterEffect">
+                                  <p:stCondLst>
+                                    <p:cond delay="500"/>
+                                  </p:stCondLst>
+                                  <p:childTnLst>
+                                    <p:set>
+                                      <p:cBhvr>
+                                        <p:cTn id="21" dur="1" fill="hold">
+                                          <p:stCondLst>
+                                            <p:cond delay="0"/>
+                                          </p:stCondLst>
+                                        </p:cTn>
+                                        <p:tgtEl>
+                                          <p:spTgt spid="52"/>
+                                        </p:tgtEl>
+                                        <p:attrNameLst>
+                                          <p:attrName>style.visibility</p:attrName>
+                                        </p:attrNameLst>
+                                      </p:cBhvr>
+                                      <p:to>
+                                        <p:strVal val="visible"/>
+                                      </p:to>
+                                    </p:set>
+                                    <p:animEffect transition="in" filter="wipe(down)">
+                                      <p:cBhvr>
+                                        <p:cTn id="22" dur="500"/>
+                                        <p:tgtEl>
+                                          <p:spTgt spid="52"/>
+                                        </p:tgtEl>
+                                      </p:cBhvr>
+                                    </p:animEffect>
+                                  </p:childTnLst>
+                                </p:cTn>
+                              </p:par>
+                              <p:par>
+                                <p:cTn id="23" presetID="22" presetClass="entr" presetSubtype="1" fill="hold" grpId="0" nodeType="withEffect">
+                                  <p:stCondLst>
+                                    <p:cond delay="500"/>
+                                  </p:stCondLst>
+                                  <p:childTnLst>
+                                    <p:set>
+                                      <p:cBhvr>
+                                        <p:cTn id="24" dur="1" fill="hold">
+                                          <p:stCondLst>
+                                            <p:cond delay="0"/>
+                                          </p:stCondLst>
+                                        </p:cTn>
+                                        <p:tgtEl>
+                                          <p:spTgt spid="53"/>
+                                        </p:tgtEl>
+                                        <p:attrNameLst>
+                                          <p:attrName>style.visibility</p:attrName>
+                                        </p:attrNameLst>
+                                      </p:cBhvr>
+                                      <p:to>
+                                        <p:strVal val="visible"/>
+                                      </p:to>
+                                    </p:set>
+                                    <p:animEffect transition="in" filter="wipe(up)">
+                                      <p:cBhvr>
+                                        <p:cTn id="25" dur="500"/>
+                                        <p:tgtEl>
+                                          <p:spTgt spid="53"/>
+                                        </p:tgtEl>
+                                      </p:cBhvr>
+                                    </p:animEffect>
+                                  </p:childTnLst>
+                                </p:cTn>
+                              </p:par>
+                            </p:childTnLst>
+                          </p:cTn>
+                        </p:par>
+                        <p:par>
+                          <p:cTn id="26" fill="hold">
+                            <p:stCondLst>
+                              <p:cond delay="6000"/>
+                            </p:stCondLst>
+                            <p:childTnLst>
+                              <p:par>
+                                <p:cTn id="27" presetID="1" presetClass="entr" presetSubtype="0" fill="hold" grpId="0" nodeType="afterEffect">
+                                  <p:stCondLst>
+                                    <p:cond delay="0"/>
+                                  </p:stCondLst>
+                                  <p:childTnLst>
+                                    <p:set>
+                                      <p:cBhvr>
+                                        <p:cTn id="28" dur="1" fill="hold">
+                                          <p:stCondLst>
+                                            <p:cond delay="0"/>
+                                          </p:stCondLst>
+                                        </p:cTn>
+                                        <p:tgtEl>
+                                          <p:spTgt spid="74"/>
+                                        </p:tgtEl>
+                                        <p:attrNameLst>
+                                          <p:attrName>style.visibility</p:attrName>
+                                        </p:attrNameLst>
+                                      </p:cBhvr>
+                                      <p:to>
+                                        <p:strVal val="visible"/>
+                                      </p:to>
+                                    </p:set>
+                                  </p:childTnLst>
+                                </p:cTn>
+                              </p:par>
+                            </p:childTnLst>
+                          </p:cTn>
+                        </p:par>
+                        <p:par>
+                          <p:cTn id="29" fill="hold">
+                            <p:stCondLst>
+                              <p:cond delay="6000"/>
+                            </p:stCondLst>
+                            <p:childTnLst>
+                              <p:par>
+                                <p:cTn id="30" presetID="22" presetClass="entr" presetSubtype="1" fill="hold" nodeType="afterEffect">
+                                  <p:stCondLst>
+                                    <p:cond delay="500"/>
+                                  </p:stCondLst>
+                                  <p:childTnLst>
+                                    <p:set>
+                                      <p:cBhvr>
+                                        <p:cTn id="31" dur="1" fill="hold">
+                                          <p:stCondLst>
+                                            <p:cond delay="0"/>
+                                          </p:stCondLst>
+                                        </p:cTn>
+                                        <p:tgtEl>
+                                          <p:spTgt spid="55"/>
+                                        </p:tgtEl>
+                                        <p:attrNameLst>
+                                          <p:attrName>style.visibility</p:attrName>
+                                        </p:attrNameLst>
+                                      </p:cBhvr>
+                                      <p:to>
+                                        <p:strVal val="visible"/>
+                                      </p:to>
+                                    </p:set>
+                                    <p:animEffect transition="in" filter="wipe(up)">
+                                      <p:cBhvr>
+                                        <p:cTn id="32" dur="500"/>
+                                        <p:tgtEl>
+                                          <p:spTgt spid="55"/>
+                                        </p:tgtEl>
+                                      </p:cBhvr>
+                                    </p:animEffect>
+                                  </p:childTnLst>
+                                </p:cTn>
+                              </p:par>
+                            </p:childTnLst>
+                          </p:cTn>
+                        </p:par>
+                        <p:par>
+                          <p:cTn id="33" fill="hold">
+                            <p:stCondLst>
+                              <p:cond delay="7000"/>
+                            </p:stCondLst>
+                            <p:childTnLst>
+                              <p:par>
+                                <p:cTn id="34" presetID="22" presetClass="entr" presetSubtype="4" fill="hold" nodeType="afterEffect">
+                                  <p:stCondLst>
+                                    <p:cond delay="0"/>
+                                  </p:stCondLst>
+                                  <p:childTnLst>
+                                    <p:set>
+                                      <p:cBhvr>
+                                        <p:cTn id="35" dur="1" fill="hold">
+                                          <p:stCondLst>
+                                            <p:cond delay="0"/>
+                                          </p:stCondLst>
+                                        </p:cTn>
+                                        <p:tgtEl>
+                                          <p:spTgt spid="103"/>
+                                        </p:tgtEl>
+                                        <p:attrNameLst>
+                                          <p:attrName>style.visibility</p:attrName>
+                                        </p:attrNameLst>
+                                      </p:cBhvr>
+                                      <p:to>
+                                        <p:strVal val="visible"/>
+                                      </p:to>
+                                    </p:set>
+                                    <p:animEffect transition="in" filter="wipe(down)">
+                                      <p:cBhvr>
+                                        <p:cTn id="36" dur="500"/>
+                                        <p:tgtEl>
+                                          <p:spTgt spid="103"/>
+                                        </p:tgtEl>
+                                      </p:cBhvr>
+                                    </p:animEffect>
+                                  </p:childTnLst>
+                                </p:cTn>
+                              </p:par>
+                              <p:par>
+                                <p:cTn id="37" presetID="22" presetClass="entr" presetSubtype="8" fill="hold" grpId="0" nodeType="withEffect">
+                                  <p:stCondLst>
+                                    <p:cond delay="0"/>
+                                  </p:stCondLst>
+                                  <p:childTnLst>
+                                    <p:set>
+                                      <p:cBhvr>
+                                        <p:cTn id="38" dur="1" fill="hold">
+                                          <p:stCondLst>
+                                            <p:cond delay="0"/>
+                                          </p:stCondLst>
+                                        </p:cTn>
+                                        <p:tgtEl>
+                                          <p:spTgt spid="101"/>
+                                        </p:tgtEl>
+                                        <p:attrNameLst>
+                                          <p:attrName>style.visibility</p:attrName>
+                                        </p:attrNameLst>
+                                      </p:cBhvr>
+                                      <p:to>
+                                        <p:strVal val="visible"/>
+                                      </p:to>
+                                    </p:set>
+                                    <p:animEffect transition="in" filter="wipe(left)">
+                                      <p:cBhvr>
+                                        <p:cTn id="39" dur="500"/>
+                                        <p:tgtEl>
+                                          <p:spTgt spid="101"/>
+                                        </p:tgtEl>
+                                      </p:cBhvr>
+                                    </p:animEffect>
+                                  </p:childTnLst>
+                                </p:cTn>
+                              </p:par>
+                            </p:childTnLst>
+                          </p:cTn>
+                        </p:par>
+                        <p:par>
+                          <p:cTn id="40" fill="hold">
+                            <p:stCondLst>
+                              <p:cond delay="7500"/>
+                            </p:stCondLst>
+                            <p:childTnLst>
+                              <p:par>
+                                <p:cTn id="41" presetID="1" presetClass="entr" presetSubtype="0" fill="hold" grpId="0" nodeType="afterEffect">
+                                  <p:stCondLst>
+                                    <p:cond delay="0"/>
+                                  </p:stCondLst>
+                                  <p:childTnLst>
+                                    <p:set>
+                                      <p:cBhvr>
+                                        <p:cTn id="42" dur="1" fill="hold">
+                                          <p:stCondLst>
+                                            <p:cond delay="0"/>
+                                          </p:stCondLst>
+                                        </p:cTn>
+                                        <p:tgtEl>
+                                          <p:spTgt spid="73"/>
+                                        </p:tgtEl>
+                                        <p:attrNameLst>
+                                          <p:attrName>style.visibility</p:attrName>
+                                        </p:attrNameLst>
+                                      </p:cBhvr>
+                                      <p:to>
+                                        <p:strVal val="visible"/>
+                                      </p:to>
+                                    </p:set>
+                                  </p:childTnLst>
+                                </p:cTn>
+                              </p:par>
+                            </p:childTnLst>
+                          </p:cTn>
+                        </p:par>
+                        <p:par>
+                          <p:cTn id="43" fill="hold">
+                            <p:stCondLst>
+                              <p:cond delay="7500"/>
+                            </p:stCondLst>
+                            <p:childTnLst>
+                              <p:par>
+                                <p:cTn id="44" presetID="22" presetClass="entr" presetSubtype="1" fill="hold" nodeType="afterEffect">
+                                  <p:stCondLst>
+                                    <p:cond delay="500"/>
+                                  </p:stCondLst>
+                                  <p:childTnLst>
+                                    <p:set>
+                                      <p:cBhvr>
+                                        <p:cTn id="45" dur="1" fill="hold">
+                                          <p:stCondLst>
+                                            <p:cond delay="0"/>
+                                          </p:stCondLst>
+                                        </p:cTn>
+                                        <p:tgtEl>
+                                          <p:spTgt spid="60"/>
+                                        </p:tgtEl>
+                                        <p:attrNameLst>
+                                          <p:attrName>style.visibility</p:attrName>
+                                        </p:attrNameLst>
+                                      </p:cBhvr>
+                                      <p:to>
+                                        <p:strVal val="visible"/>
+                                      </p:to>
+                                    </p:set>
+                                    <p:animEffect transition="in" filter="wipe(up)">
+                                      <p:cBhvr>
+                                        <p:cTn id="46" dur="500"/>
+                                        <p:tgtEl>
+                                          <p:spTgt spid="60"/>
+                                        </p:tgtEl>
+                                      </p:cBhvr>
+                                    </p:animEffect>
+                                  </p:childTnLst>
+                                </p:cTn>
+                              </p:par>
+                              <p:par>
+                                <p:cTn id="47" presetID="22" presetClass="entr" presetSubtype="4" fill="hold" grpId="0" nodeType="withEffect">
+                                  <p:stCondLst>
+                                    <p:cond delay="500"/>
+                                  </p:stCondLst>
+                                  <p:childTnLst>
+                                    <p:set>
+                                      <p:cBhvr>
+                                        <p:cTn id="48" dur="1" fill="hold">
+                                          <p:stCondLst>
+                                            <p:cond delay="0"/>
+                                          </p:stCondLst>
+                                        </p:cTn>
+                                        <p:tgtEl>
+                                          <p:spTgt spid="102"/>
+                                        </p:tgtEl>
+                                        <p:attrNameLst>
+                                          <p:attrName>style.visibility</p:attrName>
+                                        </p:attrNameLst>
+                                      </p:cBhvr>
+                                      <p:to>
+                                        <p:strVal val="visible"/>
+                                      </p:to>
+                                    </p:set>
+                                    <p:animEffect transition="in" filter="wipe(down)">
+                                      <p:cBhvr>
+                                        <p:cTn id="49" dur="500"/>
+                                        <p:tgtEl>
+                                          <p:spTgt spid="102"/>
+                                        </p:tgtEl>
+                                      </p:cBhvr>
+                                    </p:animEffect>
+                                  </p:childTnLst>
+                                </p:cTn>
+                              </p:par>
+                            </p:childTnLst>
+                          </p:cTn>
+                        </p:par>
+                        <p:par>
+                          <p:cTn id="50" fill="hold">
+                            <p:stCondLst>
+                              <p:cond delay="8500"/>
+                            </p:stCondLst>
+                            <p:childTnLst>
+                              <p:par>
+                                <p:cTn id="51" presetID="1" presetClass="exit" presetSubtype="0" fill="hold" nodeType="afterEffect">
+                                  <p:stCondLst>
+                                    <p:cond delay="500"/>
+                                  </p:stCondLst>
+                                  <p:childTnLst>
+                                    <p:set>
+                                      <p:cBhvr>
+                                        <p:cTn id="52" dur="1" fill="hold">
+                                          <p:stCondLst>
+                                            <p:cond delay="0"/>
+                                          </p:stCondLst>
+                                        </p:cTn>
+                                        <p:tgtEl>
+                                          <p:spTgt spid="60"/>
+                                        </p:tgtEl>
+                                        <p:attrNameLst>
+                                          <p:attrName>style.visibility</p:attrName>
+                                        </p:attrNameLst>
+                                      </p:cBhvr>
+                                      <p:to>
+                                        <p:strVal val="hidden"/>
+                                      </p:to>
+                                    </p:set>
+                                  </p:childTnLst>
+                                </p:cTn>
+                              </p:par>
+                            </p:childTnLst>
+                          </p:cTn>
+                        </p:par>
+                        <p:par>
+                          <p:cTn id="53" fill="hold">
+                            <p:stCondLst>
+                              <p:cond delay="9000"/>
+                            </p:stCondLst>
+                            <p:childTnLst>
+                              <p:par>
+                                <p:cTn id="54" presetID="1" presetClass="exit" presetSubtype="0" fill="hold" nodeType="afterEffect">
+                                  <p:stCondLst>
+                                    <p:cond delay="0"/>
+                                  </p:stCondLst>
+                                  <p:childTnLst>
+                                    <p:set>
+                                      <p:cBhvr>
+                                        <p:cTn id="55" dur="1" fill="hold">
+                                          <p:stCondLst>
+                                            <p:cond delay="0"/>
+                                          </p:stCondLst>
+                                        </p:cTn>
+                                        <p:tgtEl>
+                                          <p:spTgt spid="4"/>
+                                        </p:tgtEl>
+                                        <p:attrNameLst>
+                                          <p:attrName>style.visibility</p:attrName>
+                                        </p:attrNameLst>
+                                      </p:cBhvr>
+                                      <p:to>
+                                        <p:strVal val="hidden"/>
+                                      </p:to>
+                                    </p:set>
+                                  </p:childTnLst>
+                                </p:cTn>
+                              </p:par>
+                            </p:childTnLst>
+                          </p:cTn>
+                        </p:par>
+                        <p:par>
+                          <p:cTn id="56" fill="hold">
+                            <p:stCondLst>
+                              <p:cond delay="9000"/>
+                            </p:stCondLst>
+                            <p:childTnLst>
+                              <p:par>
+                                <p:cTn id="57" presetID="1" presetClass="exit" presetSubtype="0" fill="hold" nodeType="afterEffect">
+                                  <p:stCondLst>
+                                    <p:cond delay="0"/>
+                                  </p:stCondLst>
+                                  <p:childTnLst>
+                                    <p:set>
+                                      <p:cBhvr>
+                                        <p:cTn id="58" dur="1" fill="hold">
+                                          <p:stCondLst>
+                                            <p:cond delay="0"/>
+                                          </p:stCondLst>
+                                        </p:cTn>
+                                        <p:tgtEl>
+                                          <p:spTgt spid="52"/>
+                                        </p:tgtEl>
+                                        <p:attrNameLst>
+                                          <p:attrName>style.visibility</p:attrName>
+                                        </p:attrNameLst>
+                                      </p:cBhvr>
+                                      <p:to>
+                                        <p:strVal val="hidden"/>
+                                      </p:to>
+                                    </p:set>
+                                  </p:childTnLst>
+                                </p:cTn>
+                              </p:par>
+                              <p:par>
+                                <p:cTn id="59" presetID="1" presetClass="exit" presetSubtype="0" fill="hold" nodeType="withEffect">
+                                  <p:stCondLst>
+                                    <p:cond delay="0"/>
+                                  </p:stCondLst>
+                                  <p:childTnLst>
+                                    <p:set>
+                                      <p:cBhvr>
+                                        <p:cTn id="60" dur="1" fill="hold">
+                                          <p:stCondLst>
+                                            <p:cond delay="0"/>
+                                          </p:stCondLst>
+                                        </p:cTn>
+                                        <p:tgtEl>
+                                          <p:spTgt spid="103"/>
+                                        </p:tgtEl>
+                                        <p:attrNameLst>
+                                          <p:attrName>style.visibility</p:attrName>
+                                        </p:attrNameLst>
+                                      </p:cBhvr>
+                                      <p:to>
+                                        <p:strVal val="hidden"/>
+                                      </p:to>
+                                    </p:set>
+                                  </p:childTnLst>
+                                </p:cTn>
+                              </p:par>
+                            </p:childTnLst>
+                          </p:cTn>
+                        </p:par>
+                        <p:par>
+                          <p:cTn id="61" fill="hold">
+                            <p:stCondLst>
+                              <p:cond delay="9000"/>
+                            </p:stCondLst>
+                            <p:childTnLst>
+                              <p:par>
+                                <p:cTn id="62" presetID="1" presetClass="exit" presetSubtype="0" fill="hold" nodeType="afterEffect">
+                                  <p:stCondLst>
+                                    <p:cond delay="0"/>
+                                  </p:stCondLst>
+                                  <p:childTnLst>
+                                    <p:set>
+                                      <p:cBhvr>
+                                        <p:cTn id="63" dur="1" fill="hold">
+                                          <p:stCondLst>
+                                            <p:cond delay="0"/>
+                                          </p:stCondLst>
+                                        </p:cTn>
+                                        <p:tgtEl>
+                                          <p:spTgt spid="55"/>
+                                        </p:tgtEl>
+                                        <p:attrNameLst>
+                                          <p:attrName>style.visibility</p:attrName>
+                                        </p:attrNameLst>
+                                      </p:cBhvr>
+                                      <p:to>
+                                        <p:strVal val="hidden"/>
+                                      </p:to>
+                                    </p:set>
+                                  </p:childTnLst>
+                                </p:cTn>
+                              </p:par>
+                              <p:par>
+                                <p:cTn id="64" presetID="42" presetClass="path" presetSubtype="0" accel="50000" decel="50000" fill="hold" grpId="0" nodeType="withEffect">
+                                  <p:stCondLst>
+                                    <p:cond delay="1000"/>
+                                  </p:stCondLst>
+                                  <p:childTnLst>
+                                    <p:animMotion origin="layout" path="M 8.33333E-7 -2.22222E-6 L 0.00013 0.12732 " pathEditMode="relative" rAng="0" ptsTypes="AA">
+                                      <p:cBhvr>
+                                        <p:cTn id="65" dur="2000" fill="hold"/>
+                                        <p:tgtEl>
+                                          <p:spTgt spid="106"/>
+                                        </p:tgtEl>
+                                        <p:attrNameLst>
+                                          <p:attrName>ppt_x</p:attrName>
+                                          <p:attrName>ppt_y</p:attrName>
+                                        </p:attrNameLst>
+                                      </p:cBhvr>
+                                      <p:rCtr x="0" y="6366"/>
+                                    </p:animMotion>
+                                  </p:childTnLst>
+                                </p:cTn>
+                              </p:par>
+                              <p:par>
+                                <p:cTn id="66" presetID="42" presetClass="path" presetSubtype="0" accel="50000" decel="50000" fill="hold" grpId="0" nodeType="withEffect">
+                                  <p:stCondLst>
+                                    <p:cond delay="1000"/>
+                                  </p:stCondLst>
+                                  <p:childTnLst>
+                                    <p:animMotion origin="layout" path="M -1.25E-6 -2.22222E-6 L -1.25E-6 0.12709 " pathEditMode="relative" rAng="0" ptsTypes="AA">
+                                      <p:cBhvr>
+                                        <p:cTn id="67" dur="2000" fill="hold"/>
+                                        <p:tgtEl>
+                                          <p:spTgt spid="107"/>
+                                        </p:tgtEl>
+                                        <p:attrNameLst>
+                                          <p:attrName>ppt_x</p:attrName>
+                                          <p:attrName>ppt_y</p:attrName>
+                                        </p:attrNameLst>
+                                      </p:cBhvr>
+                                      <p:rCtr x="0" y="6343"/>
+                                    </p:animMotion>
+                                  </p:childTnLst>
+                                </p:cTn>
+                              </p:par>
+                              <p:par>
+                                <p:cTn id="68" presetID="42" presetClass="path" presetSubtype="0" accel="50000" decel="50000" fill="hold" grpId="0" nodeType="withEffect">
+                                  <p:stCondLst>
+                                    <p:cond delay="1000"/>
+                                  </p:stCondLst>
+                                  <p:childTnLst>
+                                    <p:animMotion origin="layout" path="M 8.33333E-7 -2.22222E-6 L 8.33333E-7 0.12755 " pathEditMode="relative" rAng="0" ptsTypes="AA">
+                                      <p:cBhvr>
+                                        <p:cTn id="69" dur="2000" fill="hold"/>
+                                        <p:tgtEl>
+                                          <p:spTgt spid="105"/>
+                                        </p:tgtEl>
+                                        <p:attrNameLst>
+                                          <p:attrName>ppt_x</p:attrName>
+                                          <p:attrName>ppt_y</p:attrName>
+                                        </p:attrNameLst>
+                                      </p:cBhvr>
+                                      <p:rCtr x="0" y="6366"/>
+                                    </p:animMotion>
+                                  </p:childTnLst>
+                                </p:cTn>
+                              </p:par>
+                            </p:childTnLst>
+                          </p:cTn>
+                        </p:par>
+                        <p:par>
+                          <p:cTn id="70" fill="hold">
+                            <p:stCondLst>
+                              <p:cond delay="12000"/>
+                            </p:stCondLst>
+                            <p:childTnLst>
+                              <p:par>
+                                <p:cTn id="71" presetID="1" presetClass="emph" presetSubtype="2" fill="hold" nodeType="afterEffect">
+                                  <p:stCondLst>
+                                    <p:cond delay="0"/>
+                                  </p:stCondLst>
+                                  <p:childTnLst>
+                                    <p:animClr clrSpc="rgb" dir="cw">
+                                      <p:cBhvr>
+                                        <p:cTn id="72" dur="2000" fill="hold"/>
+                                        <p:tgtEl>
+                                          <p:spTgt spid="197"/>
+                                        </p:tgtEl>
+                                        <p:attrNameLst>
+                                          <p:attrName>fillcolor</p:attrName>
+                                        </p:attrNameLst>
+                                      </p:cBhvr>
+                                      <p:to>
+                                        <a:srgbClr val="272625"/>
+                                      </p:to>
+                                    </p:animClr>
+                                    <p:set>
+                                      <p:cBhvr>
+                                        <p:cTn id="73" dur="2000" fill="hold"/>
+                                        <p:tgtEl>
+                                          <p:spTgt spid="197"/>
+                                        </p:tgtEl>
+                                        <p:attrNameLst>
+                                          <p:attrName>fill.type</p:attrName>
+                                        </p:attrNameLst>
+                                      </p:cBhvr>
+                                      <p:to>
+                                        <p:strVal val="solid"/>
+                                      </p:to>
+                                    </p:set>
+                                    <p:set>
+                                      <p:cBhvr>
+                                        <p:cTn id="74" dur="2000" fill="hold"/>
+                                        <p:tgtEl>
+                                          <p:spTgt spid="197"/>
+                                        </p:tgtEl>
+                                        <p:attrNameLst>
+                                          <p:attrName>fill.on</p:attrName>
+                                        </p:attrNameLst>
+                                      </p:cBhvr>
+                                      <p:to>
+                                        <p:strVal val="true"/>
+                                      </p:to>
+                                    </p:set>
+                                  </p:childTnLst>
+                                </p:cTn>
+                              </p:par>
+                              <p:par>
+                                <p:cTn id="75" presetID="1" presetClass="emph" presetSubtype="2" fill="hold" nodeType="withEffect">
+                                  <p:stCondLst>
+                                    <p:cond delay="0"/>
+                                  </p:stCondLst>
+                                  <p:childTnLst>
+                                    <p:animClr clrSpc="rgb" dir="cw">
+                                      <p:cBhvr>
+                                        <p:cTn id="76" dur="2000" fill="hold"/>
+                                        <p:tgtEl>
+                                          <p:spTgt spid="200"/>
+                                        </p:tgtEl>
+                                        <p:attrNameLst>
+                                          <p:attrName>fillcolor</p:attrName>
+                                        </p:attrNameLst>
+                                      </p:cBhvr>
+                                      <p:to>
+                                        <a:srgbClr val="272625"/>
+                                      </p:to>
+                                    </p:animClr>
+                                    <p:set>
+                                      <p:cBhvr>
+                                        <p:cTn id="77" dur="2000" fill="hold"/>
+                                        <p:tgtEl>
+                                          <p:spTgt spid="200"/>
+                                        </p:tgtEl>
+                                        <p:attrNameLst>
+                                          <p:attrName>fill.type</p:attrName>
+                                        </p:attrNameLst>
+                                      </p:cBhvr>
+                                      <p:to>
+                                        <p:strVal val="solid"/>
+                                      </p:to>
+                                    </p:set>
+                                    <p:set>
+                                      <p:cBhvr>
+                                        <p:cTn id="78" dur="2000" fill="hold"/>
+                                        <p:tgtEl>
+                                          <p:spTgt spid="200"/>
+                                        </p:tgtEl>
+                                        <p:attrNameLst>
+                                          <p:attrName>fill.on</p:attrName>
+                                        </p:attrNameLst>
+                                      </p:cBhvr>
+                                      <p:to>
+                                        <p:strVal val="true"/>
+                                      </p:to>
+                                    </p:set>
+                                  </p:childTnLst>
+                                </p:cTn>
+                              </p:par>
+                              <p:par>
+                                <p:cTn id="79" presetID="1" presetClass="emph" presetSubtype="2" fill="hold" nodeType="withEffect">
+                                  <p:stCondLst>
+                                    <p:cond delay="0"/>
+                                  </p:stCondLst>
+                                  <p:childTnLst>
+                                    <p:animClr clrSpc="rgb" dir="cw">
+                                      <p:cBhvr>
+                                        <p:cTn id="80" dur="2000" fill="hold"/>
+                                        <p:tgtEl>
+                                          <p:spTgt spid="202"/>
+                                        </p:tgtEl>
+                                        <p:attrNameLst>
+                                          <p:attrName>fillcolor</p:attrName>
+                                        </p:attrNameLst>
+                                      </p:cBhvr>
+                                      <p:to>
+                                        <a:srgbClr val="272625"/>
+                                      </p:to>
+                                    </p:animClr>
+                                    <p:set>
+                                      <p:cBhvr>
+                                        <p:cTn id="81" dur="2000" fill="hold"/>
+                                        <p:tgtEl>
+                                          <p:spTgt spid="202"/>
+                                        </p:tgtEl>
+                                        <p:attrNameLst>
+                                          <p:attrName>fill.type</p:attrName>
+                                        </p:attrNameLst>
+                                      </p:cBhvr>
+                                      <p:to>
+                                        <p:strVal val="solid"/>
+                                      </p:to>
+                                    </p:set>
+                                    <p:set>
+                                      <p:cBhvr>
+                                        <p:cTn id="82" dur="2000" fill="hold"/>
+                                        <p:tgtEl>
+                                          <p:spTgt spid="202"/>
+                                        </p:tgtEl>
+                                        <p:attrNameLst>
+                                          <p:attrName>fill.on</p:attrName>
+                                        </p:attrNameLst>
+                                      </p:cBhvr>
+                                      <p:to>
+                                        <p:strVal val="true"/>
+                                      </p:to>
+                                    </p:set>
+                                  </p:childTnLst>
+                                </p:cTn>
+                              </p:par>
+                              <p:par>
+                                <p:cTn id="83" presetID="1" presetClass="emph" presetSubtype="2" fill="hold" nodeType="withEffect">
+                                  <p:stCondLst>
+                                    <p:cond delay="500"/>
+                                  </p:stCondLst>
+                                  <p:childTnLst>
+                                    <p:animClr clrSpc="rgb" dir="cw">
+                                      <p:cBhvr>
+                                        <p:cTn id="84" dur="500" fill="hold"/>
+                                        <p:tgtEl>
+                                          <p:spTgt spid="197"/>
+                                        </p:tgtEl>
+                                        <p:attrNameLst>
+                                          <p:attrName>fillcolor</p:attrName>
+                                        </p:attrNameLst>
+                                      </p:cBhvr>
+                                      <p:to>
+                                        <a:srgbClr val="00B0F0"/>
+                                      </p:to>
+                                    </p:animClr>
+                                    <p:set>
+                                      <p:cBhvr>
+                                        <p:cTn id="85" dur="500" fill="hold"/>
+                                        <p:tgtEl>
+                                          <p:spTgt spid="197"/>
+                                        </p:tgtEl>
+                                        <p:attrNameLst>
+                                          <p:attrName>fill.type</p:attrName>
+                                        </p:attrNameLst>
+                                      </p:cBhvr>
+                                      <p:to>
+                                        <p:strVal val="solid"/>
+                                      </p:to>
+                                    </p:set>
+                                    <p:set>
+                                      <p:cBhvr>
+                                        <p:cTn id="86" dur="500" fill="hold"/>
+                                        <p:tgtEl>
+                                          <p:spTgt spid="197"/>
+                                        </p:tgtEl>
+                                        <p:attrNameLst>
+                                          <p:attrName>fill.on</p:attrName>
+                                        </p:attrNameLst>
+                                      </p:cBhvr>
+                                      <p:to>
+                                        <p:strVal val="true"/>
+                                      </p:to>
+                                    </p:set>
+                                  </p:childTnLst>
+                                </p:cTn>
+                              </p:par>
+                              <p:par>
+                                <p:cTn id="87" presetID="1" presetClass="emph" presetSubtype="2" fill="hold" nodeType="withEffect">
+                                  <p:stCondLst>
+                                    <p:cond delay="500"/>
+                                  </p:stCondLst>
+                                  <p:childTnLst>
+                                    <p:animClr clrSpc="rgb" dir="cw">
+                                      <p:cBhvr>
+                                        <p:cTn id="88" dur="500" fill="hold"/>
+                                        <p:tgtEl>
+                                          <p:spTgt spid="200"/>
+                                        </p:tgtEl>
+                                        <p:attrNameLst>
+                                          <p:attrName>fillcolor</p:attrName>
+                                        </p:attrNameLst>
+                                      </p:cBhvr>
+                                      <p:to>
+                                        <a:srgbClr val="00AAF0"/>
+                                      </p:to>
+                                    </p:animClr>
+                                    <p:set>
+                                      <p:cBhvr>
+                                        <p:cTn id="89" dur="500" fill="hold"/>
+                                        <p:tgtEl>
+                                          <p:spTgt spid="200"/>
+                                        </p:tgtEl>
+                                        <p:attrNameLst>
+                                          <p:attrName>fill.type</p:attrName>
+                                        </p:attrNameLst>
+                                      </p:cBhvr>
+                                      <p:to>
+                                        <p:strVal val="solid"/>
+                                      </p:to>
+                                    </p:set>
+                                    <p:set>
+                                      <p:cBhvr>
+                                        <p:cTn id="90" dur="500" fill="hold"/>
+                                        <p:tgtEl>
+                                          <p:spTgt spid="200"/>
+                                        </p:tgtEl>
+                                        <p:attrNameLst>
+                                          <p:attrName>fill.on</p:attrName>
+                                        </p:attrNameLst>
+                                      </p:cBhvr>
+                                      <p:to>
+                                        <p:strVal val="true"/>
+                                      </p:to>
+                                    </p:set>
+                                  </p:childTnLst>
+                                </p:cTn>
+                              </p:par>
+                              <p:par>
+                                <p:cTn id="91" presetID="1" presetClass="emph" presetSubtype="2" fill="hold" nodeType="withEffect">
+                                  <p:stCondLst>
+                                    <p:cond delay="500"/>
+                                  </p:stCondLst>
+                                  <p:childTnLst>
+                                    <p:animClr clrSpc="rgb" dir="cw">
+                                      <p:cBhvr>
+                                        <p:cTn id="92" dur="500" fill="hold"/>
+                                        <p:tgtEl>
+                                          <p:spTgt spid="202"/>
+                                        </p:tgtEl>
+                                        <p:attrNameLst>
+                                          <p:attrName>fillcolor</p:attrName>
+                                        </p:attrNameLst>
+                                      </p:cBhvr>
+                                      <p:to>
+                                        <a:srgbClr val="00AAF0"/>
+                                      </p:to>
+                                    </p:animClr>
+                                    <p:set>
+                                      <p:cBhvr>
+                                        <p:cTn id="93" dur="500" fill="hold"/>
+                                        <p:tgtEl>
+                                          <p:spTgt spid="202"/>
+                                        </p:tgtEl>
+                                        <p:attrNameLst>
+                                          <p:attrName>fill.type</p:attrName>
+                                        </p:attrNameLst>
+                                      </p:cBhvr>
+                                      <p:to>
+                                        <p:strVal val="solid"/>
+                                      </p:to>
+                                    </p:set>
+                                    <p:set>
+                                      <p:cBhvr>
+                                        <p:cTn id="94" dur="500" fill="hold"/>
+                                        <p:tgtEl>
+                                          <p:spTgt spid="202"/>
+                                        </p:tgtEl>
+                                        <p:attrNameLst>
+                                          <p:attrName>fill.on</p:attrName>
+                                        </p:attrNameLst>
+                                      </p:cBhvr>
+                                      <p:to>
+                                        <p:strVal val="true"/>
+                                      </p:to>
+                                    </p:set>
+                                  </p:childTnLst>
+                                </p:cTn>
+                              </p:par>
+                            </p:childTnLst>
+                          </p:cTn>
+                        </p:par>
+                        <p:par>
+                          <p:cTn id="95" fill="hold">
+                            <p:stCondLst>
+                              <p:cond delay="14000"/>
+                            </p:stCondLst>
+                            <p:childTnLst>
+                              <p:par>
+                                <p:cTn id="96" presetID="1" presetClass="entr" presetSubtype="0" fill="hold" grpId="0" nodeType="afterEffect" nodePh="1">
+                                  <p:stCondLst>
+                                    <p:cond delay="3000"/>
+                                  </p:stCondLst>
+                                  <p:endCondLst>
+                                    <p:cond evt="begin" delay="0">
+                                      <p:tn val="96"/>
+                                    </p:cond>
+                                  </p:endCondLst>
+                                  <p:childTnLst>
+                                    <p:set>
+                                      <p:cBhvr>
+                                        <p:cTn id="97" dur="1" fill="hold">
+                                          <p:stCondLst>
+                                            <p:cond delay="0"/>
+                                          </p:stCondLst>
+                                        </p:cTn>
+                                        <p:tgtEl>
+                                          <p:spTgt spid="15"/>
+                                        </p:tgtEl>
+                                        <p:attrNameLst>
+                                          <p:attrName>style.visibility</p:attrName>
+                                        </p:attrNameLst>
+                                      </p:cBhvr>
+                                      <p:to>
+                                        <p:strVal val="visible"/>
+                                      </p:to>
+                                    </p:set>
+                                  </p:childTnLst>
+                                </p:cTn>
+                              </p:par>
+                            </p:childTnLst>
+                          </p:cTn>
+                        </p:par>
+                      </p:childTnLst>
+                    </p:cTn>
+                  </p:par>
+                </p:childTnLst>
+              </p:cTn>
+              <p:prevCondLst>
+                <p:cond evt="onPrev" delay="0">
+                  <p:tgtEl>
+                    <p:sldTgt/>
+                  </p:tgtEl>
+                </p:cond>
+              </p:prevCondLst>
+              <p:nextCondLst>
+                <p:cond evt="onNext" delay="0">
+                  <p:tgtEl>
+                    <p:sldTgt/>
+                  </p:tgtEl>
+                </p:cond>
+              </p:nextCondLst>
+            </p:seq>
+          </p:childTnLst>
+        </p:cTn>
+      </p:par>
+    </p:tnLst>
+    <p:bldLst>
+      <p:bldP spid="205" grpId="0"/>
+      <p:bldP spid="15" grpId="0"/>
+      <p:bldP spid="73" grpId="0" animBg="1"/>
+      <p:bldP spid="74" grpId="0" animBg="1"/>
+      <p:bldP spid="88" grpId="0" animBg="1"/>
+      <p:bldP spid="53" grpId="0" animBg="1"/>
+      <p:bldP spid="101" grpId="0" animBg="1"/>
+      <p:bldP spid="102" grpId="0" animBg="1"/>
+      <p:bldP spid="105" grpId="0" animBg="1"/>
+      <p:bldP spid="106" grpId="0" animBg="1"/>
+      <p:bldP spid="107" grpId="0" animBg="1"/>
+    </p:bldLst>
+  </p:timing>
+</p:sld>
+</file>
+
+<file path=ppt/slides/slide3.xml><?xml version="1.0" encoding="utf-8"?>
+<p:sld xmlns:a="http://schemas.openxmlformats.org/drawingml/2006/main" xmlns:r="http://schemas.openxmlformats.org/officeDocument/2006/relationships" xmlns:p="http://schemas.openxmlformats.org/presentationml/2006/main">
+  <p:cSld>
+    <p:spTree>
+      <p:nvGrpSpPr>
+        <p:cNvPr id="1" name=""/>
+        <p:cNvGrpSpPr/>
+        <p:nvPr/>
+      </p:nvGrpSpPr>
+      <p:grpSpPr>
+        <a:xfrm>
+          <a:off x="0" y="0"/>
+          <a:ext cx="0" cy="0"/>
+          <a:chOff x="0" y="0"/>
+          <a:chExt cx="0" cy="0"/>
+        </a:xfrm>
+      </p:grpSpPr>
+      <p:sp>
+        <p:nvSpPr>
+          <p:cNvPr id="99" name="矩形 98"/>
+          <p:cNvSpPr/>
+          <p:nvPr/>
+        </p:nvSpPr>
+        <p:spPr>
+          <a:xfrm>
+            <a:off x="2882822" y="3324302"/>
+            <a:ext cx="716175" cy="515259"/>
+          </a:xfrm>
+          <a:prstGeom prst="rect">
+            <a:avLst/>
+          </a:prstGeom>
+          <a:noFill/>
+          <a:ln w="6350">
+            <a:solidFill>
+              <a:schemeClr val="tx1"/>
+            </a:solidFill>
+          </a:ln>
+        </p:spPr>
+        <p:style>
+          <a:lnRef idx="2">
+            <a:schemeClr val="accent1">
+              <a:shade val="50000"/>
+            </a:schemeClr>
+          </a:lnRef>
+          <a:fillRef idx="1">
+            <a:schemeClr val="accent1"/>
+          </a:fillRef>
+          <a:effectRef idx="0">
+            <a:schemeClr val="accent1"/>
+          </a:effectRef>
+          <a:fontRef idx="minor">
+            <a:schemeClr val="lt1"/>
+          </a:fontRef>
+        </p:style>
+        <p:txBody>
+          <a:bodyPr rtlCol="0" anchor="ctr"/>
+          <a:lstStyle/>
+          <a:p>
+            <a:pPr algn="ctr"/>
+            <a:endParaRPr lang="zh-CN" altLang="en-US" sz="3200" dirty="0">
+              <a:solidFill>
+                <a:sysClr val="windowText" lastClr="000000"/>
+              </a:solidFill>
+              <a:latin typeface="Times New Roman" panose="02020603050405020304" pitchFamily="18" charset="0"/>
+              <a:cs typeface="Times New Roman" panose="02020603050405020304" pitchFamily="18" charset="0"/>
+            </a:endParaRPr>
+          </a:p>
+        </p:txBody>
+      </p:sp>
+      <p:sp>
+        <p:nvSpPr>
+          <p:cNvPr id="122" name="矩形 121"/>
+          <p:cNvSpPr/>
+          <p:nvPr/>
+        </p:nvSpPr>
+        <p:spPr>
+          <a:xfrm>
+            <a:off x="788966" y="3324302"/>
+            <a:ext cx="1313180" cy="584775"/>
+          </a:xfrm>
+          <a:prstGeom prst="rect">
+            <a:avLst/>
+          </a:prstGeom>
+        </p:spPr>
+        <p:txBody>
+          <a:bodyPr wrap="none">
+            <a:spAutoFit/>
+          </a:bodyPr>
+          <a:lstStyle/>
+          <a:p>
+            <a:r>
+              <a:rPr lang="en-US" altLang="zh-CN" sz="3200" dirty="0">
+                <a:latin typeface="Times New Roman" panose="02020603050405020304" pitchFamily="18" charset="0"/>
+                <a:cs typeface="Times New Roman" panose="02020603050405020304" pitchFamily="18" charset="0"/>
+              </a:rPr>
+              <a:t>child</a:t>
+            </a:r>
+            <a:r>
+              <a:rPr lang="zh-CN" altLang="en-US" sz="3200" dirty="0">
+                <a:latin typeface="Times New Roman" panose="02020603050405020304" pitchFamily="18" charset="0"/>
+                <a:cs typeface="Times New Roman" panose="02020603050405020304" pitchFamily="18" charset="0"/>
+              </a:rPr>
+              <a:t>1 </a:t>
+            </a:r>
+          </a:p>
+        </p:txBody>
+      </p:sp>
+      <p:sp>
+        <p:nvSpPr>
+          <p:cNvPr id="96" name="矩形 95"/>
+          <p:cNvSpPr/>
+          <p:nvPr/>
+        </p:nvSpPr>
+        <p:spPr>
+          <a:xfrm>
+            <a:off x="3598996" y="3324302"/>
+            <a:ext cx="716175" cy="515259"/>
+          </a:xfrm>
+          <a:prstGeom prst="rect">
+            <a:avLst/>
+          </a:prstGeom>
+          <a:solidFill>
+            <a:srgbClr val="FFC000"/>
+          </a:solidFill>
+          <a:ln w="6350">
+            <a:solidFill>
+              <a:schemeClr val="tx1"/>
+            </a:solidFill>
+          </a:ln>
+        </p:spPr>
+        <p:style>
+          <a:lnRef idx="2">
+            <a:schemeClr val="accent1">
+              <a:shade val="50000"/>
+            </a:schemeClr>
+          </a:lnRef>
+          <a:fillRef idx="1">
+            <a:schemeClr val="accent1"/>
+          </a:fillRef>
+          <a:effectRef idx="0">
+            <a:schemeClr val="accent1"/>
+          </a:effectRef>
+          <a:fontRef idx="minor">
+            <a:schemeClr val="lt1"/>
+          </a:fontRef>
+        </p:style>
+        <p:txBody>
+          <a:bodyPr rtlCol="0" anchor="ctr"/>
+          <a:lstStyle/>
+          <a:p>
+            <a:pPr algn="ctr"/>
+            <a:r>
+              <a:rPr lang="en-US" altLang="zh-CN" sz="3200" dirty="0">
+                <a:solidFill>
+                  <a:sysClr val="windowText" lastClr="000000"/>
+                </a:solidFill>
+                <a:latin typeface="Times New Roman" panose="02020603050405020304" pitchFamily="18" charset="0"/>
+                <a:cs typeface="Times New Roman" panose="02020603050405020304" pitchFamily="18" charset="0"/>
+              </a:rPr>
+              <a:t>2</a:t>
+            </a:r>
+            <a:endParaRPr lang="zh-CN" altLang="en-US" sz="3200" dirty="0">
+              <a:solidFill>
+                <a:sysClr val="windowText" lastClr="000000"/>
+              </a:solidFill>
+              <a:latin typeface="Times New Roman" panose="02020603050405020304" pitchFamily="18" charset="0"/>
+              <a:cs typeface="Times New Roman" panose="02020603050405020304" pitchFamily="18" charset="0"/>
+            </a:endParaRPr>
+          </a:p>
+        </p:txBody>
+      </p:sp>
+      <p:sp>
+        <p:nvSpPr>
+          <p:cNvPr id="97" name="矩形 96"/>
+          <p:cNvSpPr/>
+          <p:nvPr/>
+        </p:nvSpPr>
+        <p:spPr>
+          <a:xfrm>
+            <a:off x="4315171" y="3324302"/>
+            <a:ext cx="716175" cy="515259"/>
+          </a:xfrm>
+          <a:prstGeom prst="rect">
+            <a:avLst/>
+          </a:prstGeom>
+          <a:noFill/>
+          <a:ln w="6350">
+            <a:solidFill>
+              <a:schemeClr val="tx1"/>
+            </a:solidFill>
+          </a:ln>
+        </p:spPr>
+        <p:style>
+          <a:lnRef idx="2">
+            <a:schemeClr val="accent1">
+              <a:shade val="50000"/>
+            </a:schemeClr>
+          </a:lnRef>
+          <a:fillRef idx="1">
+            <a:schemeClr val="accent1"/>
+          </a:fillRef>
+          <a:effectRef idx="0">
+            <a:schemeClr val="accent1"/>
+          </a:effectRef>
+          <a:fontRef idx="minor">
+            <a:schemeClr val="lt1"/>
+          </a:fontRef>
+        </p:style>
+        <p:txBody>
+          <a:bodyPr rtlCol="0" anchor="ctr"/>
+          <a:lstStyle/>
+          <a:p>
+            <a:pPr algn="ctr"/>
+            <a:endParaRPr lang="zh-CN" altLang="en-US" sz="3200" dirty="0">
+              <a:solidFill>
+                <a:sysClr val="windowText" lastClr="000000"/>
+              </a:solidFill>
+              <a:latin typeface="Times New Roman" panose="02020603050405020304" pitchFamily="18" charset="0"/>
+              <a:cs typeface="Times New Roman" panose="02020603050405020304" pitchFamily="18" charset="0"/>
+            </a:endParaRPr>
+          </a:p>
+        </p:txBody>
+      </p:sp>
+      <p:sp>
+        <p:nvSpPr>
+          <p:cNvPr id="98" name="矩形 97"/>
+          <p:cNvSpPr/>
+          <p:nvPr/>
+        </p:nvSpPr>
+        <p:spPr>
+          <a:xfrm>
+            <a:off x="5031346" y="3324302"/>
+            <a:ext cx="716175" cy="515259"/>
+          </a:xfrm>
+          <a:prstGeom prst="rect">
+            <a:avLst/>
+          </a:prstGeom>
+          <a:noFill/>
+          <a:ln w="6350">
+            <a:solidFill>
+              <a:schemeClr val="tx1"/>
+            </a:solidFill>
+          </a:ln>
+        </p:spPr>
+        <p:style>
+          <a:lnRef idx="2">
+            <a:schemeClr val="accent1">
+              <a:shade val="50000"/>
+            </a:schemeClr>
+          </a:lnRef>
+          <a:fillRef idx="1">
+            <a:schemeClr val="accent1"/>
+          </a:fillRef>
+          <a:effectRef idx="0">
+            <a:schemeClr val="accent1"/>
+          </a:effectRef>
+          <a:fontRef idx="minor">
+            <a:schemeClr val="lt1"/>
+          </a:fontRef>
+        </p:style>
+        <p:txBody>
+          <a:bodyPr rtlCol="0" anchor="ctr"/>
+          <a:lstStyle/>
+          <a:p>
+            <a:pPr algn="ctr"/>
+            <a:endParaRPr lang="zh-CN" altLang="en-US" sz="3200" dirty="0">
+              <a:solidFill>
+                <a:sysClr val="windowText" lastClr="000000"/>
+              </a:solidFill>
+              <a:latin typeface="Times New Roman" panose="02020603050405020304" pitchFamily="18" charset="0"/>
+              <a:cs typeface="Times New Roman" panose="02020603050405020304" pitchFamily="18" charset="0"/>
+            </a:endParaRPr>
+          </a:p>
+        </p:txBody>
+      </p:sp>
+      <p:sp>
+        <p:nvSpPr>
+          <p:cNvPr id="121" name="矩形 120"/>
+          <p:cNvSpPr/>
+          <p:nvPr/>
+        </p:nvSpPr>
+        <p:spPr>
+          <a:xfrm>
+            <a:off x="5747520" y="3324302"/>
+            <a:ext cx="716175" cy="515259"/>
+          </a:xfrm>
+          <a:prstGeom prst="rect">
+            <a:avLst/>
+          </a:prstGeom>
+          <a:solidFill>
+            <a:srgbClr val="FFC000"/>
+          </a:solidFill>
+          <a:ln w="6350">
+            <a:solidFill>
+              <a:schemeClr val="tx1"/>
+            </a:solidFill>
+          </a:ln>
+        </p:spPr>
+        <p:style>
+          <a:lnRef idx="2">
+            <a:schemeClr val="accent1">
+              <a:shade val="50000"/>
+            </a:schemeClr>
+          </a:lnRef>
+          <a:fillRef idx="1">
+            <a:schemeClr val="accent1"/>
+          </a:fillRef>
+          <a:effectRef idx="0">
+            <a:schemeClr val="accent1"/>
+          </a:effectRef>
+          <a:fontRef idx="minor">
+            <a:schemeClr val="lt1"/>
+          </a:fontRef>
+        </p:style>
+        <p:txBody>
+          <a:bodyPr rtlCol="0" anchor="ctr"/>
+          <a:lstStyle/>
+          <a:p>
+            <a:pPr algn="ctr"/>
+            <a:r>
+              <a:rPr lang="en-US" altLang="zh-CN" sz="3200" dirty="0">
+                <a:solidFill>
+                  <a:sysClr val="windowText" lastClr="000000"/>
+                </a:solidFill>
+                <a:latin typeface="Times New Roman" panose="02020603050405020304" pitchFamily="18" charset="0"/>
+                <a:cs typeface="Times New Roman" panose="02020603050405020304" pitchFamily="18" charset="0"/>
+              </a:rPr>
+              <a:t>5</a:t>
+            </a:r>
+            <a:endParaRPr lang="zh-CN" altLang="en-US" sz="3200" dirty="0">
+              <a:solidFill>
+                <a:sysClr val="windowText" lastClr="000000"/>
+              </a:solidFill>
+              <a:latin typeface="Times New Roman" panose="02020603050405020304" pitchFamily="18" charset="0"/>
+              <a:cs typeface="Times New Roman" panose="02020603050405020304" pitchFamily="18" charset="0"/>
+            </a:endParaRPr>
+          </a:p>
+        </p:txBody>
+      </p:sp>
+      <p:sp>
+        <p:nvSpPr>
+          <p:cNvPr id="194" name="矩形 193"/>
+          <p:cNvSpPr/>
+          <p:nvPr/>
+        </p:nvSpPr>
+        <p:spPr>
+          <a:xfrm>
+            <a:off x="6463695" y="3324302"/>
+            <a:ext cx="716175" cy="515259"/>
+          </a:xfrm>
+          <a:prstGeom prst="rect">
+            <a:avLst/>
+          </a:prstGeom>
+          <a:noFill/>
+          <a:ln w="6350">
+            <a:solidFill>
+              <a:schemeClr val="tx1"/>
+            </a:solidFill>
+          </a:ln>
+        </p:spPr>
+        <p:style>
+          <a:lnRef idx="2">
+            <a:schemeClr val="accent1">
+              <a:shade val="50000"/>
+            </a:schemeClr>
+          </a:lnRef>
+          <a:fillRef idx="1">
+            <a:schemeClr val="accent1"/>
+          </a:fillRef>
+          <a:effectRef idx="0">
+            <a:schemeClr val="accent1"/>
+          </a:effectRef>
+          <a:fontRef idx="minor">
+            <a:schemeClr val="lt1"/>
+          </a:fontRef>
+        </p:style>
+        <p:txBody>
+          <a:bodyPr rtlCol="0" anchor="ctr"/>
+          <a:lstStyle/>
+          <a:p>
+            <a:pPr algn="ctr"/>
+            <a:endParaRPr lang="zh-CN" altLang="en-US" sz="3200" dirty="0">
+              <a:solidFill>
+                <a:sysClr val="windowText" lastClr="000000"/>
+              </a:solidFill>
+              <a:latin typeface="Times New Roman" panose="02020603050405020304" pitchFamily="18" charset="0"/>
+              <a:cs typeface="Times New Roman" panose="02020603050405020304" pitchFamily="18" charset="0"/>
+            </a:endParaRPr>
+          </a:p>
+        </p:txBody>
+      </p:sp>
+      <p:sp>
+        <p:nvSpPr>
+          <p:cNvPr id="195" name="矩形 194"/>
+          <p:cNvSpPr/>
+          <p:nvPr/>
+        </p:nvSpPr>
+        <p:spPr>
+          <a:xfrm>
+            <a:off x="7179870" y="3324302"/>
+            <a:ext cx="716175" cy="515259"/>
+          </a:xfrm>
+          <a:prstGeom prst="rect">
+            <a:avLst/>
+          </a:prstGeom>
+          <a:solidFill>
+            <a:srgbClr val="FFC000"/>
+          </a:solidFill>
+          <a:ln w="6350">
+            <a:solidFill>
+              <a:schemeClr val="tx1"/>
+            </a:solidFill>
+          </a:ln>
+        </p:spPr>
+        <p:style>
+          <a:lnRef idx="2">
+            <a:schemeClr val="accent1">
+              <a:shade val="50000"/>
+            </a:schemeClr>
+          </a:lnRef>
+          <a:fillRef idx="1">
+            <a:schemeClr val="accent1"/>
+          </a:fillRef>
+          <a:effectRef idx="0">
+            <a:schemeClr val="accent1"/>
+          </a:effectRef>
+          <a:fontRef idx="minor">
+            <a:schemeClr val="lt1"/>
+          </a:fontRef>
+        </p:style>
+        <p:txBody>
+          <a:bodyPr rtlCol="0" anchor="ctr"/>
+          <a:lstStyle/>
+          <a:p>
+            <a:pPr algn="ctr"/>
+            <a:r>
+              <a:rPr lang="en-US" altLang="zh-CN" sz="3200" dirty="0">
+                <a:solidFill>
+                  <a:sysClr val="windowText" lastClr="000000"/>
+                </a:solidFill>
+                <a:latin typeface="Times New Roman" panose="02020603050405020304" pitchFamily="18" charset="0"/>
+                <a:cs typeface="Times New Roman" panose="02020603050405020304" pitchFamily="18" charset="0"/>
+              </a:rPr>
+              <a:t>7</a:t>
+            </a:r>
+            <a:endParaRPr lang="zh-CN" altLang="en-US" sz="3200" dirty="0">
+              <a:solidFill>
+                <a:sysClr val="windowText" lastClr="000000"/>
+              </a:solidFill>
+              <a:latin typeface="Times New Roman" panose="02020603050405020304" pitchFamily="18" charset="0"/>
+              <a:cs typeface="Times New Roman" panose="02020603050405020304" pitchFamily="18" charset="0"/>
+            </a:endParaRPr>
+          </a:p>
+        </p:txBody>
+      </p:sp>
+      <p:sp>
+        <p:nvSpPr>
+          <p:cNvPr id="196" name="矩形 195"/>
+          <p:cNvSpPr/>
+          <p:nvPr/>
+        </p:nvSpPr>
+        <p:spPr>
+          <a:xfrm>
+            <a:off x="7896044" y="3324302"/>
+            <a:ext cx="716175" cy="515259"/>
+          </a:xfrm>
+          <a:prstGeom prst="rect">
+            <a:avLst/>
+          </a:prstGeom>
+          <a:noFill/>
+          <a:ln w="6350">
+            <a:solidFill>
+              <a:schemeClr val="tx1"/>
+            </a:solidFill>
+          </a:ln>
+        </p:spPr>
+        <p:style>
+          <a:lnRef idx="2">
+            <a:schemeClr val="accent1">
+              <a:shade val="50000"/>
+            </a:schemeClr>
+          </a:lnRef>
+          <a:fillRef idx="1">
+            <a:schemeClr val="accent1"/>
+          </a:fillRef>
+          <a:effectRef idx="0">
+            <a:schemeClr val="accent1"/>
+          </a:effectRef>
+          <a:fontRef idx="minor">
+            <a:schemeClr val="lt1"/>
+          </a:fontRef>
+        </p:style>
+        <p:txBody>
+          <a:bodyPr rtlCol="0" anchor="ctr"/>
+          <a:lstStyle/>
+          <a:p>
+            <a:pPr algn="ctr"/>
+            <a:endParaRPr lang="zh-CN" altLang="en-US" sz="3200" dirty="0">
+              <a:solidFill>
+                <a:sysClr val="windowText" lastClr="000000"/>
+              </a:solidFill>
+              <a:latin typeface="Times New Roman" panose="02020603050405020304" pitchFamily="18" charset="0"/>
+              <a:cs typeface="Times New Roman" panose="02020603050405020304" pitchFamily="18" charset="0"/>
+            </a:endParaRPr>
+          </a:p>
+        </p:txBody>
+      </p:sp>
+      <p:sp>
+        <p:nvSpPr>
+          <p:cNvPr id="204" name="矩形 203"/>
+          <p:cNvSpPr/>
+          <p:nvPr/>
+        </p:nvSpPr>
+        <p:spPr>
+          <a:xfrm>
+            <a:off x="2369181" y="369302"/>
+            <a:ext cx="5767541" cy="584775"/>
+          </a:xfrm>
+          <a:prstGeom prst="rect">
+            <a:avLst/>
+          </a:prstGeom>
+        </p:spPr>
+        <p:txBody>
+          <a:bodyPr wrap="none">
+            <a:spAutoFit/>
+          </a:bodyPr>
+          <a:lstStyle/>
+          <a:p>
+            <a:r>
+              <a:rPr lang="zh-CN" altLang="en-US" sz="3200" dirty="0">
+                <a:latin typeface="Times New Roman" panose="02020603050405020304" pitchFamily="18" charset="0"/>
+                <a:cs typeface="Times New Roman" panose="02020603050405020304" pitchFamily="18" charset="0"/>
+              </a:rPr>
+              <a:t>循环交叉（</a:t>
+            </a:r>
+            <a:r>
+              <a:rPr lang="en-US" altLang="zh-CN" sz="3200" dirty="0">
+                <a:latin typeface="Times New Roman" panose="02020603050405020304" pitchFamily="18" charset="0"/>
+                <a:cs typeface="Times New Roman" panose="02020603050405020304" pitchFamily="18" charset="0"/>
+              </a:rPr>
+              <a:t>Cycle crossover, CX)</a:t>
+            </a:r>
+            <a:endParaRPr lang="zh-CN" altLang="en-US" sz="3200" dirty="0">
+              <a:latin typeface="Times New Roman" panose="02020603050405020304" pitchFamily="18" charset="0"/>
+              <a:cs typeface="Times New Roman" panose="02020603050405020304" pitchFamily="18" charset="0"/>
+            </a:endParaRPr>
+          </a:p>
+        </p:txBody>
+      </p:sp>
+      <p:sp>
+        <p:nvSpPr>
+          <p:cNvPr id="15" name="矩形 14"/>
+          <p:cNvSpPr/>
+          <p:nvPr/>
+        </p:nvSpPr>
+        <p:spPr>
+          <a:xfrm>
+            <a:off x="9142880" y="6103351"/>
+            <a:ext cx="543596" cy="247246"/>
+          </a:xfrm>
+          <a:prstGeom prst="rect">
+            <a:avLst/>
+          </a:prstGeom>
+          <a:noFill/>
+          <a:ln>
+            <a:noFill/>
+          </a:ln>
+        </p:spPr>
+        <p:style>
+          <a:lnRef idx="2">
+            <a:schemeClr val="accent1">
+              <a:shade val="50000"/>
+            </a:schemeClr>
+          </a:lnRef>
+          <a:fillRef idx="1">
+            <a:schemeClr val="accent1"/>
+          </a:fillRef>
+          <a:effectRef idx="0">
+            <a:schemeClr val="accent1"/>
+          </a:effectRef>
+          <a:fontRef idx="minor">
+            <a:schemeClr val="lt1"/>
+          </a:fontRef>
+        </p:style>
+        <p:txBody>
+          <a:bodyPr rtlCol="0" anchor="ctr"/>
+          <a:lstStyle/>
+          <a:p>
+            <a:pPr algn="ctr"/>
+            <a:endParaRPr lang="zh-CN" altLang="en-US"/>
+          </a:p>
+        </p:txBody>
+      </p:sp>
+      <p:sp>
+        <p:nvSpPr>
+          <p:cNvPr id="42" name="矩形 41"/>
+          <p:cNvSpPr/>
+          <p:nvPr/>
+        </p:nvSpPr>
+        <p:spPr>
+          <a:xfrm>
+            <a:off x="3598996" y="3324302"/>
+            <a:ext cx="716175" cy="515259"/>
+          </a:xfrm>
+          <a:prstGeom prst="rect">
+            <a:avLst/>
+          </a:prstGeom>
+          <a:solidFill>
+            <a:srgbClr val="FFC000"/>
+          </a:solidFill>
+          <a:ln w="6350">
+            <a:solidFill>
+              <a:schemeClr val="tx1"/>
+            </a:solidFill>
+          </a:ln>
+        </p:spPr>
+        <p:style>
+          <a:lnRef idx="2">
+            <a:schemeClr val="accent1">
+              <a:shade val="50000"/>
+            </a:schemeClr>
+          </a:lnRef>
+          <a:fillRef idx="1">
+            <a:schemeClr val="accent1"/>
+          </a:fillRef>
+          <a:effectRef idx="0">
+            <a:schemeClr val="accent1"/>
+          </a:effectRef>
+          <a:fontRef idx="minor">
+            <a:schemeClr val="lt1"/>
+          </a:fontRef>
+        </p:style>
+        <p:txBody>
+          <a:bodyPr rtlCol="0" anchor="ctr"/>
+          <a:lstStyle/>
+          <a:p>
+            <a:pPr algn="ctr"/>
+            <a:r>
+              <a:rPr lang="en-US" altLang="zh-CN" sz="3200" dirty="0">
+                <a:solidFill>
+                  <a:sysClr val="windowText" lastClr="000000"/>
+                </a:solidFill>
+                <a:latin typeface="Times New Roman" panose="02020603050405020304" pitchFamily="18" charset="0"/>
+                <a:cs typeface="Times New Roman" panose="02020603050405020304" pitchFamily="18" charset="0"/>
+              </a:rPr>
+              <a:t>2</a:t>
+            </a:r>
+            <a:endParaRPr lang="zh-CN" altLang="en-US" sz="3200" dirty="0">
+              <a:solidFill>
+                <a:sysClr val="windowText" lastClr="000000"/>
+              </a:solidFill>
+              <a:latin typeface="Times New Roman" panose="02020603050405020304" pitchFamily="18" charset="0"/>
+              <a:cs typeface="Times New Roman" panose="02020603050405020304" pitchFamily="18" charset="0"/>
+            </a:endParaRPr>
+          </a:p>
+        </p:txBody>
+      </p:sp>
+      <p:sp>
+        <p:nvSpPr>
+          <p:cNvPr id="43" name="矩形 42"/>
+          <p:cNvSpPr/>
+          <p:nvPr/>
+        </p:nvSpPr>
+        <p:spPr>
+          <a:xfrm>
+            <a:off x="4315171" y="3324302"/>
+            <a:ext cx="716175" cy="515259"/>
+          </a:xfrm>
+          <a:prstGeom prst="rect">
+            <a:avLst/>
+          </a:prstGeom>
+          <a:noFill/>
+          <a:ln w="6350">
+            <a:solidFill>
+              <a:schemeClr val="tx1"/>
+            </a:solidFill>
+          </a:ln>
+        </p:spPr>
+        <p:style>
+          <a:lnRef idx="2">
+            <a:schemeClr val="accent1">
+              <a:shade val="50000"/>
+            </a:schemeClr>
+          </a:lnRef>
+          <a:fillRef idx="1">
+            <a:schemeClr val="accent1"/>
+          </a:fillRef>
+          <a:effectRef idx="0">
+            <a:schemeClr val="accent1"/>
+          </a:effectRef>
+          <a:fontRef idx="minor">
+            <a:schemeClr val="lt1"/>
+          </a:fontRef>
+        </p:style>
+        <p:txBody>
+          <a:bodyPr rtlCol="0" anchor="ctr"/>
+          <a:lstStyle/>
+          <a:p>
+            <a:pPr algn="ctr"/>
+            <a:endParaRPr lang="zh-CN" altLang="en-US" sz="3200" dirty="0">
+              <a:solidFill>
+                <a:sysClr val="windowText" lastClr="000000"/>
+              </a:solidFill>
+              <a:latin typeface="Times New Roman" panose="02020603050405020304" pitchFamily="18" charset="0"/>
+              <a:cs typeface="Times New Roman" panose="02020603050405020304" pitchFamily="18" charset="0"/>
+            </a:endParaRPr>
+          </a:p>
+        </p:txBody>
+      </p:sp>
+      <p:sp>
+        <p:nvSpPr>
+          <p:cNvPr id="44" name="矩形 43"/>
+          <p:cNvSpPr/>
+          <p:nvPr/>
+        </p:nvSpPr>
+        <p:spPr>
+          <a:xfrm>
+            <a:off x="5031346" y="3324302"/>
+            <a:ext cx="716175" cy="515259"/>
+          </a:xfrm>
+          <a:prstGeom prst="rect">
+            <a:avLst/>
+          </a:prstGeom>
+          <a:noFill/>
+          <a:ln w="6350">
+            <a:solidFill>
+              <a:schemeClr val="tx1"/>
+            </a:solidFill>
+          </a:ln>
+        </p:spPr>
+        <p:style>
+          <a:lnRef idx="2">
+            <a:schemeClr val="accent1">
+              <a:shade val="50000"/>
+            </a:schemeClr>
+          </a:lnRef>
+          <a:fillRef idx="1">
+            <a:schemeClr val="accent1"/>
+          </a:fillRef>
+          <a:effectRef idx="0">
+            <a:schemeClr val="accent1"/>
+          </a:effectRef>
+          <a:fontRef idx="minor">
+            <a:schemeClr val="lt1"/>
+          </a:fontRef>
+        </p:style>
+        <p:txBody>
+          <a:bodyPr rtlCol="0" anchor="ctr"/>
+          <a:lstStyle/>
+          <a:p>
+            <a:pPr algn="ctr"/>
+            <a:endParaRPr lang="zh-CN" altLang="en-US" sz="3200" dirty="0">
+              <a:solidFill>
+                <a:sysClr val="windowText" lastClr="000000"/>
+              </a:solidFill>
+              <a:latin typeface="Times New Roman" panose="02020603050405020304" pitchFamily="18" charset="0"/>
+              <a:cs typeface="Times New Roman" panose="02020603050405020304" pitchFamily="18" charset="0"/>
+            </a:endParaRPr>
+          </a:p>
+        </p:txBody>
+      </p:sp>
+      <p:sp>
+        <p:nvSpPr>
+          <p:cNvPr id="49" name="矩形 48"/>
+          <p:cNvSpPr/>
+          <p:nvPr/>
+        </p:nvSpPr>
+        <p:spPr>
+          <a:xfrm>
+            <a:off x="5747520" y="3324302"/>
+            <a:ext cx="716175" cy="515259"/>
+          </a:xfrm>
+          <a:prstGeom prst="rect">
+            <a:avLst/>
+          </a:prstGeom>
+          <a:solidFill>
+            <a:srgbClr val="FFC000"/>
+          </a:solidFill>
+          <a:ln w="6350">
+            <a:solidFill>
+              <a:schemeClr val="tx1"/>
+            </a:solidFill>
+          </a:ln>
+        </p:spPr>
+        <p:style>
+          <a:lnRef idx="2">
+            <a:schemeClr val="accent1">
+              <a:shade val="50000"/>
+            </a:schemeClr>
+          </a:lnRef>
+          <a:fillRef idx="1">
+            <a:schemeClr val="accent1"/>
+          </a:fillRef>
+          <a:effectRef idx="0">
+            <a:schemeClr val="accent1"/>
+          </a:effectRef>
+          <a:fontRef idx="minor">
+            <a:schemeClr val="lt1"/>
+          </a:fontRef>
+        </p:style>
+        <p:txBody>
+          <a:bodyPr rtlCol="0" anchor="ctr"/>
+          <a:lstStyle/>
+          <a:p>
+            <a:pPr algn="ctr"/>
+            <a:r>
+              <a:rPr lang="en-US" altLang="zh-CN" sz="3200" dirty="0">
+                <a:solidFill>
+                  <a:sysClr val="windowText" lastClr="000000"/>
+                </a:solidFill>
+                <a:latin typeface="Times New Roman" panose="02020603050405020304" pitchFamily="18" charset="0"/>
+                <a:cs typeface="Times New Roman" panose="02020603050405020304" pitchFamily="18" charset="0"/>
+              </a:rPr>
+              <a:t>5</a:t>
+            </a:r>
+            <a:endParaRPr lang="zh-CN" altLang="en-US" sz="3200" dirty="0">
+              <a:solidFill>
+                <a:sysClr val="windowText" lastClr="000000"/>
+              </a:solidFill>
+              <a:latin typeface="Times New Roman" panose="02020603050405020304" pitchFamily="18" charset="0"/>
+              <a:cs typeface="Times New Roman" panose="02020603050405020304" pitchFamily="18" charset="0"/>
+            </a:endParaRPr>
+          </a:p>
+        </p:txBody>
+      </p:sp>
+      <p:sp>
+        <p:nvSpPr>
+          <p:cNvPr id="105" name="矩形 104"/>
+          <p:cNvSpPr/>
+          <p:nvPr/>
+        </p:nvSpPr>
+        <p:spPr>
+          <a:xfrm>
+            <a:off x="7179868" y="3324302"/>
+            <a:ext cx="716175" cy="515259"/>
+          </a:xfrm>
+          <a:prstGeom prst="rect">
+            <a:avLst/>
+          </a:prstGeom>
+          <a:solidFill>
+            <a:srgbClr val="FFC000"/>
+          </a:solidFill>
+          <a:ln w="6350">
+            <a:solidFill>
+              <a:schemeClr val="tx1"/>
+            </a:solidFill>
+          </a:ln>
+        </p:spPr>
+        <p:style>
+          <a:lnRef idx="2">
+            <a:schemeClr val="accent1">
+              <a:shade val="50000"/>
+            </a:schemeClr>
+          </a:lnRef>
+          <a:fillRef idx="1">
+            <a:schemeClr val="accent1"/>
+          </a:fillRef>
+          <a:effectRef idx="0">
+            <a:schemeClr val="accent1"/>
+          </a:effectRef>
+          <a:fontRef idx="minor">
+            <a:schemeClr val="lt1"/>
+          </a:fontRef>
+        </p:style>
+        <p:txBody>
+          <a:bodyPr rtlCol="0" anchor="ctr"/>
+          <a:lstStyle/>
+          <a:p>
+            <a:pPr algn="ctr"/>
+            <a:r>
+              <a:rPr lang="en-US" altLang="zh-CN" sz="3200" dirty="0">
+                <a:solidFill>
+                  <a:sysClr val="windowText" lastClr="000000"/>
+                </a:solidFill>
+                <a:latin typeface="Times New Roman" panose="02020603050405020304" pitchFamily="18" charset="0"/>
+                <a:cs typeface="Times New Roman" panose="02020603050405020304" pitchFamily="18" charset="0"/>
+              </a:rPr>
+              <a:t>7</a:t>
+            </a:r>
+            <a:endParaRPr lang="zh-CN" altLang="en-US" sz="3200" dirty="0">
+              <a:solidFill>
+                <a:sysClr val="windowText" lastClr="000000"/>
+              </a:solidFill>
+              <a:latin typeface="Times New Roman" panose="02020603050405020304" pitchFamily="18" charset="0"/>
+              <a:cs typeface="Times New Roman" panose="02020603050405020304" pitchFamily="18" charset="0"/>
+            </a:endParaRPr>
+          </a:p>
+        </p:txBody>
+      </p:sp>
+      <p:sp>
+        <p:nvSpPr>
+          <p:cNvPr id="106" name="矩形 105"/>
+          <p:cNvSpPr/>
+          <p:nvPr/>
+        </p:nvSpPr>
+        <p:spPr>
+          <a:xfrm>
+            <a:off x="3598994" y="3324302"/>
+            <a:ext cx="716175" cy="515259"/>
+          </a:xfrm>
+          <a:prstGeom prst="rect">
+            <a:avLst/>
+          </a:prstGeom>
+          <a:solidFill>
+            <a:srgbClr val="FFC000"/>
+          </a:solidFill>
+          <a:ln w="6350">
+            <a:solidFill>
+              <a:schemeClr val="tx1"/>
+            </a:solidFill>
+          </a:ln>
+        </p:spPr>
+        <p:style>
+          <a:lnRef idx="2">
+            <a:schemeClr val="accent1">
+              <a:shade val="50000"/>
+            </a:schemeClr>
+          </a:lnRef>
+          <a:fillRef idx="1">
+            <a:schemeClr val="accent1"/>
+          </a:fillRef>
+          <a:effectRef idx="0">
+            <a:schemeClr val="accent1"/>
+          </a:effectRef>
+          <a:fontRef idx="minor">
+            <a:schemeClr val="lt1"/>
+          </a:fontRef>
+        </p:style>
+        <p:txBody>
+          <a:bodyPr rtlCol="0" anchor="ctr"/>
+          <a:lstStyle/>
+          <a:p>
+            <a:pPr algn="ctr"/>
+            <a:r>
+              <a:rPr lang="en-US" altLang="zh-CN" sz="3200" dirty="0">
+                <a:solidFill>
+                  <a:sysClr val="windowText" lastClr="000000"/>
+                </a:solidFill>
+                <a:latin typeface="Times New Roman" panose="02020603050405020304" pitchFamily="18" charset="0"/>
+                <a:cs typeface="Times New Roman" panose="02020603050405020304" pitchFamily="18" charset="0"/>
+              </a:rPr>
+              <a:t>2</a:t>
+            </a:r>
+            <a:endParaRPr lang="zh-CN" altLang="en-US" sz="3200" dirty="0">
+              <a:solidFill>
+                <a:sysClr val="windowText" lastClr="000000"/>
+              </a:solidFill>
+              <a:latin typeface="Times New Roman" panose="02020603050405020304" pitchFamily="18" charset="0"/>
+              <a:cs typeface="Times New Roman" panose="02020603050405020304" pitchFamily="18" charset="0"/>
+            </a:endParaRPr>
+          </a:p>
+        </p:txBody>
+      </p:sp>
+      <p:sp>
+        <p:nvSpPr>
+          <p:cNvPr id="107" name="矩形 106"/>
+          <p:cNvSpPr/>
+          <p:nvPr/>
+        </p:nvSpPr>
+        <p:spPr>
+          <a:xfrm>
+            <a:off x="5747518" y="3324302"/>
+            <a:ext cx="716175" cy="515259"/>
+          </a:xfrm>
+          <a:prstGeom prst="rect">
+            <a:avLst/>
+          </a:prstGeom>
+          <a:solidFill>
+            <a:srgbClr val="FFC000"/>
+          </a:solidFill>
+          <a:ln w="6350">
+            <a:solidFill>
+              <a:schemeClr val="tx1"/>
+            </a:solidFill>
+          </a:ln>
+        </p:spPr>
+        <p:style>
+          <a:lnRef idx="2">
+            <a:schemeClr val="accent1">
+              <a:shade val="50000"/>
+            </a:schemeClr>
+          </a:lnRef>
+          <a:fillRef idx="1">
+            <a:schemeClr val="accent1"/>
+          </a:fillRef>
+          <a:effectRef idx="0">
+            <a:schemeClr val="accent1"/>
+          </a:effectRef>
+          <a:fontRef idx="minor">
+            <a:schemeClr val="lt1"/>
+          </a:fontRef>
+        </p:style>
+        <p:txBody>
+          <a:bodyPr rtlCol="0" anchor="ctr"/>
+          <a:lstStyle/>
+          <a:p>
+            <a:pPr algn="ctr"/>
+            <a:r>
+              <a:rPr lang="en-US" altLang="zh-CN" sz="3200" dirty="0">
+                <a:solidFill>
+                  <a:sysClr val="windowText" lastClr="000000"/>
+                </a:solidFill>
+                <a:latin typeface="Times New Roman" panose="02020603050405020304" pitchFamily="18" charset="0"/>
+                <a:cs typeface="Times New Roman" panose="02020603050405020304" pitchFamily="18" charset="0"/>
+              </a:rPr>
+              <a:t>5</a:t>
+            </a:r>
+            <a:endParaRPr lang="zh-CN" altLang="en-US" sz="3200" dirty="0">
+              <a:solidFill>
+                <a:sysClr val="windowText" lastClr="000000"/>
+              </a:solidFill>
+              <a:latin typeface="Times New Roman" panose="02020603050405020304" pitchFamily="18" charset="0"/>
+              <a:cs typeface="Times New Roman" panose="02020603050405020304" pitchFamily="18" charset="0"/>
+            </a:endParaRPr>
+          </a:p>
+        </p:txBody>
+      </p:sp>
+    </p:spTree>
+    <p:extLst>
+      <p:ext uri="{BB962C8B-B14F-4D97-AF65-F5344CB8AC3E}">
+        <p14:creationId xmlns:p14="http://schemas.microsoft.com/office/powerpoint/2010/main" val="396962052"/>
+      </p:ext>
+    </p:extLst>
+  </p:cSld>
+  <p:clrMapOvr>
+    <a:masterClrMapping/>
+  </p:clrMapOvr>
+  <p:timing>
+    <p:tnLst>
+      <p:par>
+        <p:cTn id="1" dur="indefinite" restart="never" nodeType="tmRoot">
+          <p:childTnLst>
+            <p:seq concurrent="1" nextAc="seek">
+              <p:cTn id="2" dur="indefinite" nodeType="mainSeq">
+                <p:childTnLst>
+                  <p:par>
+                    <p:cTn id="3" fill="hold">
+                      <p:stCondLst>
+                        <p:cond delay="indefinite"/>
+                        <p:cond evt="onBegin" delay="0">
+                          <p:tn val="2"/>
+                        </p:cond>
+                      </p:stCondLst>
+                      <p:childTnLst>
+                        <p:par>
+                          <p:cTn id="4" fill="hold">
+                            <p:stCondLst>
+                              <p:cond delay="0"/>
+                            </p:stCondLst>
+                            <p:childTnLst>
+                              <p:par>
+                                <p:cTn id="5" presetID="42" presetClass="path" presetSubtype="0" accel="50000" decel="50000" fill="hold" grpId="0" nodeType="withEffect">
+                                  <p:stCondLst>
+                                    <p:cond delay="1000"/>
+                                  </p:stCondLst>
+                                  <p:childTnLst>
+                                    <p:animMotion origin="layout" path="M 8.33333E-7 -2.22222E-6 L 0.00013 0.12732 " pathEditMode="relative" rAng="0" ptsTypes="AA">
+                                      <p:cBhvr>
+                                        <p:cTn id="6" dur="2000" fill="hold"/>
+                                        <p:tgtEl>
+                                          <p:spTgt spid="106"/>
+                                        </p:tgtEl>
+                                        <p:attrNameLst>
+                                          <p:attrName>ppt_x</p:attrName>
+                                          <p:attrName>ppt_y</p:attrName>
+                                        </p:attrNameLst>
+                                      </p:cBhvr>
+                                      <p:rCtr x="0" y="6366"/>
+                                    </p:animMotion>
+                                  </p:childTnLst>
+                                </p:cTn>
+                              </p:par>
+                              <p:par>
+                                <p:cTn id="7" presetID="42" presetClass="path" presetSubtype="0" accel="50000" decel="50000" fill="hold" grpId="0" nodeType="withEffect">
+                                  <p:stCondLst>
+                                    <p:cond delay="1000"/>
+                                  </p:stCondLst>
+                                  <p:childTnLst>
+                                    <p:animMotion origin="layout" path="M -1.25E-6 -2.22222E-6 L -1.25E-6 0.12709 " pathEditMode="relative" rAng="0" ptsTypes="AA">
+                                      <p:cBhvr>
+                                        <p:cTn id="8" dur="2000" fill="hold"/>
+                                        <p:tgtEl>
+                                          <p:spTgt spid="107"/>
+                                        </p:tgtEl>
+                                        <p:attrNameLst>
+                                          <p:attrName>ppt_x</p:attrName>
+                                          <p:attrName>ppt_y</p:attrName>
+                                        </p:attrNameLst>
+                                      </p:cBhvr>
+                                      <p:rCtr x="0" y="6343"/>
+                                    </p:animMotion>
+                                  </p:childTnLst>
+                                </p:cTn>
+                              </p:par>
+                              <p:par>
+                                <p:cTn id="9" presetID="42" presetClass="path" presetSubtype="0" accel="50000" decel="50000" fill="hold" grpId="0" nodeType="withEffect">
+                                  <p:stCondLst>
+                                    <p:cond delay="1000"/>
+                                  </p:stCondLst>
+                                  <p:childTnLst>
+                                    <p:animMotion origin="layout" path="M 8.33333E-7 -2.22222E-6 L 8.33333E-7 0.12755 " pathEditMode="relative" rAng="0" ptsTypes="AA">
+                                      <p:cBhvr>
+                                        <p:cTn id="10" dur="2000" fill="hold"/>
+                                        <p:tgtEl>
+                                          <p:spTgt spid="105"/>
+                                        </p:tgtEl>
+                                        <p:attrNameLst>
+                                          <p:attrName>ppt_x</p:attrName>
+                                          <p:attrName>ppt_y</p:attrName>
+                                        </p:attrNameLst>
+                                      </p:cBhvr>
+                                      <p:rCtr x="0" y="6366"/>
+                                    </p:animMotion>
+                                  </p:childTnLst>
+                                </p:cTn>
+                              </p:par>
+                            </p:childTnLst>
+                          </p:cTn>
+                        </p:par>
+                        <p:par>
+                          <p:cTn id="11" fill="hold">
+                            <p:stCondLst>
+                              <p:cond delay="3000"/>
+                            </p:stCondLst>
+                            <p:childTnLst>
+                              <p:par>
+                                <p:cTn id="12" presetID="1" presetClass="entr" presetSubtype="0" fill="hold" grpId="0" nodeType="afterEffect" nodePh="1">
+                                  <p:stCondLst>
+                                    <p:cond delay="3000"/>
+                                  </p:stCondLst>
+                                  <p:endCondLst>
+                                    <p:cond evt="begin" delay="0">
+                                      <p:tn val="12"/>
+                                    </p:cond>
+                                  </p:endCondLst>
+                                  <p:childTnLst>
+                                    <p:set>
+                                      <p:cBhvr>
+                                        <p:cTn id="13" dur="1" fill="hold">
+                                          <p:stCondLst>
+                                            <p:cond delay="0"/>
+                                          </p:stCondLst>
+                                        </p:cTn>
+                                        <p:tgtEl>
+                                          <p:spTgt spid="15"/>
+                                        </p:tgtEl>
+                                        <p:attrNameLst>
+                                          <p:attrName>style.visibility</p:attrName>
+                                        </p:attrNameLst>
+                                      </p:cBhvr>
+                                      <p:to>
+                                        <p:strVal val="visible"/>
+                                      </p:to>
+                                    </p:set>
+                                  </p:childTnLst>
+                                </p:cTn>
+                              </p:par>
+                            </p:childTnLst>
+                          </p:cTn>
+                        </p:par>
+                      </p:childTnLst>
+                    </p:cTn>
+                  </p:par>
+                </p:childTnLst>
+              </p:cTn>
+              <p:prevCondLst>
+                <p:cond evt="onPrev" delay="0">
+                  <p:tgtEl>
+                    <p:sldTgt/>
+                  </p:tgtEl>
+                </p:cond>
+              </p:prevCondLst>
+              <p:nextCondLst>
+                <p:cond evt="onNext" delay="0">
+                  <p:tgtEl>
+                    <p:sldTgt/>
+                  </p:tgtEl>
+                </p:cond>
+              </p:nextCondLst>
+            </p:seq>
+          </p:childTnLst>
+        </p:cTn>
+      </p:par>
+    </p:tnLst>
+    <p:bldLst>
+      <p:bldP spid="15" grpId="0"/>
+      <p:bldP spid="105" grpId="0" animBg="1"/>
+      <p:bldP spid="106" grpId="0" animBg="1"/>
+      <p:bldP spid="107" grpId="0" animBg="1"/>
+    </p:bldLst>
+  </p:timing>
+</p:sld>
+</file>
+
+<file path=ppt/slides/slide4.xml><?xml version="1.0" encoding="utf-8"?>
+<p:sld xmlns:a="http://schemas.openxmlformats.org/drawingml/2006/main" xmlns:r="http://schemas.openxmlformats.org/officeDocument/2006/relationships" xmlns:p="http://schemas.openxmlformats.org/presentationml/2006/main">
+  <p:cSld>
+    <p:spTree>
+      <p:nvGrpSpPr>
+        <p:cNvPr id="1" name=""/>
+        <p:cNvGrpSpPr/>
+        <p:nvPr/>
+      </p:nvGrpSpPr>
+      <p:grpSpPr>
+        <a:xfrm>
+          <a:off x="0" y="0"/>
+          <a:ext cx="0" cy="0"/>
+          <a:chOff x="0" y="0"/>
+          <a:chExt cx="0" cy="0"/>
+        </a:xfrm>
+      </p:grpSpPr>
+      <p:sp>
+        <p:nvSpPr>
+          <p:cNvPr id="110" name="矩形 109"/>
+          <p:cNvSpPr/>
+          <p:nvPr/>
+        </p:nvSpPr>
+        <p:spPr>
+          <a:xfrm>
+            <a:off x="2882822" y="4348114"/>
+            <a:ext cx="716175" cy="515259"/>
+          </a:xfrm>
+          <a:prstGeom prst="rect">
+            <a:avLst/>
+          </a:prstGeom>
+          <a:solidFill>
+            <a:srgbClr val="00B0F0"/>
+          </a:solidFill>
+          <a:ln w="6350">
+            <a:solidFill>
+              <a:schemeClr val="tx1"/>
+            </a:solidFill>
+          </a:ln>
+        </p:spPr>
+        <p:style>
+          <a:lnRef idx="2">
+            <a:schemeClr val="accent1">
+              <a:shade val="50000"/>
+            </a:schemeClr>
+          </a:lnRef>
+          <a:fillRef idx="1">
+            <a:schemeClr val="accent1"/>
+          </a:fillRef>
+          <a:effectRef idx="0">
+            <a:schemeClr val="accent1"/>
+          </a:effectRef>
+          <a:fontRef idx="minor">
+            <a:schemeClr val="lt1"/>
+          </a:fontRef>
+        </p:style>
+        <p:txBody>
+          <a:bodyPr rtlCol="0" anchor="ctr"/>
+          <a:lstStyle/>
+          <a:p>
+            <a:pPr algn="ctr"/>
+            <a:r>
+              <a:rPr lang="en-US" altLang="zh-CN" sz="3200" dirty="0">
+                <a:solidFill>
+                  <a:sysClr val="windowText" lastClr="000000"/>
+                </a:solidFill>
+                <a:latin typeface="Times New Roman" panose="02020603050405020304" pitchFamily="18" charset="0"/>
+                <a:cs typeface="Times New Roman" panose="02020603050405020304" pitchFamily="18" charset="0"/>
+              </a:rPr>
+              <a:t>3</a:t>
+            </a:r>
+            <a:endParaRPr lang="zh-CN" altLang="en-US" sz="3200" dirty="0">
+              <a:solidFill>
+                <a:sysClr val="windowText" lastClr="000000"/>
+              </a:solidFill>
+              <a:latin typeface="Times New Roman" panose="02020603050405020304" pitchFamily="18" charset="0"/>
+              <a:cs typeface="Times New Roman" panose="02020603050405020304" pitchFamily="18" charset="0"/>
+            </a:endParaRPr>
+          </a:p>
+        </p:txBody>
+      </p:sp>
+      <p:sp>
+        <p:nvSpPr>
+          <p:cNvPr id="123" name="矩形 122"/>
+          <p:cNvSpPr/>
+          <p:nvPr/>
+        </p:nvSpPr>
+        <p:spPr>
+          <a:xfrm>
+            <a:off x="776159" y="4308396"/>
+            <a:ext cx="1518364" cy="584776"/>
+          </a:xfrm>
+          <a:prstGeom prst="rect">
+            <a:avLst/>
+          </a:prstGeom>
+        </p:spPr>
+        <p:txBody>
+          <a:bodyPr wrap="none">
+            <a:spAutoFit/>
+          </a:bodyPr>
+          <a:lstStyle/>
+          <a:p>
+            <a:r>
+              <a:rPr lang="zh-CN" altLang="en-US" sz="3200" dirty="0">
+                <a:latin typeface="Times New Roman" panose="02020603050405020304" pitchFamily="18" charset="0"/>
+                <a:cs typeface="Times New Roman" panose="02020603050405020304" pitchFamily="18" charset="0"/>
+              </a:rPr>
+              <a:t>parent</a:t>
+            </a:r>
+            <a:r>
+              <a:rPr lang="en-US" altLang="zh-CN" sz="3200" dirty="0">
+                <a:latin typeface="Times New Roman" panose="02020603050405020304" pitchFamily="18" charset="0"/>
+                <a:cs typeface="Times New Roman" panose="02020603050405020304" pitchFamily="18" charset="0"/>
+              </a:rPr>
+              <a:t>2</a:t>
+            </a:r>
+            <a:r>
+              <a:rPr lang="zh-CN" altLang="en-US" sz="3200" dirty="0">
+                <a:latin typeface="Times New Roman" panose="02020603050405020304" pitchFamily="18" charset="0"/>
+                <a:cs typeface="Times New Roman" panose="02020603050405020304" pitchFamily="18" charset="0"/>
+              </a:rPr>
+              <a:t> </a:t>
+            </a:r>
+          </a:p>
+        </p:txBody>
+      </p:sp>
+      <p:sp>
+        <p:nvSpPr>
+          <p:cNvPr id="197" name="矩形 196"/>
+          <p:cNvSpPr/>
+          <p:nvPr/>
+        </p:nvSpPr>
+        <p:spPr>
+          <a:xfrm>
+            <a:off x="3598996" y="4348114"/>
+            <a:ext cx="716175" cy="515259"/>
+          </a:xfrm>
+          <a:prstGeom prst="rect">
+            <a:avLst/>
+          </a:prstGeom>
+          <a:solidFill>
+            <a:srgbClr val="00B0F0"/>
+          </a:solidFill>
+          <a:ln w="6350">
+            <a:solidFill>
+              <a:schemeClr val="tx1"/>
+            </a:solidFill>
+          </a:ln>
+        </p:spPr>
+        <p:style>
+          <a:lnRef idx="2">
+            <a:schemeClr val="accent1">
+              <a:shade val="50000"/>
+            </a:schemeClr>
+          </a:lnRef>
+          <a:fillRef idx="1">
+            <a:schemeClr val="accent1"/>
+          </a:fillRef>
+          <a:effectRef idx="0">
+            <a:schemeClr val="accent1"/>
+          </a:effectRef>
+          <a:fontRef idx="minor">
+            <a:schemeClr val="lt1"/>
+          </a:fontRef>
+        </p:style>
+        <p:txBody>
+          <a:bodyPr rtlCol="0" anchor="ctr"/>
+          <a:lstStyle/>
+          <a:p>
+            <a:pPr algn="ctr"/>
+            <a:r>
+              <a:rPr lang="en-US" altLang="zh-CN" sz="3200" dirty="0">
+                <a:solidFill>
+                  <a:sysClr val="windowText" lastClr="000000"/>
+                </a:solidFill>
+                <a:latin typeface="Times New Roman" panose="02020603050405020304" pitchFamily="18" charset="0"/>
+                <a:cs typeface="Times New Roman" panose="02020603050405020304" pitchFamily="18" charset="0"/>
+              </a:rPr>
+              <a:t>5</a:t>
+            </a:r>
+            <a:endParaRPr lang="zh-CN" altLang="en-US" sz="3200" dirty="0">
+              <a:solidFill>
+                <a:sysClr val="windowText" lastClr="000000"/>
+              </a:solidFill>
+              <a:latin typeface="Times New Roman" panose="02020603050405020304" pitchFamily="18" charset="0"/>
+              <a:cs typeface="Times New Roman" panose="02020603050405020304" pitchFamily="18" charset="0"/>
+            </a:endParaRPr>
+          </a:p>
+        </p:txBody>
+      </p:sp>
+      <p:sp>
+        <p:nvSpPr>
+          <p:cNvPr id="198" name="矩形 197"/>
+          <p:cNvSpPr/>
+          <p:nvPr/>
+        </p:nvSpPr>
+        <p:spPr>
+          <a:xfrm>
+            <a:off x="4315171" y="4348114"/>
+            <a:ext cx="716175" cy="515259"/>
+          </a:xfrm>
+          <a:prstGeom prst="rect">
+            <a:avLst/>
+          </a:prstGeom>
+          <a:solidFill>
+            <a:srgbClr val="00B0F0"/>
+          </a:solidFill>
+          <a:ln w="6350">
+            <a:solidFill>
+              <a:schemeClr val="tx1"/>
+            </a:solidFill>
+          </a:ln>
+        </p:spPr>
+        <p:style>
+          <a:lnRef idx="2">
+            <a:schemeClr val="accent1">
+              <a:shade val="50000"/>
+            </a:schemeClr>
+          </a:lnRef>
+          <a:fillRef idx="1">
+            <a:schemeClr val="accent1"/>
+          </a:fillRef>
+          <a:effectRef idx="0">
+            <a:schemeClr val="accent1"/>
+          </a:effectRef>
+          <a:fontRef idx="minor">
+            <a:schemeClr val="lt1"/>
+          </a:fontRef>
+        </p:style>
+        <p:txBody>
+          <a:bodyPr rtlCol="0" anchor="ctr"/>
+          <a:lstStyle/>
+          <a:p>
+            <a:pPr algn="ctr"/>
+            <a:r>
+              <a:rPr lang="en-US" altLang="zh-CN" sz="3200" dirty="0">
+                <a:solidFill>
+                  <a:sysClr val="windowText" lastClr="000000"/>
+                </a:solidFill>
+                <a:latin typeface="Times New Roman" panose="02020603050405020304" pitchFamily="18" charset="0"/>
+                <a:cs typeface="Times New Roman" panose="02020603050405020304" pitchFamily="18" charset="0"/>
+              </a:rPr>
+              <a:t>8</a:t>
+            </a:r>
+            <a:endParaRPr lang="zh-CN" altLang="en-US" sz="3200" dirty="0">
+              <a:solidFill>
+                <a:sysClr val="windowText" lastClr="000000"/>
+              </a:solidFill>
+              <a:latin typeface="Times New Roman" panose="02020603050405020304" pitchFamily="18" charset="0"/>
+              <a:cs typeface="Times New Roman" panose="02020603050405020304" pitchFamily="18" charset="0"/>
+            </a:endParaRPr>
+          </a:p>
+        </p:txBody>
+      </p:sp>
+      <p:sp>
+        <p:nvSpPr>
+          <p:cNvPr id="199" name="矩形 198"/>
+          <p:cNvSpPr/>
+          <p:nvPr/>
+        </p:nvSpPr>
+        <p:spPr>
+          <a:xfrm>
+            <a:off x="5031346" y="4348114"/>
+            <a:ext cx="716175" cy="515259"/>
+          </a:xfrm>
+          <a:prstGeom prst="rect">
+            <a:avLst/>
+          </a:prstGeom>
+          <a:solidFill>
+            <a:srgbClr val="00B0F0"/>
+          </a:solidFill>
+          <a:ln w="6350">
+            <a:solidFill>
+              <a:schemeClr val="tx1"/>
+            </a:solidFill>
+          </a:ln>
+        </p:spPr>
+        <p:style>
+          <a:lnRef idx="2">
+            <a:schemeClr val="accent1">
+              <a:shade val="50000"/>
+            </a:schemeClr>
+          </a:lnRef>
+          <a:fillRef idx="1">
+            <a:schemeClr val="accent1"/>
+          </a:fillRef>
+          <a:effectRef idx="0">
+            <a:schemeClr val="accent1"/>
+          </a:effectRef>
+          <a:fontRef idx="minor">
+            <a:schemeClr val="lt1"/>
+          </a:fontRef>
+        </p:style>
+        <p:txBody>
+          <a:bodyPr rtlCol="0" anchor="ctr"/>
+          <a:lstStyle/>
+          <a:p>
+            <a:pPr algn="ctr"/>
+            <a:r>
+              <a:rPr lang="en-US" altLang="zh-CN" sz="3200" dirty="0">
+                <a:solidFill>
+                  <a:sysClr val="windowText" lastClr="000000"/>
+                </a:solidFill>
+                <a:latin typeface="Times New Roman" panose="02020603050405020304" pitchFamily="18" charset="0"/>
+                <a:cs typeface="Times New Roman" panose="02020603050405020304" pitchFamily="18" charset="0"/>
+              </a:rPr>
+              <a:t>1</a:t>
+            </a:r>
+            <a:endParaRPr lang="zh-CN" altLang="en-US" sz="3200" dirty="0">
+              <a:solidFill>
+                <a:sysClr val="windowText" lastClr="000000"/>
+              </a:solidFill>
+              <a:latin typeface="Times New Roman" panose="02020603050405020304" pitchFamily="18" charset="0"/>
+              <a:cs typeface="Times New Roman" panose="02020603050405020304" pitchFamily="18" charset="0"/>
+            </a:endParaRPr>
+          </a:p>
+        </p:txBody>
+      </p:sp>
+      <p:sp>
+        <p:nvSpPr>
+          <p:cNvPr id="200" name="矩形 199"/>
+          <p:cNvSpPr/>
+          <p:nvPr/>
+        </p:nvSpPr>
+        <p:spPr>
+          <a:xfrm>
+            <a:off x="5747520" y="4348114"/>
+            <a:ext cx="716175" cy="515259"/>
+          </a:xfrm>
+          <a:prstGeom prst="rect">
+            <a:avLst/>
+          </a:prstGeom>
+          <a:solidFill>
+            <a:srgbClr val="00B0F0"/>
+          </a:solidFill>
+          <a:ln w="6350">
+            <a:solidFill>
+              <a:schemeClr val="tx1"/>
+            </a:solidFill>
+          </a:ln>
+        </p:spPr>
+        <p:style>
+          <a:lnRef idx="2">
+            <a:schemeClr val="accent1">
+              <a:shade val="50000"/>
+            </a:schemeClr>
+          </a:lnRef>
+          <a:fillRef idx="1">
+            <a:schemeClr val="accent1"/>
+          </a:fillRef>
+          <a:effectRef idx="0">
+            <a:schemeClr val="accent1"/>
+          </a:effectRef>
+          <a:fontRef idx="minor">
+            <a:schemeClr val="lt1"/>
+          </a:fontRef>
+        </p:style>
+        <p:txBody>
+          <a:bodyPr rtlCol="0" anchor="ctr"/>
+          <a:lstStyle/>
+          <a:p>
+            <a:pPr algn="ctr"/>
+            <a:r>
+              <a:rPr lang="en-US" altLang="zh-CN" sz="3200" dirty="0">
+                <a:solidFill>
+                  <a:sysClr val="windowText" lastClr="000000"/>
+                </a:solidFill>
+                <a:latin typeface="Times New Roman" panose="02020603050405020304" pitchFamily="18" charset="0"/>
+                <a:cs typeface="Times New Roman" panose="02020603050405020304" pitchFamily="18" charset="0"/>
+              </a:rPr>
+              <a:t>7</a:t>
+            </a:r>
+            <a:endParaRPr lang="zh-CN" altLang="en-US" sz="3200" dirty="0">
+              <a:solidFill>
+                <a:sysClr val="windowText" lastClr="000000"/>
+              </a:solidFill>
+              <a:latin typeface="Times New Roman" panose="02020603050405020304" pitchFamily="18" charset="0"/>
+              <a:cs typeface="Times New Roman" panose="02020603050405020304" pitchFamily="18" charset="0"/>
+            </a:endParaRPr>
+          </a:p>
+        </p:txBody>
+      </p:sp>
+      <p:sp>
+        <p:nvSpPr>
+          <p:cNvPr id="201" name="矩形 200"/>
+          <p:cNvSpPr/>
+          <p:nvPr/>
+        </p:nvSpPr>
+        <p:spPr>
+          <a:xfrm>
+            <a:off x="6463695" y="4348114"/>
+            <a:ext cx="716175" cy="515259"/>
+          </a:xfrm>
+          <a:prstGeom prst="rect">
+            <a:avLst/>
+          </a:prstGeom>
+          <a:solidFill>
+            <a:srgbClr val="00B0F0"/>
+          </a:solidFill>
+          <a:ln w="6350">
+            <a:solidFill>
+              <a:schemeClr val="tx1"/>
+            </a:solidFill>
+          </a:ln>
+        </p:spPr>
+        <p:style>
+          <a:lnRef idx="2">
+            <a:schemeClr val="accent1">
+              <a:shade val="50000"/>
+            </a:schemeClr>
+          </a:lnRef>
+          <a:fillRef idx="1">
+            <a:schemeClr val="accent1"/>
+          </a:fillRef>
+          <a:effectRef idx="0">
+            <a:schemeClr val="accent1"/>
+          </a:effectRef>
+          <a:fontRef idx="minor">
+            <a:schemeClr val="lt1"/>
+          </a:fontRef>
+        </p:style>
+        <p:txBody>
+          <a:bodyPr rtlCol="0" anchor="ctr"/>
+          <a:lstStyle/>
+          <a:p>
+            <a:pPr algn="ctr"/>
+            <a:r>
+              <a:rPr lang="en-US" altLang="zh-CN" sz="3200" dirty="0">
+                <a:solidFill>
+                  <a:sysClr val="windowText" lastClr="000000"/>
+                </a:solidFill>
+                <a:latin typeface="Times New Roman" panose="02020603050405020304" pitchFamily="18" charset="0"/>
+                <a:cs typeface="Times New Roman" panose="02020603050405020304" pitchFamily="18" charset="0"/>
+              </a:rPr>
+              <a:t>4</a:t>
+            </a:r>
+            <a:endParaRPr lang="zh-CN" altLang="en-US" sz="3200" dirty="0">
+              <a:solidFill>
+                <a:sysClr val="windowText" lastClr="000000"/>
+              </a:solidFill>
+              <a:latin typeface="Times New Roman" panose="02020603050405020304" pitchFamily="18" charset="0"/>
+              <a:cs typeface="Times New Roman" panose="02020603050405020304" pitchFamily="18" charset="0"/>
+            </a:endParaRPr>
+          </a:p>
+        </p:txBody>
+      </p:sp>
+      <p:sp>
+        <p:nvSpPr>
+          <p:cNvPr id="202" name="矩形 201"/>
+          <p:cNvSpPr/>
+          <p:nvPr/>
+        </p:nvSpPr>
+        <p:spPr>
+          <a:xfrm>
+            <a:off x="7179870" y="4348114"/>
+            <a:ext cx="716175" cy="515259"/>
+          </a:xfrm>
+          <a:prstGeom prst="rect">
+            <a:avLst/>
+          </a:prstGeom>
+          <a:solidFill>
+            <a:srgbClr val="00B0F0"/>
+          </a:solidFill>
+          <a:ln w="6350">
+            <a:solidFill>
+              <a:schemeClr val="tx1"/>
+            </a:solidFill>
+          </a:ln>
+        </p:spPr>
+        <p:style>
+          <a:lnRef idx="2">
+            <a:schemeClr val="accent1">
+              <a:shade val="50000"/>
+            </a:schemeClr>
+          </a:lnRef>
+          <a:fillRef idx="1">
+            <a:schemeClr val="accent1"/>
+          </a:fillRef>
+          <a:effectRef idx="0">
+            <a:schemeClr val="accent1"/>
+          </a:effectRef>
+          <a:fontRef idx="minor">
+            <a:schemeClr val="lt1"/>
+          </a:fontRef>
+        </p:style>
+        <p:txBody>
+          <a:bodyPr rtlCol="0" anchor="ctr"/>
+          <a:lstStyle/>
+          <a:p>
+            <a:pPr algn="ctr"/>
+            <a:r>
+              <a:rPr lang="en-US" altLang="zh-CN" sz="3200" dirty="0">
+                <a:solidFill>
+                  <a:sysClr val="windowText" lastClr="000000"/>
+                </a:solidFill>
+                <a:latin typeface="Times New Roman" panose="02020603050405020304" pitchFamily="18" charset="0"/>
+                <a:cs typeface="Times New Roman" panose="02020603050405020304" pitchFamily="18" charset="0"/>
+              </a:rPr>
+              <a:t>2</a:t>
+            </a:r>
+            <a:endParaRPr lang="zh-CN" altLang="en-US" sz="3200" dirty="0">
+              <a:solidFill>
+                <a:sysClr val="windowText" lastClr="000000"/>
+              </a:solidFill>
+              <a:latin typeface="Times New Roman" panose="02020603050405020304" pitchFamily="18" charset="0"/>
+              <a:cs typeface="Times New Roman" panose="02020603050405020304" pitchFamily="18" charset="0"/>
+            </a:endParaRPr>
+          </a:p>
+        </p:txBody>
+      </p:sp>
+      <p:sp>
+        <p:nvSpPr>
+          <p:cNvPr id="203" name="矩形 202"/>
+          <p:cNvSpPr/>
+          <p:nvPr/>
+        </p:nvSpPr>
+        <p:spPr>
+          <a:xfrm>
+            <a:off x="7896044" y="4348114"/>
+            <a:ext cx="716175" cy="515259"/>
+          </a:xfrm>
+          <a:prstGeom prst="rect">
+            <a:avLst/>
+          </a:prstGeom>
+          <a:solidFill>
+            <a:srgbClr val="00B0F0"/>
+          </a:solidFill>
+          <a:ln w="6350">
+            <a:solidFill>
+              <a:schemeClr val="tx1"/>
+            </a:solidFill>
+          </a:ln>
+        </p:spPr>
+        <p:style>
+          <a:lnRef idx="2">
+            <a:schemeClr val="accent1">
+              <a:shade val="50000"/>
+            </a:schemeClr>
+          </a:lnRef>
+          <a:fillRef idx="1">
+            <a:schemeClr val="accent1"/>
+          </a:fillRef>
+          <a:effectRef idx="0">
+            <a:schemeClr val="accent1"/>
+          </a:effectRef>
+          <a:fontRef idx="minor">
+            <a:schemeClr val="lt1"/>
+          </a:fontRef>
+        </p:style>
+        <p:txBody>
+          <a:bodyPr rtlCol="0" anchor="ctr"/>
+          <a:lstStyle/>
+          <a:p>
+            <a:pPr algn="ctr"/>
+            <a:r>
+              <a:rPr lang="en-US" altLang="zh-CN" sz="3200" dirty="0">
+                <a:solidFill>
+                  <a:sysClr val="windowText" lastClr="000000"/>
+                </a:solidFill>
+                <a:latin typeface="Times New Roman" panose="02020603050405020304" pitchFamily="18" charset="0"/>
+                <a:cs typeface="Times New Roman" panose="02020603050405020304" pitchFamily="18" charset="0"/>
+              </a:rPr>
+              <a:t>6</a:t>
+            </a:r>
+            <a:endParaRPr lang="zh-CN" altLang="en-US" sz="3200" dirty="0">
+              <a:solidFill>
+                <a:sysClr val="windowText" lastClr="000000"/>
+              </a:solidFill>
+              <a:latin typeface="Times New Roman" panose="02020603050405020304" pitchFamily="18" charset="0"/>
+              <a:cs typeface="Times New Roman" panose="02020603050405020304" pitchFamily="18" charset="0"/>
+            </a:endParaRPr>
+          </a:p>
+        </p:txBody>
+      </p:sp>
+      <p:sp>
+        <p:nvSpPr>
+          <p:cNvPr id="204" name="矩形 203"/>
+          <p:cNvSpPr/>
+          <p:nvPr/>
+        </p:nvSpPr>
+        <p:spPr>
+          <a:xfrm>
+            <a:off x="2369181" y="369302"/>
+            <a:ext cx="5767541" cy="584775"/>
+          </a:xfrm>
+          <a:prstGeom prst="rect">
+            <a:avLst/>
+          </a:prstGeom>
+        </p:spPr>
+        <p:txBody>
+          <a:bodyPr wrap="none">
+            <a:spAutoFit/>
+          </a:bodyPr>
+          <a:lstStyle/>
+          <a:p>
+            <a:r>
+              <a:rPr lang="zh-CN" altLang="en-US" sz="3200" dirty="0">
+                <a:latin typeface="Times New Roman" panose="02020603050405020304" pitchFamily="18" charset="0"/>
+                <a:cs typeface="Times New Roman" panose="02020603050405020304" pitchFamily="18" charset="0"/>
+              </a:rPr>
+              <a:t>循环交叉（</a:t>
+            </a:r>
+            <a:r>
+              <a:rPr lang="en-US" altLang="zh-CN" sz="3200" dirty="0">
+                <a:latin typeface="Times New Roman" panose="02020603050405020304" pitchFamily="18" charset="0"/>
+                <a:cs typeface="Times New Roman" panose="02020603050405020304" pitchFamily="18" charset="0"/>
+              </a:rPr>
+              <a:t>Cycle crossover, CX)</a:t>
+            </a:r>
+            <a:endParaRPr lang="zh-CN" altLang="en-US" sz="3200" dirty="0">
+              <a:latin typeface="Times New Roman" panose="02020603050405020304" pitchFamily="18" charset="0"/>
+              <a:cs typeface="Times New Roman" panose="02020603050405020304" pitchFamily="18" charset="0"/>
+            </a:endParaRPr>
+          </a:p>
+        </p:txBody>
+      </p:sp>
+      <p:sp>
+        <p:nvSpPr>
+          <p:cNvPr id="47" name="矩形 46"/>
+          <p:cNvSpPr/>
+          <p:nvPr/>
+        </p:nvSpPr>
+        <p:spPr>
+          <a:xfrm>
+            <a:off x="6463693" y="4348114"/>
+            <a:ext cx="716175" cy="515259"/>
+          </a:xfrm>
+          <a:prstGeom prst="rect">
+            <a:avLst/>
+          </a:prstGeom>
+          <a:solidFill>
+            <a:srgbClr val="00B0F0"/>
+          </a:solidFill>
+          <a:ln w="6350">
+            <a:solidFill>
+              <a:schemeClr val="tx1"/>
+            </a:solidFill>
+          </a:ln>
+        </p:spPr>
+        <p:style>
+          <a:lnRef idx="2">
+            <a:schemeClr val="accent1">
+              <a:shade val="50000"/>
+            </a:schemeClr>
+          </a:lnRef>
+          <a:fillRef idx="1">
+            <a:schemeClr val="accent1"/>
+          </a:fillRef>
+          <a:effectRef idx="0">
+            <a:schemeClr val="accent1"/>
+          </a:effectRef>
+          <a:fontRef idx="minor">
+            <a:schemeClr val="lt1"/>
+          </a:fontRef>
+        </p:style>
+        <p:txBody>
+          <a:bodyPr rtlCol="0" anchor="ctr"/>
+          <a:lstStyle/>
+          <a:p>
+            <a:pPr algn="ctr"/>
+            <a:r>
+              <a:rPr lang="en-US" altLang="zh-CN" sz="3200" dirty="0">
+                <a:solidFill>
+                  <a:sysClr val="windowText" lastClr="000000"/>
+                </a:solidFill>
+                <a:latin typeface="Times New Roman" panose="02020603050405020304" pitchFamily="18" charset="0"/>
+                <a:cs typeface="Times New Roman" panose="02020603050405020304" pitchFamily="18" charset="0"/>
+              </a:rPr>
+              <a:t>4</a:t>
+            </a:r>
+            <a:endParaRPr lang="zh-CN" altLang="en-US" sz="3200" dirty="0">
+              <a:solidFill>
+                <a:sysClr val="windowText" lastClr="000000"/>
+              </a:solidFill>
+              <a:latin typeface="Times New Roman" panose="02020603050405020304" pitchFamily="18" charset="0"/>
+              <a:cs typeface="Times New Roman" panose="02020603050405020304" pitchFamily="18" charset="0"/>
+            </a:endParaRPr>
+          </a:p>
+        </p:txBody>
+      </p:sp>
+      <p:sp>
+        <p:nvSpPr>
+          <p:cNvPr id="15" name="矩形 14"/>
+          <p:cNvSpPr/>
+          <p:nvPr/>
+        </p:nvSpPr>
+        <p:spPr>
+          <a:xfrm>
+            <a:off x="9142880" y="6103351"/>
+            <a:ext cx="543596" cy="247246"/>
+          </a:xfrm>
+          <a:prstGeom prst="rect">
+            <a:avLst/>
+          </a:prstGeom>
+          <a:noFill/>
+          <a:ln>
+            <a:noFill/>
+          </a:ln>
+        </p:spPr>
+        <p:style>
+          <a:lnRef idx="2">
+            <a:schemeClr val="accent1">
+              <a:shade val="50000"/>
+            </a:schemeClr>
+          </a:lnRef>
+          <a:fillRef idx="1">
+            <a:schemeClr val="accent1"/>
+          </a:fillRef>
+          <a:effectRef idx="0">
+            <a:schemeClr val="accent1"/>
+          </a:effectRef>
+          <a:fontRef idx="minor">
+            <a:schemeClr val="lt1"/>
+          </a:fontRef>
+        </p:style>
+        <p:txBody>
+          <a:bodyPr rtlCol="0" anchor="ctr"/>
+          <a:lstStyle/>
+          <a:p>
+            <a:pPr algn="ctr"/>
+            <a:endParaRPr lang="zh-CN" altLang="en-US"/>
+          </a:p>
+        </p:txBody>
+      </p:sp>
+      <p:sp>
+        <p:nvSpPr>
+          <p:cNvPr id="37" name="矩形 36"/>
+          <p:cNvSpPr/>
+          <p:nvPr/>
+        </p:nvSpPr>
+        <p:spPr>
+          <a:xfrm>
+            <a:off x="788966" y="3138846"/>
+            <a:ext cx="1210588" cy="584775"/>
+          </a:xfrm>
+          <a:prstGeom prst="rect">
+            <a:avLst/>
+          </a:prstGeom>
+        </p:spPr>
+        <p:txBody>
+          <a:bodyPr wrap="none">
+            <a:spAutoFit/>
+          </a:bodyPr>
+          <a:lstStyle/>
+          <a:p>
+            <a:r>
+              <a:rPr lang="en-US" altLang="zh-CN" sz="3200" dirty="0">
+                <a:latin typeface="Times New Roman" panose="02020603050405020304" pitchFamily="18" charset="0"/>
+                <a:cs typeface="Times New Roman" panose="02020603050405020304" pitchFamily="18" charset="0"/>
+              </a:rPr>
+              <a:t>child1</a:t>
+            </a:r>
+            <a:endParaRPr lang="zh-CN" altLang="en-US" sz="3200" dirty="0">
+              <a:latin typeface="Times New Roman" panose="02020603050405020304" pitchFamily="18" charset="0"/>
+              <a:cs typeface="Times New Roman" panose="02020603050405020304" pitchFamily="18" charset="0"/>
+            </a:endParaRPr>
+          </a:p>
+        </p:txBody>
+      </p:sp>
+      <p:sp>
+        <p:nvSpPr>
+          <p:cNvPr id="109" name="矩形 108"/>
+          <p:cNvSpPr/>
+          <p:nvPr/>
+        </p:nvSpPr>
+        <p:spPr>
+          <a:xfrm>
+            <a:off x="4315168" y="3149188"/>
+            <a:ext cx="716175" cy="515259"/>
+          </a:xfrm>
+          <a:prstGeom prst="rect">
+            <a:avLst/>
+          </a:prstGeom>
+          <a:solidFill>
+            <a:srgbClr val="00B0F0"/>
+          </a:solidFill>
+          <a:ln w="6350">
+            <a:solidFill>
+              <a:schemeClr val="tx1"/>
+            </a:solidFill>
+          </a:ln>
+        </p:spPr>
+        <p:style>
+          <a:lnRef idx="2">
+            <a:schemeClr val="accent1">
+              <a:shade val="50000"/>
+            </a:schemeClr>
+          </a:lnRef>
+          <a:fillRef idx="1">
+            <a:schemeClr val="accent1"/>
+          </a:fillRef>
+          <a:effectRef idx="0">
+            <a:schemeClr val="accent1"/>
+          </a:effectRef>
+          <a:fontRef idx="minor">
+            <a:schemeClr val="lt1"/>
+          </a:fontRef>
+        </p:style>
+        <p:txBody>
+          <a:bodyPr rtlCol="0" anchor="ctr"/>
+          <a:lstStyle/>
+          <a:p>
+            <a:pPr algn="ctr"/>
+            <a:r>
+              <a:rPr lang="en-US" altLang="zh-CN" sz="3200" dirty="0">
+                <a:solidFill>
+                  <a:sysClr val="windowText" lastClr="000000"/>
+                </a:solidFill>
+                <a:latin typeface="Times New Roman" panose="02020603050405020304" pitchFamily="18" charset="0"/>
+                <a:cs typeface="Times New Roman" panose="02020603050405020304" pitchFamily="18" charset="0"/>
+              </a:rPr>
+              <a:t>8</a:t>
+            </a:r>
+            <a:endParaRPr lang="zh-CN" altLang="en-US" sz="3200" dirty="0">
+              <a:solidFill>
+                <a:sysClr val="windowText" lastClr="000000"/>
+              </a:solidFill>
+              <a:latin typeface="Times New Roman" panose="02020603050405020304" pitchFamily="18" charset="0"/>
+              <a:cs typeface="Times New Roman" panose="02020603050405020304" pitchFamily="18" charset="0"/>
+            </a:endParaRPr>
+          </a:p>
+        </p:txBody>
+      </p:sp>
+      <p:sp>
+        <p:nvSpPr>
+          <p:cNvPr id="111" name="矩形 110"/>
+          <p:cNvSpPr/>
+          <p:nvPr/>
+        </p:nvSpPr>
+        <p:spPr>
+          <a:xfrm>
+            <a:off x="5031343" y="3149121"/>
+            <a:ext cx="716175" cy="515259"/>
+          </a:xfrm>
+          <a:prstGeom prst="rect">
+            <a:avLst/>
+          </a:prstGeom>
+          <a:solidFill>
+            <a:srgbClr val="00B0F0"/>
+          </a:solidFill>
+          <a:ln w="6350">
+            <a:solidFill>
+              <a:schemeClr val="tx1"/>
+            </a:solidFill>
+          </a:ln>
+        </p:spPr>
+        <p:style>
+          <a:lnRef idx="2">
+            <a:schemeClr val="accent1">
+              <a:shade val="50000"/>
+            </a:schemeClr>
+          </a:lnRef>
+          <a:fillRef idx="1">
+            <a:schemeClr val="accent1"/>
+          </a:fillRef>
+          <a:effectRef idx="0">
+            <a:schemeClr val="accent1"/>
+          </a:effectRef>
+          <a:fontRef idx="minor">
+            <a:schemeClr val="lt1"/>
+          </a:fontRef>
+        </p:style>
+        <p:txBody>
+          <a:bodyPr rtlCol="0" anchor="ctr"/>
+          <a:lstStyle/>
+          <a:p>
+            <a:pPr algn="ctr"/>
+            <a:r>
+              <a:rPr lang="en-US" altLang="zh-CN" sz="3200" dirty="0">
+                <a:solidFill>
+                  <a:sysClr val="windowText" lastClr="000000"/>
+                </a:solidFill>
+                <a:latin typeface="Times New Roman" panose="02020603050405020304" pitchFamily="18" charset="0"/>
+                <a:cs typeface="Times New Roman" panose="02020603050405020304" pitchFamily="18" charset="0"/>
+              </a:rPr>
+              <a:t>1</a:t>
+            </a:r>
+            <a:endParaRPr lang="zh-CN" altLang="en-US" sz="3200" dirty="0">
+              <a:solidFill>
+                <a:sysClr val="windowText" lastClr="000000"/>
+              </a:solidFill>
+              <a:latin typeface="Times New Roman" panose="02020603050405020304" pitchFamily="18" charset="0"/>
+              <a:cs typeface="Times New Roman" panose="02020603050405020304" pitchFamily="18" charset="0"/>
+            </a:endParaRPr>
+          </a:p>
+        </p:txBody>
+      </p:sp>
+      <p:sp>
+        <p:nvSpPr>
+          <p:cNvPr id="112" name="矩形 111"/>
+          <p:cNvSpPr/>
+          <p:nvPr/>
+        </p:nvSpPr>
+        <p:spPr>
+          <a:xfrm>
+            <a:off x="7896037" y="3148392"/>
+            <a:ext cx="716175" cy="515259"/>
+          </a:xfrm>
+          <a:prstGeom prst="rect">
+            <a:avLst/>
+          </a:prstGeom>
+          <a:solidFill>
+            <a:srgbClr val="00B0F0"/>
+          </a:solidFill>
+          <a:ln w="6350">
+            <a:solidFill>
+              <a:schemeClr val="tx1"/>
+            </a:solidFill>
+          </a:ln>
+        </p:spPr>
+        <p:style>
+          <a:lnRef idx="2">
+            <a:schemeClr val="accent1">
+              <a:shade val="50000"/>
+            </a:schemeClr>
+          </a:lnRef>
+          <a:fillRef idx="1">
+            <a:schemeClr val="accent1"/>
+          </a:fillRef>
+          <a:effectRef idx="0">
+            <a:schemeClr val="accent1"/>
+          </a:effectRef>
+          <a:fontRef idx="minor">
+            <a:schemeClr val="lt1"/>
+          </a:fontRef>
+        </p:style>
+        <p:txBody>
+          <a:bodyPr rtlCol="0" anchor="ctr"/>
+          <a:lstStyle/>
+          <a:p>
+            <a:pPr algn="ctr"/>
+            <a:r>
+              <a:rPr lang="en-US" altLang="zh-CN" sz="3200" dirty="0">
+                <a:solidFill>
+                  <a:sysClr val="windowText" lastClr="000000"/>
+                </a:solidFill>
+                <a:latin typeface="Times New Roman" panose="02020603050405020304" pitchFamily="18" charset="0"/>
+                <a:cs typeface="Times New Roman" panose="02020603050405020304" pitchFamily="18" charset="0"/>
+              </a:rPr>
+              <a:t>6</a:t>
+            </a:r>
+            <a:endParaRPr lang="zh-CN" altLang="en-US" sz="3200" dirty="0">
+              <a:solidFill>
+                <a:sysClr val="windowText" lastClr="000000"/>
+              </a:solidFill>
+              <a:latin typeface="Times New Roman" panose="02020603050405020304" pitchFamily="18" charset="0"/>
+              <a:cs typeface="Times New Roman" panose="02020603050405020304" pitchFamily="18" charset="0"/>
+            </a:endParaRPr>
+          </a:p>
+        </p:txBody>
+      </p:sp>
+      <p:sp>
+        <p:nvSpPr>
+          <p:cNvPr id="113" name="矩形 112"/>
+          <p:cNvSpPr/>
+          <p:nvPr/>
+        </p:nvSpPr>
+        <p:spPr>
+          <a:xfrm>
+            <a:off x="6463688" y="3148326"/>
+            <a:ext cx="716175" cy="515259"/>
+          </a:xfrm>
+          <a:prstGeom prst="rect">
+            <a:avLst/>
+          </a:prstGeom>
+          <a:solidFill>
+            <a:srgbClr val="00B0F0"/>
+          </a:solidFill>
+          <a:ln w="6350">
+            <a:solidFill>
+              <a:schemeClr val="tx1"/>
+            </a:solidFill>
+          </a:ln>
+        </p:spPr>
+        <p:style>
+          <a:lnRef idx="2">
+            <a:schemeClr val="accent1">
+              <a:shade val="50000"/>
+            </a:schemeClr>
+          </a:lnRef>
+          <a:fillRef idx="1">
+            <a:schemeClr val="accent1"/>
+          </a:fillRef>
+          <a:effectRef idx="0">
+            <a:schemeClr val="accent1"/>
+          </a:effectRef>
+          <a:fontRef idx="minor">
+            <a:schemeClr val="lt1"/>
+          </a:fontRef>
+        </p:style>
+        <p:txBody>
+          <a:bodyPr rtlCol="0" anchor="ctr"/>
+          <a:lstStyle/>
+          <a:p>
+            <a:pPr algn="ctr"/>
+            <a:r>
+              <a:rPr lang="en-US" altLang="zh-CN" sz="3200" dirty="0">
+                <a:solidFill>
+                  <a:sysClr val="windowText" lastClr="000000"/>
+                </a:solidFill>
+                <a:latin typeface="Times New Roman" panose="02020603050405020304" pitchFamily="18" charset="0"/>
+                <a:cs typeface="Times New Roman" panose="02020603050405020304" pitchFamily="18" charset="0"/>
+              </a:rPr>
+              <a:t>4</a:t>
+            </a:r>
+            <a:endParaRPr lang="zh-CN" altLang="en-US" sz="3200" dirty="0">
+              <a:solidFill>
+                <a:sysClr val="windowText" lastClr="000000"/>
+              </a:solidFill>
+              <a:latin typeface="Times New Roman" panose="02020603050405020304" pitchFamily="18" charset="0"/>
+              <a:cs typeface="Times New Roman" panose="02020603050405020304" pitchFamily="18" charset="0"/>
+            </a:endParaRPr>
+          </a:p>
+        </p:txBody>
+      </p:sp>
+      <p:sp>
+        <p:nvSpPr>
+          <p:cNvPr id="114" name="矩形 113"/>
+          <p:cNvSpPr/>
+          <p:nvPr/>
+        </p:nvSpPr>
+        <p:spPr>
+          <a:xfrm>
+            <a:off x="2882822" y="3146013"/>
+            <a:ext cx="716175" cy="515259"/>
+          </a:xfrm>
+          <a:prstGeom prst="rect">
+            <a:avLst/>
+          </a:prstGeom>
+          <a:solidFill>
+            <a:srgbClr val="00B0F0"/>
+          </a:solidFill>
+          <a:ln w="6350">
+            <a:solidFill>
+              <a:schemeClr val="tx1"/>
+            </a:solidFill>
+          </a:ln>
+        </p:spPr>
+        <p:style>
+          <a:lnRef idx="2">
+            <a:schemeClr val="accent1">
+              <a:shade val="50000"/>
+            </a:schemeClr>
+          </a:lnRef>
+          <a:fillRef idx="1">
+            <a:schemeClr val="accent1"/>
+          </a:fillRef>
+          <a:effectRef idx="0">
+            <a:schemeClr val="accent1"/>
+          </a:effectRef>
+          <a:fontRef idx="minor">
+            <a:schemeClr val="lt1"/>
+          </a:fontRef>
+        </p:style>
+        <p:txBody>
+          <a:bodyPr rtlCol="0" anchor="ctr"/>
+          <a:lstStyle/>
+          <a:p>
+            <a:pPr algn="ctr"/>
+            <a:r>
+              <a:rPr lang="en-US" altLang="zh-CN" sz="3200" dirty="0">
+                <a:solidFill>
+                  <a:sysClr val="windowText" lastClr="000000"/>
+                </a:solidFill>
+                <a:latin typeface="Times New Roman" panose="02020603050405020304" pitchFamily="18" charset="0"/>
+                <a:cs typeface="Times New Roman" panose="02020603050405020304" pitchFamily="18" charset="0"/>
+              </a:rPr>
+              <a:t>3</a:t>
+            </a:r>
+            <a:endParaRPr lang="zh-CN" altLang="en-US" sz="3200" dirty="0">
+              <a:solidFill>
+                <a:sysClr val="windowText" lastClr="000000"/>
+              </a:solidFill>
+              <a:latin typeface="Times New Roman" panose="02020603050405020304" pitchFamily="18" charset="0"/>
+              <a:cs typeface="Times New Roman" panose="02020603050405020304" pitchFamily="18" charset="0"/>
+            </a:endParaRPr>
+          </a:p>
+        </p:txBody>
+      </p:sp>
+      <p:cxnSp>
+        <p:nvCxnSpPr>
+          <p:cNvPr id="115" name="直接箭头连接符 114"/>
+          <p:cNvCxnSpPr>
+            <a:stCxn id="110" idx="0"/>
+            <a:endCxn id="114" idx="2"/>
+          </p:cNvCxnSpPr>
+          <p:nvPr/>
+        </p:nvCxnSpPr>
+        <p:spPr>
+          <a:xfrm flipV="1">
+            <a:off x="3240910" y="3661272"/>
+            <a:ext cx="0" cy="686842"/>
+          </a:xfrm>
+          <a:prstGeom prst="straightConnector1">
+            <a:avLst/>
+          </a:prstGeom>
+          <a:ln w="19050">
+            <a:solidFill>
+              <a:srgbClr val="FF0000"/>
+            </a:solidFill>
+            <a:tailEnd type="triangle"/>
+          </a:ln>
+        </p:spPr>
+        <p:style>
+          <a:lnRef idx="1">
+            <a:schemeClr val="accent1"/>
+          </a:lnRef>
+          <a:fillRef idx="0">
+            <a:schemeClr val="accent1"/>
+          </a:fillRef>
+          <a:effectRef idx="0">
+            <a:schemeClr val="accent1"/>
+          </a:effectRef>
+          <a:fontRef idx="minor">
+            <a:schemeClr val="tx1"/>
+          </a:fontRef>
+        </p:style>
+      </p:cxnSp>
+      <p:cxnSp>
+        <p:nvCxnSpPr>
+          <p:cNvPr id="117" name="直接箭头连接符 116"/>
+          <p:cNvCxnSpPr>
+            <a:stCxn id="198" idx="0"/>
+            <a:endCxn id="109" idx="2"/>
+          </p:cNvCxnSpPr>
+          <p:nvPr/>
+        </p:nvCxnSpPr>
+        <p:spPr>
+          <a:xfrm flipH="1" flipV="1">
+            <a:off x="4673256" y="3664447"/>
+            <a:ext cx="3" cy="683667"/>
+          </a:xfrm>
+          <a:prstGeom prst="straightConnector1">
+            <a:avLst/>
+          </a:prstGeom>
+          <a:ln w="19050">
+            <a:solidFill>
+              <a:srgbClr val="FF0000"/>
+            </a:solidFill>
+            <a:tailEnd type="triangle"/>
+          </a:ln>
+        </p:spPr>
+        <p:style>
+          <a:lnRef idx="1">
+            <a:schemeClr val="accent1"/>
+          </a:lnRef>
+          <a:fillRef idx="0">
+            <a:schemeClr val="accent1"/>
+          </a:fillRef>
+          <a:effectRef idx="0">
+            <a:schemeClr val="accent1"/>
+          </a:effectRef>
+          <a:fontRef idx="minor">
+            <a:schemeClr val="tx1"/>
+          </a:fontRef>
+        </p:style>
+      </p:cxnSp>
+      <p:cxnSp>
+        <p:nvCxnSpPr>
+          <p:cNvPr id="120" name="直接箭头连接符 119"/>
+          <p:cNvCxnSpPr>
+            <a:stCxn id="199" idx="0"/>
+            <a:endCxn id="111" idx="2"/>
+          </p:cNvCxnSpPr>
+          <p:nvPr/>
+        </p:nvCxnSpPr>
+        <p:spPr>
+          <a:xfrm flipH="1" flipV="1">
+            <a:off x="5389431" y="3664380"/>
+            <a:ext cx="3" cy="683734"/>
+          </a:xfrm>
+          <a:prstGeom prst="straightConnector1">
+            <a:avLst/>
+          </a:prstGeom>
+          <a:ln w="19050">
+            <a:solidFill>
+              <a:srgbClr val="FF0000"/>
+            </a:solidFill>
+            <a:tailEnd type="triangle"/>
+          </a:ln>
+        </p:spPr>
+        <p:style>
+          <a:lnRef idx="1">
+            <a:schemeClr val="accent1"/>
+          </a:lnRef>
+          <a:fillRef idx="0">
+            <a:schemeClr val="accent1"/>
+          </a:fillRef>
+          <a:effectRef idx="0">
+            <a:schemeClr val="accent1"/>
+          </a:effectRef>
+          <a:fontRef idx="minor">
+            <a:schemeClr val="tx1"/>
+          </a:fontRef>
+        </p:style>
+      </p:cxnSp>
+      <p:cxnSp>
+        <p:nvCxnSpPr>
+          <p:cNvPr id="124" name="直接箭头连接符 123"/>
+          <p:cNvCxnSpPr>
+            <a:stCxn id="47" idx="0"/>
+            <a:endCxn id="113" idx="2"/>
+          </p:cNvCxnSpPr>
+          <p:nvPr/>
+        </p:nvCxnSpPr>
+        <p:spPr>
+          <a:xfrm flipH="1" flipV="1">
+            <a:off x="6821776" y="3663585"/>
+            <a:ext cx="5" cy="684529"/>
+          </a:xfrm>
+          <a:prstGeom prst="straightConnector1">
+            <a:avLst/>
+          </a:prstGeom>
+          <a:ln w="19050">
+            <a:solidFill>
+              <a:srgbClr val="FF0000"/>
+            </a:solidFill>
+            <a:tailEnd type="triangle"/>
+          </a:ln>
+        </p:spPr>
+        <p:style>
+          <a:lnRef idx="1">
+            <a:schemeClr val="accent1"/>
+          </a:lnRef>
+          <a:fillRef idx="0">
+            <a:schemeClr val="accent1"/>
+          </a:fillRef>
+          <a:effectRef idx="0">
+            <a:schemeClr val="accent1"/>
+          </a:effectRef>
+          <a:fontRef idx="minor">
+            <a:schemeClr val="tx1"/>
+          </a:fontRef>
+        </p:style>
+      </p:cxnSp>
+      <p:cxnSp>
+        <p:nvCxnSpPr>
+          <p:cNvPr id="126" name="直接箭头连接符 125"/>
+          <p:cNvCxnSpPr>
+            <a:stCxn id="203" idx="0"/>
+            <a:endCxn id="112" idx="2"/>
+          </p:cNvCxnSpPr>
+          <p:nvPr/>
+        </p:nvCxnSpPr>
+        <p:spPr>
+          <a:xfrm flipH="1" flipV="1">
+            <a:off x="8254125" y="3663651"/>
+            <a:ext cx="7" cy="684463"/>
+          </a:xfrm>
+          <a:prstGeom prst="straightConnector1">
+            <a:avLst/>
+          </a:prstGeom>
+          <a:ln w="19050">
+            <a:solidFill>
+              <a:srgbClr val="FF0000"/>
+            </a:solidFill>
+            <a:tailEnd type="triangle"/>
+          </a:ln>
+        </p:spPr>
+        <p:style>
+          <a:lnRef idx="1">
+            <a:schemeClr val="accent1"/>
+          </a:lnRef>
+          <a:fillRef idx="0">
+            <a:schemeClr val="accent1"/>
+          </a:fillRef>
+          <a:effectRef idx="0">
+            <a:schemeClr val="accent1"/>
+          </a:effectRef>
+          <a:fontRef idx="minor">
+            <a:schemeClr val="tx1"/>
+          </a:fontRef>
+        </p:style>
+      </p:cxnSp>
+      <p:sp>
+        <p:nvSpPr>
+          <p:cNvPr id="81" name="矩形 80">
+            <a:extLst>
+              <a:ext uri="{FF2B5EF4-FFF2-40B4-BE49-F238E27FC236}">
+                <a16:creationId xmlns:a16="http://schemas.microsoft.com/office/drawing/2014/main" id="{6603B9CD-BD8A-4A22-9BDF-E494251DE528}"/>
+              </a:ext>
+            </a:extLst>
+          </p:cNvPr>
+          <p:cNvSpPr/>
+          <p:nvPr/>
+        </p:nvSpPr>
+        <p:spPr>
+          <a:xfrm>
+            <a:off x="7179868" y="3146687"/>
+            <a:ext cx="716175" cy="515259"/>
+          </a:xfrm>
+          <a:prstGeom prst="rect">
+            <a:avLst/>
+          </a:prstGeom>
+          <a:solidFill>
+            <a:srgbClr val="FFC000"/>
+          </a:solidFill>
+          <a:ln w="6350">
+            <a:solidFill>
+              <a:schemeClr val="tx1"/>
+            </a:solidFill>
+          </a:ln>
+        </p:spPr>
+        <p:style>
+          <a:lnRef idx="2">
+            <a:schemeClr val="accent1">
+              <a:shade val="50000"/>
+            </a:schemeClr>
+          </a:lnRef>
+          <a:fillRef idx="1">
+            <a:schemeClr val="accent1"/>
+          </a:fillRef>
+          <a:effectRef idx="0">
+            <a:schemeClr val="accent1"/>
+          </a:effectRef>
+          <a:fontRef idx="minor">
+            <a:schemeClr val="lt1"/>
+          </a:fontRef>
+        </p:style>
+        <p:txBody>
+          <a:bodyPr rtlCol="0" anchor="ctr"/>
+          <a:lstStyle/>
+          <a:p>
+            <a:pPr algn="ctr"/>
+            <a:r>
+              <a:rPr lang="en-US" altLang="zh-CN" sz="3200" dirty="0">
+                <a:solidFill>
+                  <a:sysClr val="windowText" lastClr="000000"/>
+                </a:solidFill>
+                <a:latin typeface="Times New Roman" panose="02020603050405020304" pitchFamily="18" charset="0"/>
+                <a:cs typeface="Times New Roman" panose="02020603050405020304" pitchFamily="18" charset="0"/>
+              </a:rPr>
+              <a:t>7</a:t>
+            </a:r>
+            <a:endParaRPr lang="zh-CN" altLang="en-US" sz="3200" dirty="0">
+              <a:solidFill>
+                <a:sysClr val="windowText" lastClr="000000"/>
+              </a:solidFill>
+              <a:latin typeface="Times New Roman" panose="02020603050405020304" pitchFamily="18" charset="0"/>
+              <a:cs typeface="Times New Roman" panose="02020603050405020304" pitchFamily="18" charset="0"/>
+            </a:endParaRPr>
+          </a:p>
+        </p:txBody>
+      </p:sp>
+      <p:sp>
+        <p:nvSpPr>
+          <p:cNvPr id="82" name="矩形 81">
+            <a:extLst>
+              <a:ext uri="{FF2B5EF4-FFF2-40B4-BE49-F238E27FC236}">
+                <a16:creationId xmlns:a16="http://schemas.microsoft.com/office/drawing/2014/main" id="{B86A07CD-2DF7-4FEC-B7F7-B1ECAB588016}"/>
+              </a:ext>
+            </a:extLst>
+          </p:cNvPr>
+          <p:cNvSpPr/>
+          <p:nvPr/>
+        </p:nvSpPr>
+        <p:spPr>
+          <a:xfrm>
+            <a:off x="3598994" y="3146687"/>
+            <a:ext cx="716175" cy="515259"/>
+          </a:xfrm>
+          <a:prstGeom prst="rect">
+            <a:avLst/>
+          </a:prstGeom>
+          <a:solidFill>
+            <a:srgbClr val="FFC000"/>
+          </a:solidFill>
+          <a:ln w="6350">
+            <a:solidFill>
+              <a:schemeClr val="tx1"/>
+            </a:solidFill>
+          </a:ln>
+        </p:spPr>
+        <p:style>
+          <a:lnRef idx="2">
+            <a:schemeClr val="accent1">
+              <a:shade val="50000"/>
+            </a:schemeClr>
+          </a:lnRef>
+          <a:fillRef idx="1">
+            <a:schemeClr val="accent1"/>
+          </a:fillRef>
+          <a:effectRef idx="0">
+            <a:schemeClr val="accent1"/>
+          </a:effectRef>
+          <a:fontRef idx="minor">
+            <a:schemeClr val="lt1"/>
+          </a:fontRef>
+        </p:style>
+        <p:txBody>
+          <a:bodyPr rtlCol="0" anchor="ctr"/>
+          <a:lstStyle/>
+          <a:p>
+            <a:pPr algn="ctr"/>
+            <a:r>
+              <a:rPr lang="en-US" altLang="zh-CN" sz="3200" dirty="0">
+                <a:solidFill>
+                  <a:sysClr val="windowText" lastClr="000000"/>
+                </a:solidFill>
+                <a:latin typeface="Times New Roman" panose="02020603050405020304" pitchFamily="18" charset="0"/>
+                <a:cs typeface="Times New Roman" panose="02020603050405020304" pitchFamily="18" charset="0"/>
+              </a:rPr>
+              <a:t>2</a:t>
+            </a:r>
+            <a:endParaRPr lang="zh-CN" altLang="en-US" sz="3200" dirty="0">
+              <a:solidFill>
+                <a:sysClr val="windowText" lastClr="000000"/>
+              </a:solidFill>
+              <a:latin typeface="Times New Roman" panose="02020603050405020304" pitchFamily="18" charset="0"/>
+              <a:cs typeface="Times New Roman" panose="02020603050405020304" pitchFamily="18" charset="0"/>
+            </a:endParaRPr>
+          </a:p>
+        </p:txBody>
+      </p:sp>
+      <p:sp>
+        <p:nvSpPr>
+          <p:cNvPr id="83" name="矩形 82">
+            <a:extLst>
+              <a:ext uri="{FF2B5EF4-FFF2-40B4-BE49-F238E27FC236}">
+                <a16:creationId xmlns:a16="http://schemas.microsoft.com/office/drawing/2014/main" id="{A5898D4A-DF3D-484A-96B7-815E1B82CD43}"/>
+              </a:ext>
+            </a:extLst>
+          </p:cNvPr>
+          <p:cNvSpPr/>
+          <p:nvPr/>
+        </p:nvSpPr>
+        <p:spPr>
+          <a:xfrm>
+            <a:off x="5747518" y="3146687"/>
+            <a:ext cx="716175" cy="515259"/>
+          </a:xfrm>
+          <a:prstGeom prst="rect">
+            <a:avLst/>
+          </a:prstGeom>
+          <a:solidFill>
+            <a:srgbClr val="FFC000"/>
+          </a:solidFill>
+          <a:ln w="6350">
+            <a:solidFill>
+              <a:schemeClr val="tx1"/>
+            </a:solidFill>
+          </a:ln>
+        </p:spPr>
+        <p:style>
+          <a:lnRef idx="2">
+            <a:schemeClr val="accent1">
+              <a:shade val="50000"/>
+            </a:schemeClr>
+          </a:lnRef>
+          <a:fillRef idx="1">
+            <a:schemeClr val="accent1"/>
+          </a:fillRef>
+          <a:effectRef idx="0">
+            <a:schemeClr val="accent1"/>
+          </a:effectRef>
+          <a:fontRef idx="minor">
+            <a:schemeClr val="lt1"/>
+          </a:fontRef>
+        </p:style>
+        <p:txBody>
+          <a:bodyPr rtlCol="0" anchor="ctr"/>
+          <a:lstStyle/>
+          <a:p>
+            <a:pPr algn="ctr"/>
+            <a:r>
+              <a:rPr lang="en-US" altLang="zh-CN" sz="3200" dirty="0">
+                <a:solidFill>
+                  <a:sysClr val="windowText" lastClr="000000"/>
+                </a:solidFill>
+                <a:latin typeface="Times New Roman" panose="02020603050405020304" pitchFamily="18" charset="0"/>
+                <a:cs typeface="Times New Roman" panose="02020603050405020304" pitchFamily="18" charset="0"/>
+              </a:rPr>
+              <a:t>5</a:t>
+            </a:r>
+            <a:endParaRPr lang="zh-CN" altLang="en-US" sz="3200" dirty="0">
+              <a:solidFill>
+                <a:sysClr val="windowText" lastClr="000000"/>
+              </a:solidFill>
+              <a:latin typeface="Times New Roman" panose="02020603050405020304" pitchFamily="18" charset="0"/>
+              <a:cs typeface="Times New Roman" panose="02020603050405020304" pitchFamily="18" charset="0"/>
+            </a:endParaRPr>
+          </a:p>
+        </p:txBody>
+      </p:sp>
+    </p:spTree>
+    <p:extLst>
+      <p:ext uri="{BB962C8B-B14F-4D97-AF65-F5344CB8AC3E}">
+        <p14:creationId xmlns:p14="http://schemas.microsoft.com/office/powerpoint/2010/main" val="2511421663"/>
+      </p:ext>
+    </p:extLst>
+  </p:cSld>
+  <p:clrMapOvr>
+    <a:masterClrMapping/>
+  </p:clrMapOvr>
+  <p:timing>
+    <p:tnLst>
+      <p:par>
+        <p:cTn id="1" dur="indefinite" restart="never" nodeType="tmRoot">
+          <p:childTnLst>
+            <p:seq concurrent="1" nextAc="seek">
+              <p:cTn id="2" dur="indefinite" nodeType="mainSeq">
+                <p:childTnLst>
+                  <p:par>
+                    <p:cTn id="3" fill="hold">
+                      <p:stCondLst>
+                        <p:cond delay="indefinite"/>
+                        <p:cond evt="onBegin" delay="0">
+                          <p:tn val="2"/>
+                        </p:cond>
+                      </p:stCondLst>
+                      <p:childTnLst>
+                        <p:par>
+                          <p:cTn id="4" fill="hold">
+                            <p:stCondLst>
+                              <p:cond delay="0"/>
+                            </p:stCondLst>
+                            <p:childTnLst>
+                              <p:par>
+                                <p:cTn id="5" presetID="1" presetClass="entr" presetSubtype="0" fill="hold" grpId="0" nodeType="afterEffect">
+                                  <p:stCondLst>
+                                    <p:cond delay="1000"/>
+                                  </p:stCondLst>
+                                  <p:childTnLst>
+                                    <p:set>
+                                      <p:cBhvr>
+                                        <p:cTn id="6" dur="1" fill="hold">
+                                          <p:stCondLst>
+                                            <p:cond delay="0"/>
+                                          </p:stCondLst>
+                                        </p:cTn>
+                                        <p:tgtEl>
+                                          <p:spTgt spid="37"/>
+                                        </p:tgtEl>
+                                        <p:attrNameLst>
+                                          <p:attrName>style.visibility</p:attrName>
+                                        </p:attrNameLst>
+                                      </p:cBhvr>
+                                      <p:to>
+                                        <p:strVal val="visible"/>
+                                      </p:to>
+                                    </p:set>
+                                  </p:childTnLst>
+                                </p:cTn>
+                              </p:par>
+                            </p:childTnLst>
+                          </p:cTn>
+                        </p:par>
+                        <p:par>
+                          <p:cTn id="7" fill="hold">
+                            <p:stCondLst>
+                              <p:cond delay="1000"/>
+                            </p:stCondLst>
+                            <p:childTnLst>
+                              <p:par>
+                                <p:cTn id="8" presetID="1" presetClass="emph" presetSubtype="2" fill="hold" nodeType="afterEffect">
+                                  <p:stCondLst>
+                                    <p:cond delay="0"/>
+                                  </p:stCondLst>
+                                  <p:childTnLst>
+                                    <p:animClr clrSpc="rgb" dir="cw">
+                                      <p:cBhvr>
+                                        <p:cTn id="9" dur="2000" fill="hold"/>
+                                        <p:tgtEl>
+                                          <p:spTgt spid="197"/>
+                                        </p:tgtEl>
+                                        <p:attrNameLst>
+                                          <p:attrName>fillcolor</p:attrName>
+                                        </p:attrNameLst>
+                                      </p:cBhvr>
+                                      <p:to>
+                                        <a:srgbClr val="272625"/>
+                                      </p:to>
+                                    </p:animClr>
+                                    <p:set>
+                                      <p:cBhvr>
+                                        <p:cTn id="10" dur="2000" fill="hold"/>
+                                        <p:tgtEl>
+                                          <p:spTgt spid="197"/>
+                                        </p:tgtEl>
+                                        <p:attrNameLst>
+                                          <p:attrName>fill.type</p:attrName>
+                                        </p:attrNameLst>
+                                      </p:cBhvr>
+                                      <p:to>
+                                        <p:strVal val="solid"/>
+                                      </p:to>
+                                    </p:set>
+                                    <p:set>
+                                      <p:cBhvr>
+                                        <p:cTn id="11" dur="2000" fill="hold"/>
+                                        <p:tgtEl>
+                                          <p:spTgt spid="197"/>
+                                        </p:tgtEl>
+                                        <p:attrNameLst>
+                                          <p:attrName>fill.on</p:attrName>
+                                        </p:attrNameLst>
+                                      </p:cBhvr>
+                                      <p:to>
+                                        <p:strVal val="true"/>
+                                      </p:to>
+                                    </p:set>
+                                  </p:childTnLst>
+                                </p:cTn>
+                              </p:par>
+                              <p:par>
+                                <p:cTn id="12" presetID="1" presetClass="emph" presetSubtype="2" fill="hold" nodeType="withEffect">
+                                  <p:stCondLst>
+                                    <p:cond delay="0"/>
+                                  </p:stCondLst>
+                                  <p:childTnLst>
+                                    <p:animClr clrSpc="rgb" dir="cw">
+                                      <p:cBhvr>
+                                        <p:cTn id="13" dur="2000" fill="hold"/>
+                                        <p:tgtEl>
+                                          <p:spTgt spid="200"/>
+                                        </p:tgtEl>
+                                        <p:attrNameLst>
+                                          <p:attrName>fillcolor</p:attrName>
+                                        </p:attrNameLst>
+                                      </p:cBhvr>
+                                      <p:to>
+                                        <a:srgbClr val="272625"/>
+                                      </p:to>
+                                    </p:animClr>
+                                    <p:set>
+                                      <p:cBhvr>
+                                        <p:cTn id="14" dur="2000" fill="hold"/>
+                                        <p:tgtEl>
+                                          <p:spTgt spid="200"/>
+                                        </p:tgtEl>
+                                        <p:attrNameLst>
+                                          <p:attrName>fill.type</p:attrName>
+                                        </p:attrNameLst>
+                                      </p:cBhvr>
+                                      <p:to>
+                                        <p:strVal val="solid"/>
+                                      </p:to>
+                                    </p:set>
+                                    <p:set>
+                                      <p:cBhvr>
+                                        <p:cTn id="15" dur="2000" fill="hold"/>
+                                        <p:tgtEl>
+                                          <p:spTgt spid="200"/>
+                                        </p:tgtEl>
+                                        <p:attrNameLst>
+                                          <p:attrName>fill.on</p:attrName>
+                                        </p:attrNameLst>
+                                      </p:cBhvr>
+                                      <p:to>
+                                        <p:strVal val="true"/>
+                                      </p:to>
+                                    </p:set>
+                                  </p:childTnLst>
+                                </p:cTn>
+                              </p:par>
+                              <p:par>
+                                <p:cTn id="16" presetID="1" presetClass="emph" presetSubtype="2" fill="hold" nodeType="withEffect">
+                                  <p:stCondLst>
+                                    <p:cond delay="0"/>
+                                  </p:stCondLst>
+                                  <p:childTnLst>
+                                    <p:animClr clrSpc="rgb" dir="cw">
+                                      <p:cBhvr>
+                                        <p:cTn id="17" dur="2000" fill="hold"/>
+                                        <p:tgtEl>
+                                          <p:spTgt spid="202"/>
+                                        </p:tgtEl>
+                                        <p:attrNameLst>
+                                          <p:attrName>fillcolor</p:attrName>
+                                        </p:attrNameLst>
+                                      </p:cBhvr>
+                                      <p:to>
+                                        <a:srgbClr val="272625"/>
+                                      </p:to>
+                                    </p:animClr>
+                                    <p:set>
+                                      <p:cBhvr>
+                                        <p:cTn id="18" dur="2000" fill="hold"/>
+                                        <p:tgtEl>
+                                          <p:spTgt spid="202"/>
+                                        </p:tgtEl>
+                                        <p:attrNameLst>
+                                          <p:attrName>fill.type</p:attrName>
+                                        </p:attrNameLst>
+                                      </p:cBhvr>
+                                      <p:to>
+                                        <p:strVal val="solid"/>
+                                      </p:to>
+                                    </p:set>
+                                    <p:set>
+                                      <p:cBhvr>
+                                        <p:cTn id="19" dur="2000" fill="hold"/>
+                                        <p:tgtEl>
+                                          <p:spTgt spid="202"/>
+                                        </p:tgtEl>
+                                        <p:attrNameLst>
+                                          <p:attrName>fill.on</p:attrName>
+                                        </p:attrNameLst>
+                                      </p:cBhvr>
+                                      <p:to>
+                                        <p:strVal val="true"/>
+                                      </p:to>
+                                    </p:set>
+                                  </p:childTnLst>
+                                </p:cTn>
+                              </p:par>
+                            </p:childTnLst>
+                          </p:cTn>
+                        </p:par>
+                        <p:par>
+                          <p:cTn id="20" fill="hold">
+                            <p:stCondLst>
+                              <p:cond delay="3000"/>
+                            </p:stCondLst>
+                            <p:childTnLst>
+                              <p:par>
+                                <p:cTn id="21" presetID="22" presetClass="entr" presetSubtype="4" fill="hold" nodeType="afterEffect">
+                                  <p:stCondLst>
+                                    <p:cond delay="0"/>
+                                  </p:stCondLst>
+                                  <p:childTnLst>
+                                    <p:set>
+                                      <p:cBhvr>
+                                        <p:cTn id="22" dur="1" fill="hold">
+                                          <p:stCondLst>
+                                            <p:cond delay="0"/>
+                                          </p:stCondLst>
+                                        </p:cTn>
+                                        <p:tgtEl>
+                                          <p:spTgt spid="115"/>
+                                        </p:tgtEl>
+                                        <p:attrNameLst>
+                                          <p:attrName>style.visibility</p:attrName>
+                                        </p:attrNameLst>
+                                      </p:cBhvr>
+                                      <p:to>
+                                        <p:strVal val="visible"/>
+                                      </p:to>
+                                    </p:set>
+                                    <p:animEffect transition="in" filter="wipe(down)">
+                                      <p:cBhvr>
+                                        <p:cTn id="23" dur="1000"/>
+                                        <p:tgtEl>
+                                          <p:spTgt spid="115"/>
+                                        </p:tgtEl>
+                                      </p:cBhvr>
+                                    </p:animEffect>
+                                  </p:childTnLst>
+                                </p:cTn>
+                              </p:par>
+                              <p:par>
+                                <p:cTn id="24" presetID="22" presetClass="entr" presetSubtype="4" fill="hold" nodeType="withEffect">
+                                  <p:stCondLst>
+                                    <p:cond delay="0"/>
+                                  </p:stCondLst>
+                                  <p:childTnLst>
+                                    <p:set>
+                                      <p:cBhvr>
+                                        <p:cTn id="25" dur="1" fill="hold">
+                                          <p:stCondLst>
+                                            <p:cond delay="0"/>
+                                          </p:stCondLst>
+                                        </p:cTn>
+                                        <p:tgtEl>
+                                          <p:spTgt spid="117"/>
+                                        </p:tgtEl>
+                                        <p:attrNameLst>
+                                          <p:attrName>style.visibility</p:attrName>
+                                        </p:attrNameLst>
+                                      </p:cBhvr>
+                                      <p:to>
+                                        <p:strVal val="visible"/>
+                                      </p:to>
+                                    </p:set>
+                                    <p:animEffect transition="in" filter="wipe(down)">
+                                      <p:cBhvr>
+                                        <p:cTn id="26" dur="1000"/>
+                                        <p:tgtEl>
+                                          <p:spTgt spid="117"/>
+                                        </p:tgtEl>
+                                      </p:cBhvr>
+                                    </p:animEffect>
+                                  </p:childTnLst>
+                                </p:cTn>
+                              </p:par>
+                              <p:par>
+                                <p:cTn id="27" presetID="22" presetClass="entr" presetSubtype="4" fill="hold" nodeType="withEffect">
+                                  <p:stCondLst>
+                                    <p:cond delay="0"/>
+                                  </p:stCondLst>
+                                  <p:childTnLst>
+                                    <p:set>
+                                      <p:cBhvr>
+                                        <p:cTn id="28" dur="1" fill="hold">
+                                          <p:stCondLst>
+                                            <p:cond delay="0"/>
+                                          </p:stCondLst>
+                                        </p:cTn>
+                                        <p:tgtEl>
+                                          <p:spTgt spid="120"/>
+                                        </p:tgtEl>
+                                        <p:attrNameLst>
+                                          <p:attrName>style.visibility</p:attrName>
+                                        </p:attrNameLst>
+                                      </p:cBhvr>
+                                      <p:to>
+                                        <p:strVal val="visible"/>
+                                      </p:to>
+                                    </p:set>
+                                    <p:animEffect transition="in" filter="wipe(down)">
+                                      <p:cBhvr>
+                                        <p:cTn id="29" dur="1000"/>
+                                        <p:tgtEl>
+                                          <p:spTgt spid="120"/>
+                                        </p:tgtEl>
+                                      </p:cBhvr>
+                                    </p:animEffect>
+                                  </p:childTnLst>
+                                </p:cTn>
+                              </p:par>
+                              <p:par>
+                                <p:cTn id="30" presetID="22" presetClass="entr" presetSubtype="4" fill="hold" nodeType="withEffect">
+                                  <p:stCondLst>
+                                    <p:cond delay="0"/>
+                                  </p:stCondLst>
+                                  <p:childTnLst>
+                                    <p:set>
+                                      <p:cBhvr>
+                                        <p:cTn id="31" dur="1" fill="hold">
+                                          <p:stCondLst>
+                                            <p:cond delay="0"/>
+                                          </p:stCondLst>
+                                        </p:cTn>
+                                        <p:tgtEl>
+                                          <p:spTgt spid="124"/>
+                                        </p:tgtEl>
+                                        <p:attrNameLst>
+                                          <p:attrName>style.visibility</p:attrName>
+                                        </p:attrNameLst>
+                                      </p:cBhvr>
+                                      <p:to>
+                                        <p:strVal val="visible"/>
+                                      </p:to>
+                                    </p:set>
+                                    <p:animEffect transition="in" filter="wipe(down)">
+                                      <p:cBhvr>
+                                        <p:cTn id="32" dur="1000"/>
+                                        <p:tgtEl>
+                                          <p:spTgt spid="124"/>
+                                        </p:tgtEl>
+                                      </p:cBhvr>
+                                    </p:animEffect>
+                                  </p:childTnLst>
+                                </p:cTn>
+                              </p:par>
+                              <p:par>
+                                <p:cTn id="33" presetID="22" presetClass="entr" presetSubtype="4" fill="hold" nodeType="withEffect">
+                                  <p:stCondLst>
+                                    <p:cond delay="0"/>
+                                  </p:stCondLst>
+                                  <p:childTnLst>
+                                    <p:set>
+                                      <p:cBhvr>
+                                        <p:cTn id="34" dur="1" fill="hold">
+                                          <p:stCondLst>
+                                            <p:cond delay="0"/>
+                                          </p:stCondLst>
+                                        </p:cTn>
+                                        <p:tgtEl>
+                                          <p:spTgt spid="126"/>
+                                        </p:tgtEl>
+                                        <p:attrNameLst>
+                                          <p:attrName>style.visibility</p:attrName>
+                                        </p:attrNameLst>
+                                      </p:cBhvr>
+                                      <p:to>
+                                        <p:strVal val="visible"/>
+                                      </p:to>
+                                    </p:set>
+                                    <p:animEffect transition="in" filter="wipe(down)">
+                                      <p:cBhvr>
+                                        <p:cTn id="35" dur="1000"/>
+                                        <p:tgtEl>
+                                          <p:spTgt spid="126"/>
+                                        </p:tgtEl>
+                                      </p:cBhvr>
+                                    </p:animEffect>
+                                  </p:childTnLst>
+                                </p:cTn>
+                              </p:par>
+                            </p:childTnLst>
+                          </p:cTn>
+                        </p:par>
+                        <p:par>
+                          <p:cTn id="36" fill="hold">
+                            <p:stCondLst>
+                              <p:cond delay="4000"/>
+                            </p:stCondLst>
+                            <p:childTnLst>
+                              <p:par>
+                                <p:cTn id="37" presetID="1" presetClass="entr" presetSubtype="0" fill="hold" grpId="0" nodeType="afterEffect">
+                                  <p:stCondLst>
+                                    <p:cond delay="0"/>
+                                  </p:stCondLst>
+                                  <p:childTnLst>
+                                    <p:set>
+                                      <p:cBhvr>
+                                        <p:cTn id="38" dur="1" fill="hold">
+                                          <p:stCondLst>
+                                            <p:cond delay="0"/>
+                                          </p:stCondLst>
+                                        </p:cTn>
+                                        <p:tgtEl>
+                                          <p:spTgt spid="114"/>
+                                        </p:tgtEl>
+                                        <p:attrNameLst>
+                                          <p:attrName>style.visibility</p:attrName>
+                                        </p:attrNameLst>
+                                      </p:cBhvr>
+                                      <p:to>
+                                        <p:strVal val="visible"/>
+                                      </p:to>
+                                    </p:set>
+                                  </p:childTnLst>
+                                </p:cTn>
+                              </p:par>
+                            </p:childTnLst>
+                          </p:cTn>
+                        </p:par>
+                        <p:par>
+                          <p:cTn id="39" fill="hold">
+                            <p:stCondLst>
+                              <p:cond delay="4000"/>
+                            </p:stCondLst>
+                            <p:childTnLst>
+                              <p:par>
+                                <p:cTn id="40" presetID="1" presetClass="entr" presetSubtype="0" fill="hold" grpId="0" nodeType="afterEffect">
+                                  <p:stCondLst>
+                                    <p:cond delay="0"/>
+                                  </p:stCondLst>
+                                  <p:childTnLst>
+                                    <p:set>
+                                      <p:cBhvr>
+                                        <p:cTn id="41" dur="1" fill="hold">
+                                          <p:stCondLst>
+                                            <p:cond delay="0"/>
+                                          </p:stCondLst>
+                                        </p:cTn>
+                                        <p:tgtEl>
+                                          <p:spTgt spid="109"/>
+                                        </p:tgtEl>
+                                        <p:attrNameLst>
+                                          <p:attrName>style.visibility</p:attrName>
+                                        </p:attrNameLst>
+                                      </p:cBhvr>
+                                      <p:to>
+                                        <p:strVal val="visible"/>
+                                      </p:to>
+                                    </p:set>
+                                  </p:childTnLst>
+                                </p:cTn>
+                              </p:par>
+                            </p:childTnLst>
+                          </p:cTn>
+                        </p:par>
+                        <p:par>
+                          <p:cTn id="42" fill="hold">
+                            <p:stCondLst>
+                              <p:cond delay="4000"/>
+                            </p:stCondLst>
+                            <p:childTnLst>
+                              <p:par>
+                                <p:cTn id="43" presetID="1" presetClass="entr" presetSubtype="0" fill="hold" grpId="0" nodeType="afterEffect">
+                                  <p:stCondLst>
+                                    <p:cond delay="0"/>
+                                  </p:stCondLst>
+                                  <p:childTnLst>
+                                    <p:set>
+                                      <p:cBhvr>
+                                        <p:cTn id="44" dur="1" fill="hold">
+                                          <p:stCondLst>
+                                            <p:cond delay="0"/>
+                                          </p:stCondLst>
+                                        </p:cTn>
+                                        <p:tgtEl>
+                                          <p:spTgt spid="111"/>
+                                        </p:tgtEl>
+                                        <p:attrNameLst>
+                                          <p:attrName>style.visibility</p:attrName>
+                                        </p:attrNameLst>
+                                      </p:cBhvr>
+                                      <p:to>
+                                        <p:strVal val="visible"/>
+                                      </p:to>
+                                    </p:set>
+                                  </p:childTnLst>
+                                </p:cTn>
+                              </p:par>
+                            </p:childTnLst>
+                          </p:cTn>
+                        </p:par>
+                        <p:par>
+                          <p:cTn id="45" fill="hold">
+                            <p:stCondLst>
+                              <p:cond delay="4000"/>
+                            </p:stCondLst>
+                            <p:childTnLst>
+                              <p:par>
+                                <p:cTn id="46" presetID="1" presetClass="entr" presetSubtype="0" fill="hold" grpId="0" nodeType="afterEffect">
+                                  <p:stCondLst>
+                                    <p:cond delay="0"/>
+                                  </p:stCondLst>
+                                  <p:childTnLst>
+                                    <p:set>
+                                      <p:cBhvr>
+                                        <p:cTn id="47" dur="1" fill="hold">
+                                          <p:stCondLst>
+                                            <p:cond delay="0"/>
+                                          </p:stCondLst>
+                                        </p:cTn>
+                                        <p:tgtEl>
+                                          <p:spTgt spid="113"/>
+                                        </p:tgtEl>
+                                        <p:attrNameLst>
+                                          <p:attrName>style.visibility</p:attrName>
+                                        </p:attrNameLst>
+                                      </p:cBhvr>
+                                      <p:to>
+                                        <p:strVal val="visible"/>
+                                      </p:to>
+                                    </p:set>
+                                  </p:childTnLst>
+                                </p:cTn>
+                              </p:par>
+                            </p:childTnLst>
+                          </p:cTn>
+                        </p:par>
+                        <p:par>
+                          <p:cTn id="48" fill="hold">
+                            <p:stCondLst>
+                              <p:cond delay="4000"/>
+                            </p:stCondLst>
+                            <p:childTnLst>
+                              <p:par>
+                                <p:cTn id="49" presetID="1" presetClass="entr" presetSubtype="0" fill="hold" grpId="0" nodeType="afterEffect">
+                                  <p:stCondLst>
+                                    <p:cond delay="0"/>
+                                  </p:stCondLst>
+                                  <p:childTnLst>
+                                    <p:set>
+                                      <p:cBhvr>
+                                        <p:cTn id="50" dur="1" fill="hold">
+                                          <p:stCondLst>
+                                            <p:cond delay="0"/>
+                                          </p:stCondLst>
+                                        </p:cTn>
+                                        <p:tgtEl>
+                                          <p:spTgt spid="112"/>
+                                        </p:tgtEl>
+                                        <p:attrNameLst>
+                                          <p:attrName>style.visibility</p:attrName>
+                                        </p:attrNameLst>
+                                      </p:cBhvr>
+                                      <p:to>
+                                        <p:strVal val="visible"/>
+                                      </p:to>
+                                    </p:set>
+                                  </p:childTnLst>
+                                </p:cTn>
+                              </p:par>
+                            </p:childTnLst>
+                          </p:cTn>
+                        </p:par>
+                        <p:par>
+                          <p:cTn id="51" fill="hold">
+                            <p:stCondLst>
+                              <p:cond delay="4000"/>
+                            </p:stCondLst>
+                            <p:childTnLst>
+                              <p:par>
+                                <p:cTn id="52" presetID="1" presetClass="exit" presetSubtype="0" fill="hold" nodeType="afterEffect">
+                                  <p:stCondLst>
+                                    <p:cond delay="500"/>
+                                  </p:stCondLst>
+                                  <p:childTnLst>
+                                    <p:set>
+                                      <p:cBhvr>
+                                        <p:cTn id="53" dur="1" fill="hold">
+                                          <p:stCondLst>
+                                            <p:cond delay="0"/>
+                                          </p:stCondLst>
+                                        </p:cTn>
+                                        <p:tgtEl>
+                                          <p:spTgt spid="115"/>
+                                        </p:tgtEl>
+                                        <p:attrNameLst>
+                                          <p:attrName>style.visibility</p:attrName>
+                                        </p:attrNameLst>
+                                      </p:cBhvr>
+                                      <p:to>
+                                        <p:strVal val="hidden"/>
+                                      </p:to>
+                                    </p:set>
+                                  </p:childTnLst>
+                                </p:cTn>
+                              </p:par>
+                              <p:par>
+                                <p:cTn id="54" presetID="1" presetClass="exit" presetSubtype="0" fill="hold" nodeType="withEffect">
+                                  <p:stCondLst>
+                                    <p:cond delay="500"/>
+                                  </p:stCondLst>
+                                  <p:childTnLst>
+                                    <p:set>
+                                      <p:cBhvr>
+                                        <p:cTn id="55" dur="1" fill="hold">
+                                          <p:stCondLst>
+                                            <p:cond delay="0"/>
+                                          </p:stCondLst>
+                                        </p:cTn>
+                                        <p:tgtEl>
+                                          <p:spTgt spid="117"/>
+                                        </p:tgtEl>
+                                        <p:attrNameLst>
+                                          <p:attrName>style.visibility</p:attrName>
+                                        </p:attrNameLst>
+                                      </p:cBhvr>
+                                      <p:to>
+                                        <p:strVal val="hidden"/>
+                                      </p:to>
+                                    </p:set>
+                                  </p:childTnLst>
+                                </p:cTn>
+                              </p:par>
+                              <p:par>
+                                <p:cTn id="56" presetID="1" presetClass="exit" presetSubtype="0" fill="hold" nodeType="withEffect">
+                                  <p:stCondLst>
+                                    <p:cond delay="500"/>
+                                  </p:stCondLst>
+                                  <p:childTnLst>
+                                    <p:set>
+                                      <p:cBhvr>
+                                        <p:cTn id="57" dur="1" fill="hold">
+                                          <p:stCondLst>
+                                            <p:cond delay="0"/>
+                                          </p:stCondLst>
+                                        </p:cTn>
+                                        <p:tgtEl>
+                                          <p:spTgt spid="120"/>
+                                        </p:tgtEl>
+                                        <p:attrNameLst>
+                                          <p:attrName>style.visibility</p:attrName>
+                                        </p:attrNameLst>
+                                      </p:cBhvr>
+                                      <p:to>
+                                        <p:strVal val="hidden"/>
+                                      </p:to>
+                                    </p:set>
+                                  </p:childTnLst>
+                                </p:cTn>
+                              </p:par>
+                              <p:par>
+                                <p:cTn id="58" presetID="1" presetClass="exit" presetSubtype="0" fill="hold" nodeType="withEffect">
+                                  <p:stCondLst>
+                                    <p:cond delay="500"/>
+                                  </p:stCondLst>
+                                  <p:childTnLst>
+                                    <p:set>
+                                      <p:cBhvr>
+                                        <p:cTn id="59" dur="1" fill="hold">
+                                          <p:stCondLst>
+                                            <p:cond delay="0"/>
+                                          </p:stCondLst>
+                                        </p:cTn>
+                                        <p:tgtEl>
+                                          <p:spTgt spid="124"/>
+                                        </p:tgtEl>
+                                        <p:attrNameLst>
+                                          <p:attrName>style.visibility</p:attrName>
+                                        </p:attrNameLst>
+                                      </p:cBhvr>
+                                      <p:to>
+                                        <p:strVal val="hidden"/>
+                                      </p:to>
+                                    </p:set>
+                                  </p:childTnLst>
+                                </p:cTn>
+                              </p:par>
+                              <p:par>
+                                <p:cTn id="60" presetID="1" presetClass="exit" presetSubtype="0" fill="hold" nodeType="withEffect">
+                                  <p:stCondLst>
+                                    <p:cond delay="500"/>
+                                  </p:stCondLst>
+                                  <p:childTnLst>
+                                    <p:set>
+                                      <p:cBhvr>
+                                        <p:cTn id="61" dur="1" fill="hold">
+                                          <p:stCondLst>
+                                            <p:cond delay="0"/>
+                                          </p:stCondLst>
+                                        </p:cTn>
+                                        <p:tgtEl>
+                                          <p:spTgt spid="126"/>
+                                        </p:tgtEl>
+                                        <p:attrNameLst>
+                                          <p:attrName>style.visibility</p:attrName>
+                                        </p:attrNameLst>
+                                      </p:cBhvr>
+                                      <p:to>
+                                        <p:strVal val="hidden"/>
+                                      </p:to>
+                                    </p:set>
+                                  </p:childTnLst>
+                                </p:cTn>
+                              </p:par>
+                              <p:par>
+                                <p:cTn id="62" presetID="1" presetClass="emph" presetSubtype="2" fill="hold" nodeType="withEffect">
+                                  <p:stCondLst>
+                                    <p:cond delay="500"/>
+                                  </p:stCondLst>
+                                  <p:childTnLst>
+                                    <p:animClr clrSpc="rgb" dir="cw">
+                                      <p:cBhvr>
+                                        <p:cTn id="63" dur="500" fill="hold"/>
+                                        <p:tgtEl>
+                                          <p:spTgt spid="197"/>
+                                        </p:tgtEl>
+                                        <p:attrNameLst>
+                                          <p:attrName>fillcolor</p:attrName>
+                                        </p:attrNameLst>
+                                      </p:cBhvr>
+                                      <p:to>
+                                        <a:srgbClr val="00B0F0"/>
+                                      </p:to>
+                                    </p:animClr>
+                                    <p:set>
+                                      <p:cBhvr>
+                                        <p:cTn id="64" dur="500" fill="hold"/>
+                                        <p:tgtEl>
+                                          <p:spTgt spid="197"/>
+                                        </p:tgtEl>
+                                        <p:attrNameLst>
+                                          <p:attrName>fill.type</p:attrName>
+                                        </p:attrNameLst>
+                                      </p:cBhvr>
+                                      <p:to>
+                                        <p:strVal val="solid"/>
+                                      </p:to>
+                                    </p:set>
+                                    <p:set>
+                                      <p:cBhvr>
+                                        <p:cTn id="65" dur="500" fill="hold"/>
+                                        <p:tgtEl>
+                                          <p:spTgt spid="197"/>
+                                        </p:tgtEl>
+                                        <p:attrNameLst>
+                                          <p:attrName>fill.on</p:attrName>
+                                        </p:attrNameLst>
+                                      </p:cBhvr>
+                                      <p:to>
+                                        <p:strVal val="true"/>
+                                      </p:to>
+                                    </p:set>
+                                  </p:childTnLst>
+                                </p:cTn>
+                              </p:par>
+                              <p:par>
+                                <p:cTn id="66" presetID="1" presetClass="emph" presetSubtype="2" fill="hold" nodeType="withEffect">
+                                  <p:stCondLst>
+                                    <p:cond delay="500"/>
+                                  </p:stCondLst>
+                                  <p:childTnLst>
+                                    <p:animClr clrSpc="rgb" dir="cw">
+                                      <p:cBhvr>
+                                        <p:cTn id="67" dur="500" fill="hold"/>
+                                        <p:tgtEl>
+                                          <p:spTgt spid="200"/>
+                                        </p:tgtEl>
+                                        <p:attrNameLst>
+                                          <p:attrName>fillcolor</p:attrName>
+                                        </p:attrNameLst>
+                                      </p:cBhvr>
+                                      <p:to>
+                                        <a:srgbClr val="00AAF0"/>
+                                      </p:to>
+                                    </p:animClr>
+                                    <p:set>
+                                      <p:cBhvr>
+                                        <p:cTn id="68" dur="500" fill="hold"/>
+                                        <p:tgtEl>
+                                          <p:spTgt spid="200"/>
+                                        </p:tgtEl>
+                                        <p:attrNameLst>
+                                          <p:attrName>fill.type</p:attrName>
+                                        </p:attrNameLst>
+                                      </p:cBhvr>
+                                      <p:to>
+                                        <p:strVal val="solid"/>
+                                      </p:to>
+                                    </p:set>
+                                    <p:set>
+                                      <p:cBhvr>
+                                        <p:cTn id="69" dur="500" fill="hold"/>
+                                        <p:tgtEl>
+                                          <p:spTgt spid="200"/>
+                                        </p:tgtEl>
+                                        <p:attrNameLst>
+                                          <p:attrName>fill.on</p:attrName>
+                                        </p:attrNameLst>
+                                      </p:cBhvr>
+                                      <p:to>
+                                        <p:strVal val="true"/>
+                                      </p:to>
+                                    </p:set>
+                                  </p:childTnLst>
+                                </p:cTn>
+                              </p:par>
+                              <p:par>
+                                <p:cTn id="70" presetID="1" presetClass="emph" presetSubtype="2" fill="hold" nodeType="withEffect">
+                                  <p:stCondLst>
+                                    <p:cond delay="500"/>
+                                  </p:stCondLst>
+                                  <p:childTnLst>
+                                    <p:animClr clrSpc="rgb" dir="cw">
+                                      <p:cBhvr>
+                                        <p:cTn id="71" dur="500" fill="hold"/>
+                                        <p:tgtEl>
+                                          <p:spTgt spid="202"/>
+                                        </p:tgtEl>
+                                        <p:attrNameLst>
+                                          <p:attrName>fillcolor</p:attrName>
+                                        </p:attrNameLst>
+                                      </p:cBhvr>
+                                      <p:to>
+                                        <a:srgbClr val="00AAF0"/>
+                                      </p:to>
+                                    </p:animClr>
+                                    <p:set>
+                                      <p:cBhvr>
+                                        <p:cTn id="72" dur="500" fill="hold"/>
+                                        <p:tgtEl>
+                                          <p:spTgt spid="202"/>
+                                        </p:tgtEl>
+                                        <p:attrNameLst>
+                                          <p:attrName>fill.type</p:attrName>
+                                        </p:attrNameLst>
+                                      </p:cBhvr>
+                                      <p:to>
+                                        <p:strVal val="solid"/>
+                                      </p:to>
+                                    </p:set>
+                                    <p:set>
+                                      <p:cBhvr>
+                                        <p:cTn id="73" dur="500" fill="hold"/>
+                                        <p:tgtEl>
+                                          <p:spTgt spid="202"/>
+                                        </p:tgtEl>
+                                        <p:attrNameLst>
+                                          <p:attrName>fill.on</p:attrName>
+                                        </p:attrNameLst>
+                                      </p:cBhvr>
+                                      <p:to>
+                                        <p:strVal val="true"/>
+                                      </p:to>
+                                    </p:set>
+                                  </p:childTnLst>
+                                </p:cTn>
+                              </p:par>
+                            </p:childTnLst>
+                          </p:cTn>
+                        </p:par>
+                        <p:par>
+                          <p:cTn id="74" fill="hold">
+                            <p:stCondLst>
+                              <p:cond delay="5000"/>
+                            </p:stCondLst>
+                            <p:childTnLst>
+                              <p:par>
+                                <p:cTn id="75" presetID="1" presetClass="entr" presetSubtype="0" fill="hold" grpId="0" nodeType="afterEffect" nodePh="1">
+                                  <p:stCondLst>
+                                    <p:cond delay="3000"/>
+                                  </p:stCondLst>
+                                  <p:endCondLst>
+                                    <p:cond evt="begin" delay="0">
+                                      <p:tn val="75"/>
+                                    </p:cond>
+                                  </p:endCondLst>
+                                  <p:childTnLst>
+                                    <p:set>
+                                      <p:cBhvr>
+                                        <p:cTn id="76" dur="1" fill="hold">
+                                          <p:stCondLst>
+                                            <p:cond delay="0"/>
+                                          </p:stCondLst>
+                                        </p:cTn>
+                                        <p:tgtEl>
+                                          <p:spTgt spid="15"/>
+                                        </p:tgtEl>
+                                        <p:attrNameLst>
+                                          <p:attrName>style.visibility</p:attrName>
+                                        </p:attrNameLst>
+                                      </p:cBhvr>
+                                      <p:to>
+                                        <p:strVal val="visible"/>
+                                      </p:to>
+                                    </p:set>
+                                  </p:childTnLst>
+                                </p:cTn>
+                              </p:par>
+                              <p:par>
+                                <p:cTn id="77" presetID="42" presetClass="path" presetSubtype="0" accel="50000" decel="50000" fill="hold" grpId="0" nodeType="withEffect">
+                                  <p:stCondLst>
+                                    <p:cond delay="1000"/>
+                                  </p:stCondLst>
+                                  <p:childTnLst>
+                                    <p:animMotion origin="layout" path="M 8.33333E-7 -2.22222E-6 L 0.00013 0.12732 " pathEditMode="relative" rAng="0" ptsTypes="AA">
+                                      <p:cBhvr>
+                                        <p:cTn id="78" dur="2000" fill="hold"/>
+                                        <p:tgtEl>
+                                          <p:spTgt spid="82"/>
+                                        </p:tgtEl>
+                                        <p:attrNameLst>
+                                          <p:attrName>ppt_x</p:attrName>
+                                          <p:attrName>ppt_y</p:attrName>
+                                        </p:attrNameLst>
+                                      </p:cBhvr>
+                                      <p:rCtr x="0" y="6366"/>
+                                    </p:animMotion>
+                                  </p:childTnLst>
+                                </p:cTn>
+                              </p:par>
+                              <p:par>
+                                <p:cTn id="79" presetID="42" presetClass="path" presetSubtype="0" accel="50000" decel="50000" fill="hold" grpId="0" nodeType="withEffect">
+                                  <p:stCondLst>
+                                    <p:cond delay="1000"/>
+                                  </p:stCondLst>
+                                  <p:childTnLst>
+                                    <p:animMotion origin="layout" path="M -1.25E-6 -2.22222E-6 L -1.25E-6 0.12709 " pathEditMode="relative" rAng="0" ptsTypes="AA">
+                                      <p:cBhvr>
+                                        <p:cTn id="80" dur="2000" fill="hold"/>
+                                        <p:tgtEl>
+                                          <p:spTgt spid="83"/>
+                                        </p:tgtEl>
+                                        <p:attrNameLst>
+                                          <p:attrName>ppt_x</p:attrName>
+                                          <p:attrName>ppt_y</p:attrName>
+                                        </p:attrNameLst>
+                                      </p:cBhvr>
+                                      <p:rCtr x="0" y="6343"/>
+                                    </p:animMotion>
+                                  </p:childTnLst>
+                                </p:cTn>
+                              </p:par>
+                              <p:par>
+                                <p:cTn id="81" presetID="42" presetClass="path" presetSubtype="0" accel="50000" decel="50000" fill="hold" grpId="0" nodeType="withEffect">
+                                  <p:stCondLst>
+                                    <p:cond delay="1000"/>
+                                  </p:stCondLst>
+                                  <p:childTnLst>
+                                    <p:animMotion origin="layout" path="M 8.33333E-7 -2.22222E-6 L 8.33333E-7 0.12755 " pathEditMode="relative" rAng="0" ptsTypes="AA">
+                                      <p:cBhvr>
+                                        <p:cTn id="82" dur="2000" fill="hold"/>
+                                        <p:tgtEl>
+                                          <p:spTgt spid="81"/>
+                                        </p:tgtEl>
+                                        <p:attrNameLst>
+                                          <p:attrName>ppt_x</p:attrName>
+                                          <p:attrName>ppt_y</p:attrName>
+                                        </p:attrNameLst>
+                                      </p:cBhvr>
+                                      <p:rCtr x="0" y="6366"/>
+                                    </p:animMotion>
+                                  </p:childTnLst>
+                                </p:cTn>
+                              </p:par>
+                            </p:childTnLst>
+                          </p:cTn>
+                        </p:par>
+                      </p:childTnLst>
+                    </p:cTn>
+                  </p:par>
+                </p:childTnLst>
+              </p:cTn>
+              <p:prevCondLst>
+                <p:cond evt="onPrev" delay="0">
+                  <p:tgtEl>
+                    <p:sldTgt/>
+                  </p:tgtEl>
+                </p:cond>
+              </p:prevCondLst>
+              <p:nextCondLst>
+                <p:cond evt="onNext" delay="0">
+                  <p:tgtEl>
+                    <p:sldTgt/>
+                  </p:tgtEl>
+                </p:cond>
+              </p:nextCondLst>
+            </p:seq>
+          </p:childTnLst>
+        </p:cTn>
+      </p:par>
+    </p:tnLst>
+    <p:bldLst>
+      <p:bldP spid="15" grpId="0"/>
+      <p:bldP spid="37" grpId="0"/>
+      <p:bldP spid="109" grpId="0" animBg="1"/>
+      <p:bldP spid="111" grpId="0" animBg="1"/>
+      <p:bldP spid="112" grpId="0" animBg="1"/>
+      <p:bldP spid="113" grpId="0" animBg="1"/>
+      <p:bldP spid="114" grpId="0" animBg="1"/>
+      <p:bldP spid="81" grpId="0" animBg="1"/>
+      <p:bldP spid="82" grpId="0" animBg="1"/>
+      <p:bldP spid="83" grpId="0" animBg="1"/>
     </p:bldLst>
   </p:timing>
 </p:sld>
